--- a/predictive_maintainance/Predictive Maintainance Results Presentation.pptx
+++ b/predictive_maintainance/Predictive Maintainance Results Presentation.pptx
@@ -1,49 +1,49 @@
 
 <file path=ppt/presentation.xml><?xml version="1.0" encoding="utf-8"?>
-<p:presentation xmlns:a="http://schemas.openxmlformats.org/drawingml/2006/main" xmlns:r="http://schemas.openxmlformats.org/officeDocument/2006/relationships" xmlns:mc="http://schemas.openxmlformats.org/markup-compatibility/2006" xmlns:mv="urn:schemas-microsoft-com:mac:vml" xmlns:p="http://schemas.openxmlformats.org/presentationml/2006/main" xmlns:c="http://schemas.openxmlformats.org/drawingml/2006/chart" xmlns:dgm="http://schemas.openxmlformats.org/drawingml/2006/diagram" xmlns:o="urn:schemas-microsoft-com:office:office" xmlns:v="urn:schemas-microsoft-com:vml" xmlns:pvml="urn:schemas-microsoft-com:office:powerpoint" xmlns:com="http://schemas.openxmlformats.org/drawingml/2006/compatibility" xmlns:p14="http://schemas.microsoft.com/office/powerpoint/2010/main" xmlns:p15="http://schemas.microsoft.com/office/powerpoint/2012/main" xmlns:ahyp="http://schemas.microsoft.com/office/drawing/2018/hyperlinkcolor" autoCompressPictures="0" embedTrueTypeFonts="1" strictFirstAndLastChars="0" saveSubsetFonts="1">
+<p:presentation xmlns:a="http://schemas.openxmlformats.org/drawingml/2006/main" xmlns:r="http://schemas.openxmlformats.org/officeDocument/2006/relationships" xmlns:p="http://schemas.openxmlformats.org/presentationml/2006/main" strictFirstAndLastChars="0" embedTrueTypeFonts="1" saveSubsetFonts="1" autoCompressPictures="0">
   <p:sldMasterIdLst>
-    <p:sldMasterId id="2147483659" r:id="rId4"/>
+    <p:sldMasterId id="2147483659" r:id="rId1"/>
   </p:sldMasterIdLst>
   <p:notesMasterIdLst>
-    <p:notesMasterId r:id="rId5"/>
+    <p:notesMasterId r:id="rId17"/>
   </p:notesMasterIdLst>
   <p:sldIdLst>
-    <p:sldId id="256" r:id="rId6"/>
-    <p:sldId id="257" r:id="rId7"/>
-    <p:sldId id="258" r:id="rId8"/>
-    <p:sldId id="259" r:id="rId9"/>
-    <p:sldId id="260" r:id="rId10"/>
-    <p:sldId id="261" r:id="rId11"/>
-    <p:sldId id="262" r:id="rId12"/>
-    <p:sldId id="263" r:id="rId13"/>
-    <p:sldId id="264" r:id="rId14"/>
-    <p:sldId id="265" r:id="rId15"/>
-    <p:sldId id="266" r:id="rId16"/>
-    <p:sldId id="267" r:id="rId17"/>
-    <p:sldId id="268" r:id="rId18"/>
-    <p:sldId id="269" r:id="rId19"/>
-    <p:sldId id="270" r:id="rId20"/>
+    <p:sldId id="256" r:id="rId2"/>
+    <p:sldId id="257" r:id="rId3"/>
+    <p:sldId id="258" r:id="rId4"/>
+    <p:sldId id="259" r:id="rId5"/>
+    <p:sldId id="260" r:id="rId6"/>
+    <p:sldId id="261" r:id="rId7"/>
+    <p:sldId id="262" r:id="rId8"/>
+    <p:sldId id="263" r:id="rId9"/>
+    <p:sldId id="264" r:id="rId10"/>
+    <p:sldId id="265" r:id="rId11"/>
+    <p:sldId id="266" r:id="rId12"/>
+    <p:sldId id="267" r:id="rId13"/>
+    <p:sldId id="268" r:id="rId14"/>
+    <p:sldId id="269" r:id="rId15"/>
+    <p:sldId id="270" r:id="rId16"/>
   </p:sldIdLst>
-  <p:sldSz cy="5143500" cx="9144000"/>
+  <p:sldSz cx="9144000" cy="5143500" type="screen16x9"/>
   <p:notesSz cx="6858000" cy="9144000"/>
   <p:embeddedFontLst>
     <p:embeddedFont>
-      <p:font typeface="Raleway"/>
-      <p:regular r:id="rId21"/>
-      <p:bold r:id="rId22"/>
-      <p:italic r:id="rId23"/>
-      <p:boldItalic r:id="rId24"/>
+      <p:font typeface="Lato" panose="020F0502020204030203" pitchFamily="34" charset="0"/>
+      <p:regular r:id="rId18"/>
+      <p:bold r:id="rId19"/>
+      <p:italic r:id="rId20"/>
+      <p:boldItalic r:id="rId21"/>
     </p:embeddedFont>
     <p:embeddedFont>
-      <p:font typeface="Lato"/>
-      <p:regular r:id="rId25"/>
-      <p:bold r:id="rId26"/>
-      <p:italic r:id="rId27"/>
-      <p:boldItalic r:id="rId28"/>
+      <p:font typeface="Raleway" pitchFamily="2" charset="0"/>
+      <p:regular r:id="rId22"/>
+      <p:bold r:id="rId23"/>
+      <p:italic r:id="rId24"/>
+      <p:boldItalic r:id="rId25"/>
     </p:embeddedFont>
   </p:embeddedFontLst>
   <p:defaultTextStyle>
-    <a:defPPr lvl="0" marR="0" rtl="0" algn="l">
+    <a:defPPr marR="0" lvl="0" algn="l" rtl="0">
       <a:lnSpc>
         <a:spcPct val="100000"/>
       </a:lnSpc>
@@ -54,7 +54,7 @@
         <a:spcPts val="0"/>
       </a:spcAft>
     </a:defPPr>
-    <a:lvl1pPr lvl="0" marR="0" rtl="0" algn="l">
+    <a:lvl1pPr marR="0" lvl="0" algn="l" rtl="0">
       <a:lnSpc>
         <a:spcPct val="100000"/>
       </a:lnSpc>
@@ -68,7 +68,7 @@
         <a:srgbClr val="000000"/>
       </a:buClr>
       <a:buFont typeface="Arial"/>
-      <a:defRPr b="0" i="0" sz="1400" u="none" cap="none" strike="noStrike">
+      <a:defRPr sz="1400" b="0" i="0" u="none" strike="noStrike" cap="none">
         <a:solidFill>
           <a:srgbClr val="000000"/>
         </a:solidFill>
@@ -78,7 +78,7 @@
         <a:sym typeface="Arial"/>
       </a:defRPr>
     </a:lvl1pPr>
-    <a:lvl2pPr lvl="1" marR="0" rtl="0" algn="l">
+    <a:lvl2pPr marR="0" lvl="1" algn="l" rtl="0">
       <a:lnSpc>
         <a:spcPct val="100000"/>
       </a:lnSpc>
@@ -92,7 +92,7 @@
         <a:srgbClr val="000000"/>
       </a:buClr>
       <a:buFont typeface="Arial"/>
-      <a:defRPr b="0" i="0" sz="1400" u="none" cap="none" strike="noStrike">
+      <a:defRPr sz="1400" b="0" i="0" u="none" strike="noStrike" cap="none">
         <a:solidFill>
           <a:srgbClr val="000000"/>
         </a:solidFill>
@@ -102,7 +102,7 @@
         <a:sym typeface="Arial"/>
       </a:defRPr>
     </a:lvl2pPr>
-    <a:lvl3pPr lvl="2" marR="0" rtl="0" algn="l">
+    <a:lvl3pPr marR="0" lvl="2" algn="l" rtl="0">
       <a:lnSpc>
         <a:spcPct val="100000"/>
       </a:lnSpc>
@@ -116,7 +116,7 @@
         <a:srgbClr val="000000"/>
       </a:buClr>
       <a:buFont typeface="Arial"/>
-      <a:defRPr b="0" i="0" sz="1400" u="none" cap="none" strike="noStrike">
+      <a:defRPr sz="1400" b="0" i="0" u="none" strike="noStrike" cap="none">
         <a:solidFill>
           <a:srgbClr val="000000"/>
         </a:solidFill>
@@ -126,7 +126,7 @@
         <a:sym typeface="Arial"/>
       </a:defRPr>
     </a:lvl3pPr>
-    <a:lvl4pPr lvl="3" marR="0" rtl="0" algn="l">
+    <a:lvl4pPr marR="0" lvl="3" algn="l" rtl="0">
       <a:lnSpc>
         <a:spcPct val="100000"/>
       </a:lnSpc>
@@ -140,7 +140,7 @@
         <a:srgbClr val="000000"/>
       </a:buClr>
       <a:buFont typeface="Arial"/>
-      <a:defRPr b="0" i="0" sz="1400" u="none" cap="none" strike="noStrike">
+      <a:defRPr sz="1400" b="0" i="0" u="none" strike="noStrike" cap="none">
         <a:solidFill>
           <a:srgbClr val="000000"/>
         </a:solidFill>
@@ -150,7 +150,7 @@
         <a:sym typeface="Arial"/>
       </a:defRPr>
     </a:lvl4pPr>
-    <a:lvl5pPr lvl="4" marR="0" rtl="0" algn="l">
+    <a:lvl5pPr marR="0" lvl="4" algn="l" rtl="0">
       <a:lnSpc>
         <a:spcPct val="100000"/>
       </a:lnSpc>
@@ -164,7 +164,7 @@
         <a:srgbClr val="000000"/>
       </a:buClr>
       <a:buFont typeface="Arial"/>
-      <a:defRPr b="0" i="0" sz="1400" u="none" cap="none" strike="noStrike">
+      <a:defRPr sz="1400" b="0" i="0" u="none" strike="noStrike" cap="none">
         <a:solidFill>
           <a:srgbClr val="000000"/>
         </a:solidFill>
@@ -174,7 +174,7 @@
         <a:sym typeface="Arial"/>
       </a:defRPr>
     </a:lvl5pPr>
-    <a:lvl6pPr lvl="5" marR="0" rtl="0" algn="l">
+    <a:lvl6pPr marR="0" lvl="5" algn="l" rtl="0">
       <a:lnSpc>
         <a:spcPct val="100000"/>
       </a:lnSpc>
@@ -188,7 +188,7 @@
         <a:srgbClr val="000000"/>
       </a:buClr>
       <a:buFont typeface="Arial"/>
-      <a:defRPr b="0" i="0" sz="1400" u="none" cap="none" strike="noStrike">
+      <a:defRPr sz="1400" b="0" i="0" u="none" strike="noStrike" cap="none">
         <a:solidFill>
           <a:srgbClr val="000000"/>
         </a:solidFill>
@@ -198,7 +198,7 @@
         <a:sym typeface="Arial"/>
       </a:defRPr>
     </a:lvl6pPr>
-    <a:lvl7pPr lvl="6" marR="0" rtl="0" algn="l">
+    <a:lvl7pPr marR="0" lvl="6" algn="l" rtl="0">
       <a:lnSpc>
         <a:spcPct val="100000"/>
       </a:lnSpc>
@@ -212,7 +212,7 @@
         <a:srgbClr val="000000"/>
       </a:buClr>
       <a:buFont typeface="Arial"/>
-      <a:defRPr b="0" i="0" sz="1400" u="none" cap="none" strike="noStrike">
+      <a:defRPr sz="1400" b="0" i="0" u="none" strike="noStrike" cap="none">
         <a:solidFill>
           <a:srgbClr val="000000"/>
         </a:solidFill>
@@ -222,7 +222,7 @@
         <a:sym typeface="Arial"/>
       </a:defRPr>
     </a:lvl7pPr>
-    <a:lvl8pPr lvl="7" marR="0" rtl="0" algn="l">
+    <a:lvl8pPr marR="0" lvl="7" algn="l" rtl="0">
       <a:lnSpc>
         <a:spcPct val="100000"/>
       </a:lnSpc>
@@ -236,7 +236,7 @@
         <a:srgbClr val="000000"/>
       </a:buClr>
       <a:buFont typeface="Arial"/>
-      <a:defRPr b="0" i="0" sz="1400" u="none" cap="none" strike="noStrike">
+      <a:defRPr sz="1400" b="0" i="0" u="none" strike="noStrike" cap="none">
         <a:solidFill>
           <a:srgbClr val="000000"/>
         </a:solidFill>
@@ -246,7 +246,7 @@
         <a:sym typeface="Arial"/>
       </a:defRPr>
     </a:lvl8pPr>
-    <a:lvl9pPr lvl="8" marR="0" rtl="0" algn="l">
+    <a:lvl9pPr marR="0" lvl="8" algn="l" rtl="0">
       <a:lnSpc>
         <a:spcPct val="100000"/>
       </a:lnSpc>
@@ -260,7 +260,7 @@
         <a:srgbClr val="000000"/>
       </a:buClr>
       <a:buFont typeface="Arial"/>
-      <a:defRPr b="0" i="0" sz="1400" u="none" cap="none" strike="noStrike">
+      <a:defRPr sz="1400" b="0" i="0" u="none" strike="noStrike" cap="none">
         <a:solidFill>
           <a:srgbClr val="000000"/>
         </a:solidFill>
@@ -273,7 +273,7 @@
   </p:defaultTextStyle>
   <p:extLst>
     <p:ext uri="{EFAFB233-063F-42B5-8137-9DF3F51BA10A}">
-      <p15:sldGuideLst>
+      <p15:sldGuideLst xmlns:p15="http://schemas.microsoft.com/office/powerpoint/2012/main">
         <p15:guide id="1" orient="horz" pos="1620">
           <p15:clr>
             <a:srgbClr val="747775"/>
@@ -291,11 +291,16 @@
 </file>
 
 <file path=ppt/notesMasters/notesMaster1.xml><?xml version="1.0" encoding="utf-8"?>
-<p:notesMaster xmlns:a="http://schemas.openxmlformats.org/drawingml/2006/main" xmlns:r="http://schemas.openxmlformats.org/officeDocument/2006/relationships" xmlns:mc="http://schemas.openxmlformats.org/markup-compatibility/2006" xmlns:mv="urn:schemas-microsoft-com:mac:vml" xmlns:p="http://schemas.openxmlformats.org/presentationml/2006/main" xmlns:c="http://schemas.openxmlformats.org/drawingml/2006/chart" xmlns:dgm="http://schemas.openxmlformats.org/drawingml/2006/diagram" xmlns:o="urn:schemas-microsoft-com:office:office" xmlns:v="urn:schemas-microsoft-com:vml" xmlns:pvml="urn:schemas-microsoft-com:office:powerpoint" xmlns:com="http://schemas.openxmlformats.org/drawingml/2006/compatibility" xmlns:p14="http://schemas.microsoft.com/office/powerpoint/2010/main" xmlns:p15="http://schemas.microsoft.com/office/powerpoint/2012/main" xmlns:ahyp="http://schemas.microsoft.com/office/drawing/2018/hyperlinkcolor">
+<p:notesMaster xmlns:a="http://schemas.openxmlformats.org/drawingml/2006/main" xmlns:r="http://schemas.openxmlformats.org/officeDocument/2006/relationships" xmlns:p="http://schemas.openxmlformats.org/presentationml/2006/main">
   <p:cSld>
+    <p:bg>
+      <p:bgRef idx="1001">
+        <a:schemeClr val="bg1"/>
+      </p:bgRef>
+    </p:bg>
     <p:spTree>
       <p:nvGrpSpPr>
-        <p:cNvPr id="2" name="Shape 2"/>
+        <p:cNvPr id="1" name="Shape 2"/>
         <p:cNvGrpSpPr/>
         <p:nvPr/>
       </p:nvGrpSpPr>
@@ -310,9 +315,11 @@
       <p:sp>
         <p:nvSpPr>
           <p:cNvPr id="3" name="Google Shape;3;n"/>
-          <p:cNvSpPr/>
+          <p:cNvSpPr>
+            <a:spLocks noGrp="1" noRot="1" noChangeAspect="1"/>
+          </p:cNvSpPr>
           <p:nvPr>
-            <p:ph idx="2" type="sldImg"/>
+            <p:ph type="sldImg" idx="2"/>
           </p:nvPr>
         </p:nvSpPr>
         <p:spPr>
@@ -321,9 +328,13 @@
             <a:ext cx="6096075" cy="3429000"/>
           </a:xfrm>
           <a:custGeom>
-            <a:rect b="b" l="l" r="r" t="t"/>
+            <a:avLst/>
+            <a:gdLst/>
+            <a:ahLst/>
+            <a:cxnLst/>
+            <a:rect l="l" t="t" r="r" b="b"/>
             <a:pathLst>
-              <a:path extrusionOk="0" h="120000" w="120000">
+              <a:path w="120000" h="120000" extrusionOk="0">
                 <a:moveTo>
                   <a:pt x="0" y="0"/>
                 </a:moveTo>
@@ -341,23 +352,25 @@
             </a:pathLst>
           </a:custGeom>
           <a:noFill/>
-          <a:ln cap="flat" cmpd="sng" w="9525">
+          <a:ln w="9525" cap="flat" cmpd="sng">
             <a:solidFill>
               <a:srgbClr val="000000"/>
             </a:solidFill>
             <a:prstDash val="solid"/>
             <a:round/>
-            <a:headEnd len="sm" w="sm" type="none"/>
-            <a:tailEnd len="sm" w="sm" type="none"/>
+            <a:headEnd type="none" w="sm" len="sm"/>
+            <a:tailEnd type="none" w="sm" len="sm"/>
           </a:ln>
         </p:spPr>
       </p:sp>
       <p:sp>
         <p:nvSpPr>
           <p:cNvPr id="4" name="Google Shape;4;n"/>
-          <p:cNvSpPr txBox="1"/>
+          <p:cNvSpPr txBox="1">
+            <a:spLocks noGrp="1"/>
+          </p:cNvSpPr>
           <p:nvPr>
-            <p:ph idx="1" type="body"/>
+            <p:ph type="body" idx="1"/>
           </p:nvPr>
         </p:nvSpPr>
         <p:spPr>
@@ -374,11 +387,11 @@
           </a:ln>
         </p:spPr>
         <p:txBody>
-          <a:bodyPr anchorCtr="0" anchor="t" bIns="91425" lIns="91425" spcFirstLastPara="1" rIns="91425" wrap="square" tIns="91425">
+          <a:bodyPr spcFirstLastPara="1" wrap="square" lIns="91425" tIns="91425" rIns="91425" bIns="91425" anchor="t" anchorCtr="0">
             <a:noAutofit/>
           </a:bodyPr>
           <a:lstStyle>
-            <a:lvl1pPr indent="-298450" lvl="0" marL="457200">
+            <a:lvl1pPr marL="457200" lvl="0" indent="-298450">
               <a:spcBef>
                 <a:spcPts val="0"/>
               </a:spcBef>
@@ -389,7 +402,7 @@
               <a:buChar char="●"/>
               <a:defRPr sz="1100"/>
             </a:lvl1pPr>
-            <a:lvl2pPr indent="-298450" lvl="1" marL="914400">
+            <a:lvl2pPr marL="914400" lvl="1" indent="-298450">
               <a:spcBef>
                 <a:spcPts val="0"/>
               </a:spcBef>
@@ -400,7 +413,7 @@
               <a:buChar char="○"/>
               <a:defRPr sz="1100"/>
             </a:lvl2pPr>
-            <a:lvl3pPr indent="-298450" lvl="2" marL="1371600">
+            <a:lvl3pPr marL="1371600" lvl="2" indent="-298450">
               <a:spcBef>
                 <a:spcPts val="0"/>
               </a:spcBef>
@@ -411,7 +424,7 @@
               <a:buChar char="■"/>
               <a:defRPr sz="1100"/>
             </a:lvl3pPr>
-            <a:lvl4pPr indent="-298450" lvl="3" marL="1828800">
+            <a:lvl4pPr marL="1828800" lvl="3" indent="-298450">
               <a:spcBef>
                 <a:spcPts val="0"/>
               </a:spcBef>
@@ -422,7 +435,7 @@
               <a:buChar char="●"/>
               <a:defRPr sz="1100"/>
             </a:lvl4pPr>
-            <a:lvl5pPr indent="-298450" lvl="4" marL="2286000">
+            <a:lvl5pPr marL="2286000" lvl="4" indent="-298450">
               <a:spcBef>
                 <a:spcPts val="0"/>
               </a:spcBef>
@@ -433,7 +446,7 @@
               <a:buChar char="○"/>
               <a:defRPr sz="1100"/>
             </a:lvl5pPr>
-            <a:lvl6pPr indent="-298450" lvl="5" marL="2743200">
+            <a:lvl6pPr marL="2743200" lvl="5" indent="-298450">
               <a:spcBef>
                 <a:spcPts val="0"/>
               </a:spcBef>
@@ -444,7 +457,7 @@
               <a:buChar char="■"/>
               <a:defRPr sz="1100"/>
             </a:lvl6pPr>
-            <a:lvl7pPr indent="-298450" lvl="6" marL="3200400">
+            <a:lvl7pPr marL="3200400" lvl="6" indent="-298450">
               <a:spcBef>
                 <a:spcPts val="0"/>
               </a:spcBef>
@@ -455,7 +468,7 @@
               <a:buChar char="●"/>
               <a:defRPr sz="1100"/>
             </a:lvl7pPr>
-            <a:lvl8pPr indent="-298450" lvl="7" marL="3657600">
+            <a:lvl8pPr marL="3657600" lvl="7" indent="-298450">
               <a:spcBef>
                 <a:spcPts val="0"/>
               </a:spcBef>
@@ -466,7 +479,7 @@
               <a:buChar char="○"/>
               <a:defRPr sz="1100"/>
             </a:lvl8pPr>
-            <a:lvl9pPr indent="-298450" lvl="8" marL="4114800">
+            <a:lvl9pPr marL="4114800" lvl="8" indent="-298450">
               <a:spcBef>
                 <a:spcPts val="0"/>
               </a:spcBef>
@@ -478,14 +491,16 @@
               <a:defRPr sz="1100"/>
             </a:lvl9pPr>
           </a:lstStyle>
-          <a:p/>
+          <a:p>
+            <a:endParaRPr/>
+          </a:p>
         </p:txBody>
       </p:sp>
     </p:spTree>
   </p:cSld>
-  <p:clrMap accent1="accent1" accent2="accent2" accent3="accent3" accent4="accent4" accent5="accent5" accent6="accent6" bg1="lt1" bg2="dk2" tx1="dk1" tx2="lt2" folHlink="folHlink" hlink="hlink"/>
+  <p:clrMap bg1="lt1" tx1="dk1" bg2="dk2" tx2="lt2" accent1="accent1" accent2="accent2" accent3="accent3" accent4="accent4" accent5="accent5" accent6="accent6" hlink="hlink" folHlink="folHlink"/>
   <p:notesStyle>
-    <a:defPPr lvl="0" marR="0" rtl="0" algn="l">
+    <a:defPPr marR="0" lvl="0" algn="l" rtl="0">
       <a:lnSpc>
         <a:spcPct val="100000"/>
       </a:lnSpc>
@@ -496,7 +511,7 @@
         <a:spcPts val="0"/>
       </a:spcAft>
     </a:defPPr>
-    <a:lvl1pPr lvl="0" marR="0" rtl="0" algn="l">
+    <a:lvl1pPr marR="0" lvl="0" algn="l" rtl="0">
       <a:lnSpc>
         <a:spcPct val="100000"/>
       </a:lnSpc>
@@ -510,7 +525,7 @@
         <a:srgbClr val="000000"/>
       </a:buClr>
       <a:buFont typeface="Arial"/>
-      <a:defRPr b="0" i="0" sz="1400" u="none" cap="none" strike="noStrike">
+      <a:defRPr sz="1400" b="0" i="0" u="none" strike="noStrike" cap="none">
         <a:solidFill>
           <a:srgbClr val="000000"/>
         </a:solidFill>
@@ -520,7 +535,7 @@
         <a:sym typeface="Arial"/>
       </a:defRPr>
     </a:lvl1pPr>
-    <a:lvl2pPr lvl="1" marR="0" rtl="0" algn="l">
+    <a:lvl2pPr marR="0" lvl="1" algn="l" rtl="0">
       <a:lnSpc>
         <a:spcPct val="100000"/>
       </a:lnSpc>
@@ -534,7 +549,7 @@
         <a:srgbClr val="000000"/>
       </a:buClr>
       <a:buFont typeface="Arial"/>
-      <a:defRPr b="0" i="0" sz="1400" u="none" cap="none" strike="noStrike">
+      <a:defRPr sz="1400" b="0" i="0" u="none" strike="noStrike" cap="none">
         <a:solidFill>
           <a:srgbClr val="000000"/>
         </a:solidFill>
@@ -544,7 +559,7 @@
         <a:sym typeface="Arial"/>
       </a:defRPr>
     </a:lvl2pPr>
-    <a:lvl3pPr lvl="2" marR="0" rtl="0" algn="l">
+    <a:lvl3pPr marR="0" lvl="2" algn="l" rtl="0">
       <a:lnSpc>
         <a:spcPct val="100000"/>
       </a:lnSpc>
@@ -558,7 +573,7 @@
         <a:srgbClr val="000000"/>
       </a:buClr>
       <a:buFont typeface="Arial"/>
-      <a:defRPr b="0" i="0" sz="1400" u="none" cap="none" strike="noStrike">
+      <a:defRPr sz="1400" b="0" i="0" u="none" strike="noStrike" cap="none">
         <a:solidFill>
           <a:srgbClr val="000000"/>
         </a:solidFill>
@@ -568,7 +583,7 @@
         <a:sym typeface="Arial"/>
       </a:defRPr>
     </a:lvl3pPr>
-    <a:lvl4pPr lvl="3" marR="0" rtl="0" algn="l">
+    <a:lvl4pPr marR="0" lvl="3" algn="l" rtl="0">
       <a:lnSpc>
         <a:spcPct val="100000"/>
       </a:lnSpc>
@@ -582,7 +597,7 @@
         <a:srgbClr val="000000"/>
       </a:buClr>
       <a:buFont typeface="Arial"/>
-      <a:defRPr b="0" i="0" sz="1400" u="none" cap="none" strike="noStrike">
+      <a:defRPr sz="1400" b="0" i="0" u="none" strike="noStrike" cap="none">
         <a:solidFill>
           <a:srgbClr val="000000"/>
         </a:solidFill>
@@ -592,7 +607,7 @@
         <a:sym typeface="Arial"/>
       </a:defRPr>
     </a:lvl4pPr>
-    <a:lvl5pPr lvl="4" marR="0" rtl="0" algn="l">
+    <a:lvl5pPr marR="0" lvl="4" algn="l" rtl="0">
       <a:lnSpc>
         <a:spcPct val="100000"/>
       </a:lnSpc>
@@ -606,7 +621,7 @@
         <a:srgbClr val="000000"/>
       </a:buClr>
       <a:buFont typeface="Arial"/>
-      <a:defRPr b="0" i="0" sz="1400" u="none" cap="none" strike="noStrike">
+      <a:defRPr sz="1400" b="0" i="0" u="none" strike="noStrike" cap="none">
         <a:solidFill>
           <a:srgbClr val="000000"/>
         </a:solidFill>
@@ -616,7 +631,7 @@
         <a:sym typeface="Arial"/>
       </a:defRPr>
     </a:lvl5pPr>
-    <a:lvl6pPr lvl="5" marR="0" rtl="0" algn="l">
+    <a:lvl6pPr marR="0" lvl="5" algn="l" rtl="0">
       <a:lnSpc>
         <a:spcPct val="100000"/>
       </a:lnSpc>
@@ -630,7 +645,7 @@
         <a:srgbClr val="000000"/>
       </a:buClr>
       <a:buFont typeface="Arial"/>
-      <a:defRPr b="0" i="0" sz="1400" u="none" cap="none" strike="noStrike">
+      <a:defRPr sz="1400" b="0" i="0" u="none" strike="noStrike" cap="none">
         <a:solidFill>
           <a:srgbClr val="000000"/>
         </a:solidFill>
@@ -640,7 +655,7 @@
         <a:sym typeface="Arial"/>
       </a:defRPr>
     </a:lvl6pPr>
-    <a:lvl7pPr lvl="6" marR="0" rtl="0" algn="l">
+    <a:lvl7pPr marR="0" lvl="6" algn="l" rtl="0">
       <a:lnSpc>
         <a:spcPct val="100000"/>
       </a:lnSpc>
@@ -654,7 +669,7 @@
         <a:srgbClr val="000000"/>
       </a:buClr>
       <a:buFont typeface="Arial"/>
-      <a:defRPr b="0" i="0" sz="1400" u="none" cap="none" strike="noStrike">
+      <a:defRPr sz="1400" b="0" i="0" u="none" strike="noStrike" cap="none">
         <a:solidFill>
           <a:srgbClr val="000000"/>
         </a:solidFill>
@@ -664,7 +679,7 @@
         <a:sym typeface="Arial"/>
       </a:defRPr>
     </a:lvl7pPr>
-    <a:lvl8pPr lvl="7" marR="0" rtl="0" algn="l">
+    <a:lvl8pPr marR="0" lvl="7" algn="l" rtl="0">
       <a:lnSpc>
         <a:spcPct val="100000"/>
       </a:lnSpc>
@@ -678,7 +693,7 @@
         <a:srgbClr val="000000"/>
       </a:buClr>
       <a:buFont typeface="Arial"/>
-      <a:defRPr b="0" i="0" sz="1400" u="none" cap="none" strike="noStrike">
+      <a:defRPr sz="1400" b="0" i="0" u="none" strike="noStrike" cap="none">
         <a:solidFill>
           <a:srgbClr val="000000"/>
         </a:solidFill>
@@ -688,7 +703,7 @@
         <a:sym typeface="Arial"/>
       </a:defRPr>
     </a:lvl8pPr>
-    <a:lvl9pPr lvl="8" marR="0" rtl="0" algn="l">
+    <a:lvl9pPr marR="0" lvl="8" algn="l" rtl="0">
       <a:lnSpc>
         <a:spcPct val="100000"/>
       </a:lnSpc>
@@ -702,7 +717,7 @@
         <a:srgbClr val="000000"/>
       </a:buClr>
       <a:buFont typeface="Arial"/>
-      <a:defRPr b="0" i="0" sz="1400" u="none" cap="none" strike="noStrike">
+      <a:defRPr sz="1400" b="0" i="0" u="none" strike="noStrike" cap="none">
         <a:solidFill>
           <a:srgbClr val="000000"/>
         </a:solidFill>
@@ -717,11 +732,11 @@
 </file>
 
 <file path=ppt/notesSlides/notesSlide1.xml><?xml version="1.0" encoding="utf-8"?>
-<p:notes xmlns:a="http://schemas.openxmlformats.org/drawingml/2006/main" xmlns:r="http://schemas.openxmlformats.org/officeDocument/2006/relationships" xmlns:mc="http://schemas.openxmlformats.org/markup-compatibility/2006" xmlns:mv="urn:schemas-microsoft-com:mac:vml" xmlns:p="http://schemas.openxmlformats.org/presentationml/2006/main" xmlns:c="http://schemas.openxmlformats.org/drawingml/2006/chart" xmlns:dgm="http://schemas.openxmlformats.org/drawingml/2006/diagram" xmlns:o="urn:schemas-microsoft-com:office:office" xmlns:v="urn:schemas-microsoft-com:vml" xmlns:pvml="urn:schemas-microsoft-com:office:powerpoint" xmlns:com="http://schemas.openxmlformats.org/drawingml/2006/compatibility" xmlns:p14="http://schemas.microsoft.com/office/powerpoint/2010/main" xmlns:p15="http://schemas.microsoft.com/office/powerpoint/2012/main" xmlns:ahyp="http://schemas.microsoft.com/office/drawing/2018/hyperlinkcolor" showMasterPhAnim="0" showMasterSp="0">
+<p:notes xmlns:a="http://schemas.openxmlformats.org/drawingml/2006/main" xmlns:r="http://schemas.openxmlformats.org/officeDocument/2006/relationships" xmlns:p="http://schemas.openxmlformats.org/presentationml/2006/main" showMasterSp="0" showMasterPhAnim="0">
   <p:cSld>
     <p:spTree>
       <p:nvGrpSpPr>
-        <p:cNvPr id="82" name="Shape 82"/>
+        <p:cNvPr id="1" name="Shape 82"/>
         <p:cNvGrpSpPr/>
         <p:nvPr/>
       </p:nvGrpSpPr>
@@ -736,9 +751,11 @@
       <p:sp>
         <p:nvSpPr>
           <p:cNvPr id="83" name="Google Shape;83;p:notes"/>
-          <p:cNvSpPr/>
+          <p:cNvSpPr>
+            <a:spLocks noGrp="1" noRot="1" noChangeAspect="1"/>
+          </p:cNvSpPr>
           <p:nvPr>
-            <p:ph idx="2" type="sldImg"/>
+            <p:ph type="sldImg" idx="2"/>
           </p:nvPr>
         </p:nvSpPr>
         <p:spPr>
@@ -747,9 +764,13 @@
             <a:ext cx="6096075" cy="3429000"/>
           </a:xfrm>
           <a:custGeom>
-            <a:rect b="b" l="l" r="r" t="t"/>
+            <a:avLst/>
+            <a:gdLst/>
+            <a:ahLst/>
+            <a:cxnLst/>
+            <a:rect l="l" t="t" r="r" b="b"/>
             <a:pathLst>
-              <a:path extrusionOk="0" h="120000" w="120000">
+              <a:path w="120000" h="120000" extrusionOk="0">
                 <a:moveTo>
                   <a:pt x="0" y="0"/>
                 </a:moveTo>
@@ -771,9 +792,11 @@
       <p:sp>
         <p:nvSpPr>
           <p:cNvPr id="84" name="Google Shape;84;p:notes"/>
-          <p:cNvSpPr txBox="1"/>
+          <p:cNvSpPr txBox="1">
+            <a:spLocks noGrp="1"/>
+          </p:cNvSpPr>
           <p:nvPr>
-            <p:ph idx="1" type="body"/>
+            <p:ph type="body" idx="1"/>
           </p:nvPr>
         </p:nvSpPr>
         <p:spPr>
@@ -786,23 +809,20 @@
           </a:prstGeom>
         </p:spPr>
         <p:txBody>
-          <a:bodyPr anchorCtr="0" anchor="t" bIns="91425" lIns="91425" spcFirstLastPara="1" rIns="91425" wrap="square" tIns="91425">
+          <a:bodyPr spcFirstLastPara="1" wrap="square" lIns="91425" tIns="91425" rIns="91425" bIns="91425" anchor="t" anchorCtr="0">
             <a:noAutofit/>
           </a:bodyPr>
           <a:lstStyle/>
           <a:p>
-            <a:pPr indent="0" lvl="0" marL="0" rtl="0" algn="l">
-              <a:spcBef>
-                <a:spcPts val="0"/>
-              </a:spcBef>
-              <a:spcAft>
-                <a:spcPts val="0"/>
-              </a:spcAft>
-              <a:buNone/>
-            </a:pPr>
-            <a:r>
-              <a:t/>
-            </a:r>
+            <a:pPr marL="0" lvl="0" indent="0" algn="l" rtl="0">
+              <a:spcBef>
+                <a:spcPts val="0"/>
+              </a:spcBef>
+              <a:spcAft>
+                <a:spcPts val="0"/>
+              </a:spcAft>
+              <a:buNone/>
+            </a:pPr>
             <a:endParaRPr/>
           </a:p>
         </p:txBody>
@@ -816,11 +836,11 @@
 </file>
 
 <file path=ppt/notesSlides/notesSlide10.xml><?xml version="1.0" encoding="utf-8"?>
-<p:notes xmlns:a="http://schemas.openxmlformats.org/drawingml/2006/main" xmlns:r="http://schemas.openxmlformats.org/officeDocument/2006/relationships" xmlns:mc="http://schemas.openxmlformats.org/markup-compatibility/2006" xmlns:mv="urn:schemas-microsoft-com:mac:vml" xmlns:p="http://schemas.openxmlformats.org/presentationml/2006/main" xmlns:c="http://schemas.openxmlformats.org/drawingml/2006/chart" xmlns:dgm="http://schemas.openxmlformats.org/drawingml/2006/diagram" xmlns:o="urn:schemas-microsoft-com:office:office" xmlns:v="urn:schemas-microsoft-com:vml" xmlns:pvml="urn:schemas-microsoft-com:office:powerpoint" xmlns:com="http://schemas.openxmlformats.org/drawingml/2006/compatibility" xmlns:p14="http://schemas.microsoft.com/office/powerpoint/2010/main" xmlns:p15="http://schemas.microsoft.com/office/powerpoint/2012/main" xmlns:ahyp="http://schemas.microsoft.com/office/drawing/2018/hyperlinkcolor" showMasterPhAnim="0" showMasterSp="0">
+<p:notes xmlns:a="http://schemas.openxmlformats.org/drawingml/2006/main" xmlns:r="http://schemas.openxmlformats.org/officeDocument/2006/relationships" xmlns:p="http://schemas.openxmlformats.org/presentationml/2006/main" showMasterSp="0" showMasterPhAnim="0">
   <p:cSld>
     <p:spTree>
       <p:nvGrpSpPr>
-        <p:cNvPr id="140" name="Shape 140"/>
+        <p:cNvPr id="1" name="Shape 140"/>
         <p:cNvGrpSpPr/>
         <p:nvPr/>
       </p:nvGrpSpPr>
@@ -835,9 +855,11 @@
       <p:sp>
         <p:nvSpPr>
           <p:cNvPr id="141" name="Google Shape;141;g30cbda5a907_0_283:notes"/>
-          <p:cNvSpPr/>
+          <p:cNvSpPr>
+            <a:spLocks noGrp="1" noRot="1" noChangeAspect="1"/>
+          </p:cNvSpPr>
           <p:nvPr>
-            <p:ph idx="2" type="sldImg"/>
+            <p:ph type="sldImg" idx="2"/>
           </p:nvPr>
         </p:nvSpPr>
         <p:spPr>
@@ -846,9 +868,13 @@
             <a:ext cx="6096000" cy="3429000"/>
           </a:xfrm>
           <a:custGeom>
-            <a:rect b="b" l="l" r="r" t="t"/>
+            <a:avLst/>
+            <a:gdLst/>
+            <a:ahLst/>
+            <a:cxnLst/>
+            <a:rect l="l" t="t" r="r" b="b"/>
             <a:pathLst>
-              <a:path extrusionOk="0" h="120000" w="120000">
+              <a:path w="120000" h="120000" extrusionOk="0">
                 <a:moveTo>
                   <a:pt x="0" y="0"/>
                 </a:moveTo>
@@ -870,9 +896,11 @@
       <p:sp>
         <p:nvSpPr>
           <p:cNvPr id="142" name="Google Shape;142;g30cbda5a907_0_283:notes"/>
-          <p:cNvSpPr txBox="1"/>
+          <p:cNvSpPr txBox="1">
+            <a:spLocks noGrp="1"/>
+          </p:cNvSpPr>
           <p:nvPr>
-            <p:ph idx="1" type="body"/>
+            <p:ph type="body" idx="1"/>
           </p:nvPr>
         </p:nvSpPr>
         <p:spPr>
@@ -885,23 +913,20 @@
           </a:prstGeom>
         </p:spPr>
         <p:txBody>
-          <a:bodyPr anchorCtr="0" anchor="t" bIns="91425" lIns="91425" spcFirstLastPara="1" rIns="91425" wrap="square" tIns="91425">
+          <a:bodyPr spcFirstLastPara="1" wrap="square" lIns="91425" tIns="91425" rIns="91425" bIns="91425" anchor="t" anchorCtr="0">
             <a:noAutofit/>
           </a:bodyPr>
           <a:lstStyle/>
           <a:p>
-            <a:pPr indent="0" lvl="0" marL="0" rtl="0" algn="l">
-              <a:spcBef>
-                <a:spcPts val="0"/>
-              </a:spcBef>
-              <a:spcAft>
-                <a:spcPts val="0"/>
-              </a:spcAft>
-              <a:buNone/>
-            </a:pPr>
-            <a:r>
-              <a:t/>
-            </a:r>
+            <a:pPr marL="0" lvl="0" indent="0" algn="l" rtl="0">
+              <a:spcBef>
+                <a:spcPts val="0"/>
+              </a:spcBef>
+              <a:spcAft>
+                <a:spcPts val="0"/>
+              </a:spcAft>
+              <a:buNone/>
+            </a:pPr>
             <a:endParaRPr/>
           </a:p>
         </p:txBody>
@@ -915,11 +940,11 @@
 </file>
 
 <file path=ppt/notesSlides/notesSlide11.xml><?xml version="1.0" encoding="utf-8"?>
-<p:notes xmlns:a="http://schemas.openxmlformats.org/drawingml/2006/main" xmlns:r="http://schemas.openxmlformats.org/officeDocument/2006/relationships" xmlns:mc="http://schemas.openxmlformats.org/markup-compatibility/2006" xmlns:mv="urn:schemas-microsoft-com:mac:vml" xmlns:p="http://schemas.openxmlformats.org/presentationml/2006/main" xmlns:c="http://schemas.openxmlformats.org/drawingml/2006/chart" xmlns:dgm="http://schemas.openxmlformats.org/drawingml/2006/diagram" xmlns:o="urn:schemas-microsoft-com:office:office" xmlns:v="urn:schemas-microsoft-com:vml" xmlns:pvml="urn:schemas-microsoft-com:office:powerpoint" xmlns:com="http://schemas.openxmlformats.org/drawingml/2006/compatibility" xmlns:p14="http://schemas.microsoft.com/office/powerpoint/2010/main" xmlns:p15="http://schemas.microsoft.com/office/powerpoint/2012/main" xmlns:ahyp="http://schemas.microsoft.com/office/drawing/2018/hyperlinkcolor" showMasterPhAnim="0" showMasterSp="0">
+<p:notes xmlns:a="http://schemas.openxmlformats.org/drawingml/2006/main" xmlns:r="http://schemas.openxmlformats.org/officeDocument/2006/relationships" xmlns:p="http://schemas.openxmlformats.org/presentationml/2006/main" showMasterSp="0" showMasterPhAnim="0">
   <p:cSld>
     <p:spTree>
       <p:nvGrpSpPr>
-        <p:cNvPr id="146" name="Shape 146"/>
+        <p:cNvPr id="1" name="Shape 146"/>
         <p:cNvGrpSpPr/>
         <p:nvPr/>
       </p:nvGrpSpPr>
@@ -934,20 +959,26 @@
       <p:sp>
         <p:nvSpPr>
           <p:cNvPr id="147" name="Google Shape;147;g30cbda5a907_0_288:notes"/>
-          <p:cNvSpPr/>
+          <p:cNvSpPr>
+            <a:spLocks noGrp="1" noRot="1" noChangeAspect="1"/>
+          </p:cNvSpPr>
           <p:nvPr>
-            <p:ph idx="2" type="sldImg"/>
+            <p:ph type="sldImg" idx="2"/>
           </p:nvPr>
         </p:nvSpPr>
         <p:spPr>
           <a:xfrm>
-            <a:off x="381300" y="685800"/>
+            <a:off x="381000" y="685800"/>
             <a:ext cx="6096000" cy="3429000"/>
           </a:xfrm>
           <a:custGeom>
-            <a:rect b="b" l="l" r="r" t="t"/>
+            <a:avLst/>
+            <a:gdLst/>
+            <a:ahLst/>
+            <a:cxnLst/>
+            <a:rect l="l" t="t" r="r" b="b"/>
             <a:pathLst>
-              <a:path extrusionOk="0" h="120000" w="120000">
+              <a:path w="120000" h="120000" extrusionOk="0">
                 <a:moveTo>
                   <a:pt x="0" y="0"/>
                 </a:moveTo>
@@ -969,9 +1000,11 @@
       <p:sp>
         <p:nvSpPr>
           <p:cNvPr id="148" name="Google Shape;148;g30cbda5a907_0_288:notes"/>
-          <p:cNvSpPr txBox="1"/>
+          <p:cNvSpPr txBox="1">
+            <a:spLocks noGrp="1"/>
+          </p:cNvSpPr>
           <p:nvPr>
-            <p:ph idx="1" type="body"/>
+            <p:ph type="body" idx="1"/>
           </p:nvPr>
         </p:nvSpPr>
         <p:spPr>
@@ -984,23 +1017,20 @@
           </a:prstGeom>
         </p:spPr>
         <p:txBody>
-          <a:bodyPr anchorCtr="0" anchor="t" bIns="91425" lIns="91425" spcFirstLastPara="1" rIns="91425" wrap="square" tIns="91425">
+          <a:bodyPr spcFirstLastPara="1" wrap="square" lIns="91425" tIns="91425" rIns="91425" bIns="91425" anchor="t" anchorCtr="0">
             <a:noAutofit/>
           </a:bodyPr>
           <a:lstStyle/>
           <a:p>
-            <a:pPr indent="0" lvl="0" marL="0" rtl="0" algn="l">
-              <a:spcBef>
-                <a:spcPts val="0"/>
-              </a:spcBef>
-              <a:spcAft>
-                <a:spcPts val="0"/>
-              </a:spcAft>
-              <a:buNone/>
-            </a:pPr>
-            <a:r>
-              <a:t/>
-            </a:r>
+            <a:pPr marL="0" lvl="0" indent="0" algn="l" rtl="0">
+              <a:spcBef>
+                <a:spcPts val="0"/>
+              </a:spcBef>
+              <a:spcAft>
+                <a:spcPts val="0"/>
+              </a:spcAft>
+              <a:buNone/>
+            </a:pPr>
             <a:endParaRPr/>
           </a:p>
         </p:txBody>
@@ -1014,11 +1044,11 @@
 </file>
 
 <file path=ppt/notesSlides/notesSlide12.xml><?xml version="1.0" encoding="utf-8"?>
-<p:notes xmlns:a="http://schemas.openxmlformats.org/drawingml/2006/main" xmlns:r="http://schemas.openxmlformats.org/officeDocument/2006/relationships" xmlns:mc="http://schemas.openxmlformats.org/markup-compatibility/2006" xmlns:mv="urn:schemas-microsoft-com:mac:vml" xmlns:p="http://schemas.openxmlformats.org/presentationml/2006/main" xmlns:c="http://schemas.openxmlformats.org/drawingml/2006/chart" xmlns:dgm="http://schemas.openxmlformats.org/drawingml/2006/diagram" xmlns:o="urn:schemas-microsoft-com:office:office" xmlns:v="urn:schemas-microsoft-com:vml" xmlns:pvml="urn:schemas-microsoft-com:office:powerpoint" xmlns:com="http://schemas.openxmlformats.org/drawingml/2006/compatibility" xmlns:p14="http://schemas.microsoft.com/office/powerpoint/2010/main" xmlns:p15="http://schemas.microsoft.com/office/powerpoint/2012/main" xmlns:ahyp="http://schemas.microsoft.com/office/drawing/2018/hyperlinkcolor" showMasterPhAnim="0" showMasterSp="0">
+<p:notes xmlns:a="http://schemas.openxmlformats.org/drawingml/2006/main" xmlns:r="http://schemas.openxmlformats.org/officeDocument/2006/relationships" xmlns:p="http://schemas.openxmlformats.org/presentationml/2006/main" showMasterSp="0" showMasterPhAnim="0">
   <p:cSld>
     <p:spTree>
       <p:nvGrpSpPr>
-        <p:cNvPr id="152" name="Shape 152"/>
+        <p:cNvPr id="1" name="Shape 152"/>
         <p:cNvGrpSpPr/>
         <p:nvPr/>
       </p:nvGrpSpPr>
@@ -1033,9 +1063,11 @@
       <p:sp>
         <p:nvSpPr>
           <p:cNvPr id="153" name="Google Shape;153;g30cbda5a907_0_295:notes"/>
-          <p:cNvSpPr/>
+          <p:cNvSpPr>
+            <a:spLocks noGrp="1" noRot="1" noChangeAspect="1"/>
+          </p:cNvSpPr>
           <p:nvPr>
-            <p:ph idx="2" type="sldImg"/>
+            <p:ph type="sldImg" idx="2"/>
           </p:nvPr>
         </p:nvSpPr>
         <p:spPr>
@@ -1044,9 +1076,13 @@
             <a:ext cx="6096000" cy="3429000"/>
           </a:xfrm>
           <a:custGeom>
-            <a:rect b="b" l="l" r="r" t="t"/>
+            <a:avLst/>
+            <a:gdLst/>
+            <a:ahLst/>
+            <a:cxnLst/>
+            <a:rect l="l" t="t" r="r" b="b"/>
             <a:pathLst>
-              <a:path extrusionOk="0" h="120000" w="120000">
+              <a:path w="120000" h="120000" extrusionOk="0">
                 <a:moveTo>
                   <a:pt x="0" y="0"/>
                 </a:moveTo>
@@ -1068,9 +1104,11 @@
       <p:sp>
         <p:nvSpPr>
           <p:cNvPr id="154" name="Google Shape;154;g30cbda5a907_0_295:notes"/>
-          <p:cNvSpPr txBox="1"/>
+          <p:cNvSpPr txBox="1">
+            <a:spLocks noGrp="1"/>
+          </p:cNvSpPr>
           <p:nvPr>
-            <p:ph idx="1" type="body"/>
+            <p:ph type="body" idx="1"/>
           </p:nvPr>
         </p:nvSpPr>
         <p:spPr>
@@ -1083,23 +1121,20 @@
           </a:prstGeom>
         </p:spPr>
         <p:txBody>
-          <a:bodyPr anchorCtr="0" anchor="t" bIns="91425" lIns="91425" spcFirstLastPara="1" rIns="91425" wrap="square" tIns="91425">
+          <a:bodyPr spcFirstLastPara="1" wrap="square" lIns="91425" tIns="91425" rIns="91425" bIns="91425" anchor="t" anchorCtr="0">
             <a:noAutofit/>
           </a:bodyPr>
           <a:lstStyle/>
           <a:p>
-            <a:pPr indent="0" lvl="0" marL="0" rtl="0" algn="l">
-              <a:spcBef>
-                <a:spcPts val="0"/>
-              </a:spcBef>
-              <a:spcAft>
-                <a:spcPts val="0"/>
-              </a:spcAft>
-              <a:buNone/>
-            </a:pPr>
-            <a:r>
-              <a:t/>
-            </a:r>
+            <a:pPr marL="0" lvl="0" indent="0" algn="l" rtl="0">
+              <a:spcBef>
+                <a:spcPts val="0"/>
+              </a:spcBef>
+              <a:spcAft>
+                <a:spcPts val="0"/>
+              </a:spcAft>
+              <a:buNone/>
+            </a:pPr>
             <a:endParaRPr/>
           </a:p>
         </p:txBody>
@@ -1113,11 +1148,11 @@
 </file>
 
 <file path=ppt/notesSlides/notesSlide13.xml><?xml version="1.0" encoding="utf-8"?>
-<p:notes xmlns:a="http://schemas.openxmlformats.org/drawingml/2006/main" xmlns:r="http://schemas.openxmlformats.org/officeDocument/2006/relationships" xmlns:mc="http://schemas.openxmlformats.org/markup-compatibility/2006" xmlns:mv="urn:schemas-microsoft-com:mac:vml" xmlns:p="http://schemas.openxmlformats.org/presentationml/2006/main" xmlns:c="http://schemas.openxmlformats.org/drawingml/2006/chart" xmlns:dgm="http://schemas.openxmlformats.org/drawingml/2006/diagram" xmlns:o="urn:schemas-microsoft-com:office:office" xmlns:v="urn:schemas-microsoft-com:vml" xmlns:pvml="urn:schemas-microsoft-com:office:powerpoint" xmlns:com="http://schemas.openxmlformats.org/drawingml/2006/compatibility" xmlns:p14="http://schemas.microsoft.com/office/powerpoint/2010/main" xmlns:p15="http://schemas.microsoft.com/office/powerpoint/2012/main" xmlns:ahyp="http://schemas.microsoft.com/office/drawing/2018/hyperlinkcolor" showMasterPhAnim="0" showMasterSp="0">
+<p:notes xmlns:a="http://schemas.openxmlformats.org/drawingml/2006/main" xmlns:r="http://schemas.openxmlformats.org/officeDocument/2006/relationships" xmlns:p="http://schemas.openxmlformats.org/presentationml/2006/main" showMasterSp="0" showMasterPhAnim="0">
   <p:cSld>
     <p:spTree>
       <p:nvGrpSpPr>
-        <p:cNvPr id="159" name="Shape 159"/>
+        <p:cNvPr id="1" name="Shape 159"/>
         <p:cNvGrpSpPr/>
         <p:nvPr/>
       </p:nvGrpSpPr>
@@ -1132,9 +1167,11 @@
       <p:sp>
         <p:nvSpPr>
           <p:cNvPr id="160" name="Google Shape;160;g30cbda5a907_0_301:notes"/>
-          <p:cNvSpPr/>
+          <p:cNvSpPr>
+            <a:spLocks noGrp="1" noRot="1" noChangeAspect="1"/>
+          </p:cNvSpPr>
           <p:nvPr>
-            <p:ph idx="2" type="sldImg"/>
+            <p:ph type="sldImg" idx="2"/>
           </p:nvPr>
         </p:nvSpPr>
         <p:spPr>
@@ -1143,9 +1180,13 @@
             <a:ext cx="6096000" cy="3429000"/>
           </a:xfrm>
           <a:custGeom>
-            <a:rect b="b" l="l" r="r" t="t"/>
+            <a:avLst/>
+            <a:gdLst/>
+            <a:ahLst/>
+            <a:cxnLst/>
+            <a:rect l="l" t="t" r="r" b="b"/>
             <a:pathLst>
-              <a:path extrusionOk="0" h="120000" w="120000">
+              <a:path w="120000" h="120000" extrusionOk="0">
                 <a:moveTo>
                   <a:pt x="0" y="0"/>
                 </a:moveTo>
@@ -1167,9 +1208,11 @@
       <p:sp>
         <p:nvSpPr>
           <p:cNvPr id="161" name="Google Shape;161;g30cbda5a907_0_301:notes"/>
-          <p:cNvSpPr txBox="1"/>
+          <p:cNvSpPr txBox="1">
+            <a:spLocks noGrp="1"/>
+          </p:cNvSpPr>
           <p:nvPr>
-            <p:ph idx="1" type="body"/>
+            <p:ph type="body" idx="1"/>
           </p:nvPr>
         </p:nvSpPr>
         <p:spPr>
@@ -1182,23 +1225,20 @@
           </a:prstGeom>
         </p:spPr>
         <p:txBody>
-          <a:bodyPr anchorCtr="0" anchor="t" bIns="91425" lIns="91425" spcFirstLastPara="1" rIns="91425" wrap="square" tIns="91425">
+          <a:bodyPr spcFirstLastPara="1" wrap="square" lIns="91425" tIns="91425" rIns="91425" bIns="91425" anchor="t" anchorCtr="0">
             <a:noAutofit/>
           </a:bodyPr>
           <a:lstStyle/>
           <a:p>
-            <a:pPr indent="0" lvl="0" marL="0" rtl="0" algn="l">
-              <a:spcBef>
-                <a:spcPts val="0"/>
-              </a:spcBef>
-              <a:spcAft>
-                <a:spcPts val="0"/>
-              </a:spcAft>
-              <a:buNone/>
-            </a:pPr>
-            <a:r>
-              <a:t/>
-            </a:r>
+            <a:pPr marL="0" lvl="0" indent="0" algn="l" rtl="0">
+              <a:spcBef>
+                <a:spcPts val="0"/>
+              </a:spcBef>
+              <a:spcAft>
+                <a:spcPts val="0"/>
+              </a:spcAft>
+              <a:buNone/>
+            </a:pPr>
             <a:endParaRPr/>
           </a:p>
         </p:txBody>
@@ -1212,11 +1252,11 @@
 </file>
 
 <file path=ppt/notesSlides/notesSlide14.xml><?xml version="1.0" encoding="utf-8"?>
-<p:notes xmlns:a="http://schemas.openxmlformats.org/drawingml/2006/main" xmlns:r="http://schemas.openxmlformats.org/officeDocument/2006/relationships" xmlns:mc="http://schemas.openxmlformats.org/markup-compatibility/2006" xmlns:mv="urn:schemas-microsoft-com:mac:vml" xmlns:p="http://schemas.openxmlformats.org/presentationml/2006/main" xmlns:c="http://schemas.openxmlformats.org/drawingml/2006/chart" xmlns:dgm="http://schemas.openxmlformats.org/drawingml/2006/diagram" xmlns:o="urn:schemas-microsoft-com:office:office" xmlns:v="urn:schemas-microsoft-com:vml" xmlns:pvml="urn:schemas-microsoft-com:office:powerpoint" xmlns:com="http://schemas.openxmlformats.org/drawingml/2006/compatibility" xmlns:p14="http://schemas.microsoft.com/office/powerpoint/2010/main" xmlns:p15="http://schemas.microsoft.com/office/powerpoint/2012/main" xmlns:ahyp="http://schemas.microsoft.com/office/drawing/2018/hyperlinkcolor" showMasterPhAnim="0" showMasterSp="0">
+<p:notes xmlns:a="http://schemas.openxmlformats.org/drawingml/2006/main" xmlns:r="http://schemas.openxmlformats.org/officeDocument/2006/relationships" xmlns:p="http://schemas.openxmlformats.org/presentationml/2006/main" showMasterSp="0" showMasterPhAnim="0">
   <p:cSld>
     <p:spTree>
       <p:nvGrpSpPr>
-        <p:cNvPr id="166" name="Shape 166"/>
+        <p:cNvPr id="1" name="Shape 166"/>
         <p:cNvGrpSpPr/>
         <p:nvPr/>
       </p:nvGrpSpPr>
@@ -1231,9 +1271,11 @@
       <p:sp>
         <p:nvSpPr>
           <p:cNvPr id="167" name="Google Shape;167;g30cbda5a907_0_306:notes"/>
-          <p:cNvSpPr/>
+          <p:cNvSpPr>
+            <a:spLocks noGrp="1" noRot="1" noChangeAspect="1"/>
+          </p:cNvSpPr>
           <p:nvPr>
-            <p:ph idx="2" type="sldImg"/>
+            <p:ph type="sldImg" idx="2"/>
           </p:nvPr>
         </p:nvSpPr>
         <p:spPr>
@@ -1242,9 +1284,13 @@
             <a:ext cx="6096000" cy="3429000"/>
           </a:xfrm>
           <a:custGeom>
-            <a:rect b="b" l="l" r="r" t="t"/>
+            <a:avLst/>
+            <a:gdLst/>
+            <a:ahLst/>
+            <a:cxnLst/>
+            <a:rect l="l" t="t" r="r" b="b"/>
             <a:pathLst>
-              <a:path extrusionOk="0" h="120000" w="120000">
+              <a:path w="120000" h="120000" extrusionOk="0">
                 <a:moveTo>
                   <a:pt x="0" y="0"/>
                 </a:moveTo>
@@ -1266,9 +1312,11 @@
       <p:sp>
         <p:nvSpPr>
           <p:cNvPr id="168" name="Google Shape;168;g30cbda5a907_0_306:notes"/>
-          <p:cNvSpPr txBox="1"/>
+          <p:cNvSpPr txBox="1">
+            <a:spLocks noGrp="1"/>
+          </p:cNvSpPr>
           <p:nvPr>
-            <p:ph idx="1" type="body"/>
+            <p:ph type="body" idx="1"/>
           </p:nvPr>
         </p:nvSpPr>
         <p:spPr>
@@ -1281,23 +1329,20 @@
           </a:prstGeom>
         </p:spPr>
         <p:txBody>
-          <a:bodyPr anchorCtr="0" anchor="t" bIns="91425" lIns="91425" spcFirstLastPara="1" rIns="91425" wrap="square" tIns="91425">
+          <a:bodyPr spcFirstLastPara="1" wrap="square" lIns="91425" tIns="91425" rIns="91425" bIns="91425" anchor="t" anchorCtr="0">
             <a:noAutofit/>
           </a:bodyPr>
           <a:lstStyle/>
           <a:p>
-            <a:pPr indent="0" lvl="0" marL="0" rtl="0" algn="l">
-              <a:spcBef>
-                <a:spcPts val="0"/>
-              </a:spcBef>
-              <a:spcAft>
-                <a:spcPts val="0"/>
-              </a:spcAft>
-              <a:buNone/>
-            </a:pPr>
-            <a:r>
-              <a:t/>
-            </a:r>
+            <a:pPr marL="0" lvl="0" indent="0" algn="l" rtl="0">
+              <a:spcBef>
+                <a:spcPts val="0"/>
+              </a:spcBef>
+              <a:spcAft>
+                <a:spcPts val="0"/>
+              </a:spcAft>
+              <a:buNone/>
+            </a:pPr>
             <a:endParaRPr/>
           </a:p>
         </p:txBody>
@@ -1311,11 +1356,11 @@
 </file>
 
 <file path=ppt/notesSlides/notesSlide15.xml><?xml version="1.0" encoding="utf-8"?>
-<p:notes xmlns:a="http://schemas.openxmlformats.org/drawingml/2006/main" xmlns:r="http://schemas.openxmlformats.org/officeDocument/2006/relationships" xmlns:mc="http://schemas.openxmlformats.org/markup-compatibility/2006" xmlns:mv="urn:schemas-microsoft-com:mac:vml" xmlns:p="http://schemas.openxmlformats.org/presentationml/2006/main" xmlns:c="http://schemas.openxmlformats.org/drawingml/2006/chart" xmlns:dgm="http://schemas.openxmlformats.org/drawingml/2006/diagram" xmlns:o="urn:schemas-microsoft-com:office:office" xmlns:v="urn:schemas-microsoft-com:vml" xmlns:pvml="urn:schemas-microsoft-com:office:powerpoint" xmlns:com="http://schemas.openxmlformats.org/drawingml/2006/compatibility" xmlns:p14="http://schemas.microsoft.com/office/powerpoint/2010/main" xmlns:p15="http://schemas.microsoft.com/office/powerpoint/2012/main" xmlns:ahyp="http://schemas.microsoft.com/office/drawing/2018/hyperlinkcolor" showMasterPhAnim="0" showMasterSp="0">
+<p:notes xmlns:a="http://schemas.openxmlformats.org/drawingml/2006/main" xmlns:r="http://schemas.openxmlformats.org/officeDocument/2006/relationships" xmlns:p="http://schemas.openxmlformats.org/presentationml/2006/main" showMasterSp="0" showMasterPhAnim="0">
   <p:cSld>
     <p:spTree>
       <p:nvGrpSpPr>
-        <p:cNvPr id="173" name="Shape 173"/>
+        <p:cNvPr id="1" name="Shape 173"/>
         <p:cNvGrpSpPr/>
         <p:nvPr/>
       </p:nvGrpSpPr>
@@ -1330,9 +1375,11 @@
       <p:sp>
         <p:nvSpPr>
           <p:cNvPr id="174" name="Google Shape;174;g30cbda5a907_0_311:notes"/>
-          <p:cNvSpPr/>
+          <p:cNvSpPr>
+            <a:spLocks noGrp="1" noRot="1" noChangeAspect="1"/>
+          </p:cNvSpPr>
           <p:nvPr>
-            <p:ph idx="2" type="sldImg"/>
+            <p:ph type="sldImg" idx="2"/>
           </p:nvPr>
         </p:nvSpPr>
         <p:spPr>
@@ -1341,9 +1388,13 @@
             <a:ext cx="6096000" cy="3429000"/>
           </a:xfrm>
           <a:custGeom>
-            <a:rect b="b" l="l" r="r" t="t"/>
+            <a:avLst/>
+            <a:gdLst/>
+            <a:ahLst/>
+            <a:cxnLst/>
+            <a:rect l="l" t="t" r="r" b="b"/>
             <a:pathLst>
-              <a:path extrusionOk="0" h="120000" w="120000">
+              <a:path w="120000" h="120000" extrusionOk="0">
                 <a:moveTo>
                   <a:pt x="0" y="0"/>
                 </a:moveTo>
@@ -1365,9 +1416,11 @@
       <p:sp>
         <p:nvSpPr>
           <p:cNvPr id="175" name="Google Shape;175;g30cbda5a907_0_311:notes"/>
-          <p:cNvSpPr txBox="1"/>
+          <p:cNvSpPr txBox="1">
+            <a:spLocks noGrp="1"/>
+          </p:cNvSpPr>
           <p:nvPr>
-            <p:ph idx="1" type="body"/>
+            <p:ph type="body" idx="1"/>
           </p:nvPr>
         </p:nvSpPr>
         <p:spPr>
@@ -1380,23 +1433,20 @@
           </a:prstGeom>
         </p:spPr>
         <p:txBody>
-          <a:bodyPr anchorCtr="0" anchor="t" bIns="91425" lIns="91425" spcFirstLastPara="1" rIns="91425" wrap="square" tIns="91425">
+          <a:bodyPr spcFirstLastPara="1" wrap="square" lIns="91425" tIns="91425" rIns="91425" bIns="91425" anchor="t" anchorCtr="0">
             <a:noAutofit/>
           </a:bodyPr>
           <a:lstStyle/>
           <a:p>
-            <a:pPr indent="0" lvl="0" marL="0" rtl="0" algn="l">
-              <a:spcBef>
-                <a:spcPts val="0"/>
-              </a:spcBef>
-              <a:spcAft>
-                <a:spcPts val="0"/>
-              </a:spcAft>
-              <a:buNone/>
-            </a:pPr>
-            <a:r>
-              <a:t/>
-            </a:r>
+            <a:pPr marL="0" lvl="0" indent="0" algn="l" rtl="0">
+              <a:spcBef>
+                <a:spcPts val="0"/>
+              </a:spcBef>
+              <a:spcAft>
+                <a:spcPts val="0"/>
+              </a:spcAft>
+              <a:buNone/>
+            </a:pPr>
             <a:endParaRPr/>
           </a:p>
         </p:txBody>
@@ -1410,11 +1460,11 @@
 </file>
 
 <file path=ppt/notesSlides/notesSlide2.xml><?xml version="1.0" encoding="utf-8"?>
-<p:notes xmlns:a="http://schemas.openxmlformats.org/drawingml/2006/main" xmlns:r="http://schemas.openxmlformats.org/officeDocument/2006/relationships" xmlns:mc="http://schemas.openxmlformats.org/markup-compatibility/2006" xmlns:mv="urn:schemas-microsoft-com:mac:vml" xmlns:p="http://schemas.openxmlformats.org/presentationml/2006/main" xmlns:c="http://schemas.openxmlformats.org/drawingml/2006/chart" xmlns:dgm="http://schemas.openxmlformats.org/drawingml/2006/diagram" xmlns:o="urn:schemas-microsoft-com:office:office" xmlns:v="urn:schemas-microsoft-com:vml" xmlns:pvml="urn:schemas-microsoft-com:office:powerpoint" xmlns:com="http://schemas.openxmlformats.org/drawingml/2006/compatibility" xmlns:p14="http://schemas.microsoft.com/office/powerpoint/2010/main" xmlns:p15="http://schemas.microsoft.com/office/powerpoint/2012/main" xmlns:ahyp="http://schemas.microsoft.com/office/drawing/2018/hyperlinkcolor" showMasterPhAnim="0" showMasterSp="0">
+<p:notes xmlns:a="http://schemas.openxmlformats.org/drawingml/2006/main" xmlns:r="http://schemas.openxmlformats.org/officeDocument/2006/relationships" xmlns:p="http://schemas.openxmlformats.org/presentationml/2006/main" showMasterSp="0" showMasterPhAnim="0">
   <p:cSld>
     <p:spTree>
       <p:nvGrpSpPr>
-        <p:cNvPr id="88" name="Shape 88"/>
+        <p:cNvPr id="1" name="Shape 88"/>
         <p:cNvGrpSpPr/>
         <p:nvPr/>
       </p:nvGrpSpPr>
@@ -1429,9 +1479,11 @@
       <p:sp>
         <p:nvSpPr>
           <p:cNvPr id="89" name="Google Shape;89;g30cbda5a907_0_205:notes"/>
-          <p:cNvSpPr/>
+          <p:cNvSpPr>
+            <a:spLocks noGrp="1" noRot="1" noChangeAspect="1"/>
+          </p:cNvSpPr>
           <p:nvPr>
-            <p:ph idx="2" type="sldImg"/>
+            <p:ph type="sldImg" idx="2"/>
           </p:nvPr>
         </p:nvSpPr>
         <p:spPr>
@@ -1440,9 +1492,13 @@
             <a:ext cx="6096000" cy="3429000"/>
           </a:xfrm>
           <a:custGeom>
-            <a:rect b="b" l="l" r="r" t="t"/>
+            <a:avLst/>
+            <a:gdLst/>
+            <a:ahLst/>
+            <a:cxnLst/>
+            <a:rect l="l" t="t" r="r" b="b"/>
             <a:pathLst>
-              <a:path extrusionOk="0" h="120000" w="120000">
+              <a:path w="120000" h="120000" extrusionOk="0">
                 <a:moveTo>
                   <a:pt x="0" y="0"/>
                 </a:moveTo>
@@ -1464,9 +1520,11 @@
       <p:sp>
         <p:nvSpPr>
           <p:cNvPr id="90" name="Google Shape;90;g30cbda5a907_0_205:notes"/>
-          <p:cNvSpPr txBox="1"/>
+          <p:cNvSpPr txBox="1">
+            <a:spLocks noGrp="1"/>
+          </p:cNvSpPr>
           <p:nvPr>
-            <p:ph idx="1" type="body"/>
+            <p:ph type="body" idx="1"/>
           </p:nvPr>
         </p:nvSpPr>
         <p:spPr>
@@ -1479,23 +1537,20 @@
           </a:prstGeom>
         </p:spPr>
         <p:txBody>
-          <a:bodyPr anchorCtr="0" anchor="t" bIns="91425" lIns="91425" spcFirstLastPara="1" rIns="91425" wrap="square" tIns="91425">
+          <a:bodyPr spcFirstLastPara="1" wrap="square" lIns="91425" tIns="91425" rIns="91425" bIns="91425" anchor="t" anchorCtr="0">
             <a:noAutofit/>
           </a:bodyPr>
           <a:lstStyle/>
           <a:p>
-            <a:pPr indent="0" lvl="0" marL="0" rtl="0" algn="l">
-              <a:spcBef>
-                <a:spcPts val="0"/>
-              </a:spcBef>
-              <a:spcAft>
-                <a:spcPts val="0"/>
-              </a:spcAft>
-              <a:buNone/>
-            </a:pPr>
-            <a:r>
-              <a:t/>
-            </a:r>
+            <a:pPr marL="0" lvl="0" indent="0" algn="l" rtl="0">
+              <a:spcBef>
+                <a:spcPts val="0"/>
+              </a:spcBef>
+              <a:spcAft>
+                <a:spcPts val="0"/>
+              </a:spcAft>
+              <a:buNone/>
+            </a:pPr>
             <a:endParaRPr/>
           </a:p>
         </p:txBody>
@@ -1509,11 +1564,11 @@
 </file>
 
 <file path=ppt/notesSlides/notesSlide3.xml><?xml version="1.0" encoding="utf-8"?>
-<p:notes xmlns:a="http://schemas.openxmlformats.org/drawingml/2006/main" xmlns:r="http://schemas.openxmlformats.org/officeDocument/2006/relationships" xmlns:mc="http://schemas.openxmlformats.org/markup-compatibility/2006" xmlns:mv="urn:schemas-microsoft-com:mac:vml" xmlns:p="http://schemas.openxmlformats.org/presentationml/2006/main" xmlns:c="http://schemas.openxmlformats.org/drawingml/2006/chart" xmlns:dgm="http://schemas.openxmlformats.org/drawingml/2006/diagram" xmlns:o="urn:schemas-microsoft-com:office:office" xmlns:v="urn:schemas-microsoft-com:vml" xmlns:pvml="urn:schemas-microsoft-com:office:powerpoint" xmlns:com="http://schemas.openxmlformats.org/drawingml/2006/compatibility" xmlns:p14="http://schemas.microsoft.com/office/powerpoint/2010/main" xmlns:p15="http://schemas.microsoft.com/office/powerpoint/2012/main" xmlns:ahyp="http://schemas.microsoft.com/office/drawing/2018/hyperlinkcolor" showMasterPhAnim="0" showMasterSp="0">
+<p:notes xmlns:a="http://schemas.openxmlformats.org/drawingml/2006/main" xmlns:r="http://schemas.openxmlformats.org/officeDocument/2006/relationships" xmlns:p="http://schemas.openxmlformats.org/presentationml/2006/main" showMasterSp="0" showMasterPhAnim="0">
   <p:cSld>
     <p:spTree>
       <p:nvGrpSpPr>
-        <p:cNvPr id="94" name="Shape 94"/>
+        <p:cNvPr id="1" name="Shape 94"/>
         <p:cNvGrpSpPr/>
         <p:nvPr/>
       </p:nvGrpSpPr>
@@ -1528,20 +1583,26 @@
       <p:sp>
         <p:nvSpPr>
           <p:cNvPr id="95" name="Google Shape;95;g30cbda5a907_0_219:notes"/>
-          <p:cNvSpPr/>
+          <p:cNvSpPr>
+            <a:spLocks noGrp="1" noRot="1" noChangeAspect="1"/>
+          </p:cNvSpPr>
           <p:nvPr>
-            <p:ph idx="2" type="sldImg"/>
+            <p:ph type="sldImg" idx="2"/>
           </p:nvPr>
         </p:nvSpPr>
         <p:spPr>
           <a:xfrm>
-            <a:off x="381300" y="685800"/>
+            <a:off x="381000" y="685800"/>
             <a:ext cx="6096000" cy="3429000"/>
           </a:xfrm>
           <a:custGeom>
-            <a:rect b="b" l="l" r="r" t="t"/>
+            <a:avLst/>
+            <a:gdLst/>
+            <a:ahLst/>
+            <a:cxnLst/>
+            <a:rect l="l" t="t" r="r" b="b"/>
             <a:pathLst>
-              <a:path extrusionOk="0" h="120000" w="120000">
+              <a:path w="120000" h="120000" extrusionOk="0">
                 <a:moveTo>
                   <a:pt x="0" y="0"/>
                 </a:moveTo>
@@ -1563,9 +1624,11 @@
       <p:sp>
         <p:nvSpPr>
           <p:cNvPr id="96" name="Google Shape;96;g30cbda5a907_0_219:notes"/>
-          <p:cNvSpPr txBox="1"/>
+          <p:cNvSpPr txBox="1">
+            <a:spLocks noGrp="1"/>
+          </p:cNvSpPr>
           <p:nvPr>
-            <p:ph idx="1" type="body"/>
+            <p:ph type="body" idx="1"/>
           </p:nvPr>
         </p:nvSpPr>
         <p:spPr>
@@ -1578,23 +1641,20 @@
           </a:prstGeom>
         </p:spPr>
         <p:txBody>
-          <a:bodyPr anchorCtr="0" anchor="t" bIns="91425" lIns="91425" spcFirstLastPara="1" rIns="91425" wrap="square" tIns="91425">
+          <a:bodyPr spcFirstLastPara="1" wrap="square" lIns="91425" tIns="91425" rIns="91425" bIns="91425" anchor="t" anchorCtr="0">
             <a:noAutofit/>
           </a:bodyPr>
           <a:lstStyle/>
           <a:p>
-            <a:pPr indent="0" lvl="0" marL="0" rtl="0" algn="l">
-              <a:spcBef>
-                <a:spcPts val="0"/>
-              </a:spcBef>
-              <a:spcAft>
-                <a:spcPts val="0"/>
-              </a:spcAft>
-              <a:buNone/>
-            </a:pPr>
-            <a:r>
-              <a:t/>
-            </a:r>
+            <a:pPr marL="0" lvl="0" indent="0" algn="l" rtl="0">
+              <a:spcBef>
+                <a:spcPts val="0"/>
+              </a:spcBef>
+              <a:spcAft>
+                <a:spcPts val="0"/>
+              </a:spcAft>
+              <a:buNone/>
+            </a:pPr>
             <a:endParaRPr/>
           </a:p>
         </p:txBody>
@@ -1608,11 +1668,11 @@
 </file>
 
 <file path=ppt/notesSlides/notesSlide4.xml><?xml version="1.0" encoding="utf-8"?>
-<p:notes xmlns:a="http://schemas.openxmlformats.org/drawingml/2006/main" xmlns:r="http://schemas.openxmlformats.org/officeDocument/2006/relationships" xmlns:mc="http://schemas.openxmlformats.org/markup-compatibility/2006" xmlns:mv="urn:schemas-microsoft-com:mac:vml" xmlns:p="http://schemas.openxmlformats.org/presentationml/2006/main" xmlns:c="http://schemas.openxmlformats.org/drawingml/2006/chart" xmlns:dgm="http://schemas.openxmlformats.org/drawingml/2006/diagram" xmlns:o="urn:schemas-microsoft-com:office:office" xmlns:v="urn:schemas-microsoft-com:vml" xmlns:pvml="urn:schemas-microsoft-com:office:powerpoint" xmlns:com="http://schemas.openxmlformats.org/drawingml/2006/compatibility" xmlns:p14="http://schemas.microsoft.com/office/powerpoint/2010/main" xmlns:p15="http://schemas.microsoft.com/office/powerpoint/2012/main" xmlns:ahyp="http://schemas.microsoft.com/office/drawing/2018/hyperlinkcolor" showMasterPhAnim="0" showMasterSp="0">
+<p:notes xmlns:a="http://schemas.openxmlformats.org/drawingml/2006/main" xmlns:r="http://schemas.openxmlformats.org/officeDocument/2006/relationships" xmlns:p="http://schemas.openxmlformats.org/presentationml/2006/main" showMasterSp="0" showMasterPhAnim="0">
   <p:cSld>
     <p:spTree>
       <p:nvGrpSpPr>
-        <p:cNvPr id="100" name="Shape 100"/>
+        <p:cNvPr id="1" name="Shape 100"/>
         <p:cNvGrpSpPr/>
         <p:nvPr/>
       </p:nvGrpSpPr>
@@ -1627,9 +1687,11 @@
       <p:sp>
         <p:nvSpPr>
           <p:cNvPr id="101" name="Google Shape;101;g30cbda5a907_0_256:notes"/>
-          <p:cNvSpPr/>
+          <p:cNvSpPr>
+            <a:spLocks noGrp="1" noRot="1" noChangeAspect="1"/>
+          </p:cNvSpPr>
           <p:nvPr>
-            <p:ph idx="2" type="sldImg"/>
+            <p:ph type="sldImg" idx="2"/>
           </p:nvPr>
         </p:nvSpPr>
         <p:spPr>
@@ -1638,9 +1700,13 @@
             <a:ext cx="6096000" cy="3429000"/>
           </a:xfrm>
           <a:custGeom>
-            <a:rect b="b" l="l" r="r" t="t"/>
+            <a:avLst/>
+            <a:gdLst/>
+            <a:ahLst/>
+            <a:cxnLst/>
+            <a:rect l="l" t="t" r="r" b="b"/>
             <a:pathLst>
-              <a:path extrusionOk="0" h="120000" w="120000">
+              <a:path w="120000" h="120000" extrusionOk="0">
                 <a:moveTo>
                   <a:pt x="0" y="0"/>
                 </a:moveTo>
@@ -1662,9 +1728,11 @@
       <p:sp>
         <p:nvSpPr>
           <p:cNvPr id="102" name="Google Shape;102;g30cbda5a907_0_256:notes"/>
-          <p:cNvSpPr txBox="1"/>
+          <p:cNvSpPr txBox="1">
+            <a:spLocks noGrp="1"/>
+          </p:cNvSpPr>
           <p:nvPr>
-            <p:ph idx="1" type="body"/>
+            <p:ph type="body" idx="1"/>
           </p:nvPr>
         </p:nvSpPr>
         <p:spPr>
@@ -1677,23 +1745,20 @@
           </a:prstGeom>
         </p:spPr>
         <p:txBody>
-          <a:bodyPr anchorCtr="0" anchor="t" bIns="91425" lIns="91425" spcFirstLastPara="1" rIns="91425" wrap="square" tIns="91425">
+          <a:bodyPr spcFirstLastPara="1" wrap="square" lIns="91425" tIns="91425" rIns="91425" bIns="91425" anchor="t" anchorCtr="0">
             <a:noAutofit/>
           </a:bodyPr>
           <a:lstStyle/>
           <a:p>
-            <a:pPr indent="0" lvl="0" marL="0" rtl="0" algn="l">
-              <a:spcBef>
-                <a:spcPts val="0"/>
-              </a:spcBef>
-              <a:spcAft>
-                <a:spcPts val="0"/>
-              </a:spcAft>
-              <a:buNone/>
-            </a:pPr>
-            <a:r>
-              <a:t/>
-            </a:r>
+            <a:pPr marL="0" lvl="0" indent="0" algn="l" rtl="0">
+              <a:spcBef>
+                <a:spcPts val="0"/>
+              </a:spcBef>
+              <a:spcAft>
+                <a:spcPts val="0"/>
+              </a:spcAft>
+              <a:buNone/>
+            </a:pPr>
             <a:endParaRPr/>
           </a:p>
         </p:txBody>
@@ -1707,11 +1772,11 @@
 </file>
 
 <file path=ppt/notesSlides/notesSlide5.xml><?xml version="1.0" encoding="utf-8"?>
-<p:notes xmlns:a="http://schemas.openxmlformats.org/drawingml/2006/main" xmlns:r="http://schemas.openxmlformats.org/officeDocument/2006/relationships" xmlns:mc="http://schemas.openxmlformats.org/markup-compatibility/2006" xmlns:mv="urn:schemas-microsoft-com:mac:vml" xmlns:p="http://schemas.openxmlformats.org/presentationml/2006/main" xmlns:c="http://schemas.openxmlformats.org/drawingml/2006/chart" xmlns:dgm="http://schemas.openxmlformats.org/drawingml/2006/diagram" xmlns:o="urn:schemas-microsoft-com:office:office" xmlns:v="urn:schemas-microsoft-com:vml" xmlns:pvml="urn:schemas-microsoft-com:office:powerpoint" xmlns:com="http://schemas.openxmlformats.org/drawingml/2006/compatibility" xmlns:p14="http://schemas.microsoft.com/office/powerpoint/2010/main" xmlns:p15="http://schemas.microsoft.com/office/powerpoint/2012/main" xmlns:ahyp="http://schemas.microsoft.com/office/drawing/2018/hyperlinkcolor" showMasterPhAnim="0" showMasterSp="0">
+<p:notes xmlns:a="http://schemas.openxmlformats.org/drawingml/2006/main" xmlns:r="http://schemas.openxmlformats.org/officeDocument/2006/relationships" xmlns:p="http://schemas.openxmlformats.org/presentationml/2006/main" showMasterSp="0" showMasterPhAnim="0">
   <p:cSld>
     <p:spTree>
       <p:nvGrpSpPr>
-        <p:cNvPr id="106" name="Shape 106"/>
+        <p:cNvPr id="1" name="Shape 106"/>
         <p:cNvGrpSpPr/>
         <p:nvPr/>
       </p:nvGrpSpPr>
@@ -1726,9 +1791,11 @@
       <p:sp>
         <p:nvSpPr>
           <p:cNvPr id="107" name="Google Shape;107;g30cbda5a907_0_231:notes"/>
-          <p:cNvSpPr/>
+          <p:cNvSpPr>
+            <a:spLocks noGrp="1" noRot="1" noChangeAspect="1"/>
+          </p:cNvSpPr>
           <p:nvPr>
-            <p:ph idx="2" type="sldImg"/>
+            <p:ph type="sldImg" idx="2"/>
           </p:nvPr>
         </p:nvSpPr>
         <p:spPr>
@@ -1737,9 +1804,13 @@
             <a:ext cx="6096000" cy="3429000"/>
           </a:xfrm>
           <a:custGeom>
-            <a:rect b="b" l="l" r="r" t="t"/>
+            <a:avLst/>
+            <a:gdLst/>
+            <a:ahLst/>
+            <a:cxnLst/>
+            <a:rect l="l" t="t" r="r" b="b"/>
             <a:pathLst>
-              <a:path extrusionOk="0" h="120000" w="120000">
+              <a:path w="120000" h="120000" extrusionOk="0">
                 <a:moveTo>
                   <a:pt x="0" y="0"/>
                 </a:moveTo>
@@ -1761,9 +1832,11 @@
       <p:sp>
         <p:nvSpPr>
           <p:cNvPr id="108" name="Google Shape;108;g30cbda5a907_0_231:notes"/>
-          <p:cNvSpPr txBox="1"/>
+          <p:cNvSpPr txBox="1">
+            <a:spLocks noGrp="1"/>
+          </p:cNvSpPr>
           <p:nvPr>
-            <p:ph idx="1" type="body"/>
+            <p:ph type="body" idx="1"/>
           </p:nvPr>
         </p:nvSpPr>
         <p:spPr>
@@ -1776,23 +1849,20 @@
           </a:prstGeom>
         </p:spPr>
         <p:txBody>
-          <a:bodyPr anchorCtr="0" anchor="t" bIns="91425" lIns="91425" spcFirstLastPara="1" rIns="91425" wrap="square" tIns="91425">
+          <a:bodyPr spcFirstLastPara="1" wrap="square" lIns="91425" tIns="91425" rIns="91425" bIns="91425" anchor="t" anchorCtr="0">
             <a:noAutofit/>
           </a:bodyPr>
           <a:lstStyle/>
           <a:p>
-            <a:pPr indent="0" lvl="0" marL="0" rtl="0" algn="l">
-              <a:spcBef>
-                <a:spcPts val="0"/>
-              </a:spcBef>
-              <a:spcAft>
-                <a:spcPts val="0"/>
-              </a:spcAft>
-              <a:buNone/>
-            </a:pPr>
-            <a:r>
-              <a:t/>
-            </a:r>
+            <a:pPr marL="0" lvl="0" indent="0" algn="l" rtl="0">
+              <a:spcBef>
+                <a:spcPts val="0"/>
+              </a:spcBef>
+              <a:spcAft>
+                <a:spcPts val="0"/>
+              </a:spcAft>
+              <a:buNone/>
+            </a:pPr>
             <a:endParaRPr/>
           </a:p>
         </p:txBody>
@@ -1806,11 +1876,11 @@
 </file>
 
 <file path=ppt/notesSlides/notesSlide6.xml><?xml version="1.0" encoding="utf-8"?>
-<p:notes xmlns:a="http://schemas.openxmlformats.org/drawingml/2006/main" xmlns:r="http://schemas.openxmlformats.org/officeDocument/2006/relationships" xmlns:mc="http://schemas.openxmlformats.org/markup-compatibility/2006" xmlns:mv="urn:schemas-microsoft-com:mac:vml" xmlns:p="http://schemas.openxmlformats.org/presentationml/2006/main" xmlns:c="http://schemas.openxmlformats.org/drawingml/2006/chart" xmlns:dgm="http://schemas.openxmlformats.org/drawingml/2006/diagram" xmlns:o="urn:schemas-microsoft-com:office:office" xmlns:v="urn:schemas-microsoft-com:vml" xmlns:pvml="urn:schemas-microsoft-com:office:powerpoint" xmlns:com="http://schemas.openxmlformats.org/drawingml/2006/compatibility" xmlns:p14="http://schemas.microsoft.com/office/powerpoint/2010/main" xmlns:p15="http://schemas.microsoft.com/office/powerpoint/2012/main" xmlns:ahyp="http://schemas.microsoft.com/office/drawing/2018/hyperlinkcolor" showMasterPhAnim="0" showMasterSp="0">
+<p:notes xmlns:a="http://schemas.openxmlformats.org/drawingml/2006/main" xmlns:r="http://schemas.openxmlformats.org/officeDocument/2006/relationships" xmlns:p="http://schemas.openxmlformats.org/presentationml/2006/main" showMasterSp="0" showMasterPhAnim="0">
   <p:cSld>
     <p:spTree>
       <p:nvGrpSpPr>
-        <p:cNvPr id="113" name="Shape 113"/>
+        <p:cNvPr id="1" name="Shape 113"/>
         <p:cNvGrpSpPr/>
         <p:nvPr/>
       </p:nvGrpSpPr>
@@ -1825,9 +1895,11 @@
       <p:sp>
         <p:nvSpPr>
           <p:cNvPr id="114" name="Google Shape;114;g30cbda5a907_0_236:notes"/>
-          <p:cNvSpPr/>
+          <p:cNvSpPr>
+            <a:spLocks noGrp="1" noRot="1" noChangeAspect="1"/>
+          </p:cNvSpPr>
           <p:nvPr>
-            <p:ph idx="2" type="sldImg"/>
+            <p:ph type="sldImg" idx="2"/>
           </p:nvPr>
         </p:nvSpPr>
         <p:spPr>
@@ -1836,9 +1908,13 @@
             <a:ext cx="6096000" cy="3429000"/>
           </a:xfrm>
           <a:custGeom>
-            <a:rect b="b" l="l" r="r" t="t"/>
+            <a:avLst/>
+            <a:gdLst/>
+            <a:ahLst/>
+            <a:cxnLst/>
+            <a:rect l="l" t="t" r="r" b="b"/>
             <a:pathLst>
-              <a:path extrusionOk="0" h="120000" w="120000">
+              <a:path w="120000" h="120000" extrusionOk="0">
                 <a:moveTo>
                   <a:pt x="0" y="0"/>
                 </a:moveTo>
@@ -1860,9 +1936,11 @@
       <p:sp>
         <p:nvSpPr>
           <p:cNvPr id="115" name="Google Shape;115;g30cbda5a907_0_236:notes"/>
-          <p:cNvSpPr txBox="1"/>
+          <p:cNvSpPr txBox="1">
+            <a:spLocks noGrp="1"/>
+          </p:cNvSpPr>
           <p:nvPr>
-            <p:ph idx="1" type="body"/>
+            <p:ph type="body" idx="1"/>
           </p:nvPr>
         </p:nvSpPr>
         <p:spPr>
@@ -1875,23 +1953,20 @@
           </a:prstGeom>
         </p:spPr>
         <p:txBody>
-          <a:bodyPr anchorCtr="0" anchor="t" bIns="91425" lIns="91425" spcFirstLastPara="1" rIns="91425" wrap="square" tIns="91425">
+          <a:bodyPr spcFirstLastPara="1" wrap="square" lIns="91425" tIns="91425" rIns="91425" bIns="91425" anchor="t" anchorCtr="0">
             <a:noAutofit/>
           </a:bodyPr>
           <a:lstStyle/>
           <a:p>
-            <a:pPr indent="0" lvl="0" marL="0" rtl="0" algn="l">
-              <a:spcBef>
-                <a:spcPts val="0"/>
-              </a:spcBef>
-              <a:spcAft>
-                <a:spcPts val="0"/>
-              </a:spcAft>
-              <a:buNone/>
-            </a:pPr>
-            <a:r>
-              <a:t/>
-            </a:r>
+            <a:pPr marL="0" lvl="0" indent="0" algn="l" rtl="0">
+              <a:spcBef>
+                <a:spcPts val="0"/>
+              </a:spcBef>
+              <a:spcAft>
+                <a:spcPts val="0"/>
+              </a:spcAft>
+              <a:buNone/>
+            </a:pPr>
             <a:endParaRPr/>
           </a:p>
         </p:txBody>
@@ -1905,11 +1980,11 @@
 </file>
 
 <file path=ppt/notesSlides/notesSlide7.xml><?xml version="1.0" encoding="utf-8"?>
-<p:notes xmlns:a="http://schemas.openxmlformats.org/drawingml/2006/main" xmlns:r="http://schemas.openxmlformats.org/officeDocument/2006/relationships" xmlns:mc="http://schemas.openxmlformats.org/markup-compatibility/2006" xmlns:mv="urn:schemas-microsoft-com:mac:vml" xmlns:p="http://schemas.openxmlformats.org/presentationml/2006/main" xmlns:c="http://schemas.openxmlformats.org/drawingml/2006/chart" xmlns:dgm="http://schemas.openxmlformats.org/drawingml/2006/diagram" xmlns:o="urn:schemas-microsoft-com:office:office" xmlns:v="urn:schemas-microsoft-com:vml" xmlns:pvml="urn:schemas-microsoft-com:office:powerpoint" xmlns:com="http://schemas.openxmlformats.org/drawingml/2006/compatibility" xmlns:p14="http://schemas.microsoft.com/office/powerpoint/2010/main" xmlns:p15="http://schemas.microsoft.com/office/powerpoint/2012/main" xmlns:ahyp="http://schemas.microsoft.com/office/drawing/2018/hyperlinkcolor" showMasterPhAnim="0" showMasterSp="0">
+<p:notes xmlns:a="http://schemas.openxmlformats.org/drawingml/2006/main" xmlns:r="http://schemas.openxmlformats.org/officeDocument/2006/relationships" xmlns:p="http://schemas.openxmlformats.org/presentationml/2006/main" showMasterSp="0" showMasterPhAnim="0">
   <p:cSld>
     <p:spTree>
       <p:nvGrpSpPr>
-        <p:cNvPr id="120" name="Shape 120"/>
+        <p:cNvPr id="1" name="Shape 120"/>
         <p:cNvGrpSpPr/>
         <p:nvPr/>
       </p:nvGrpSpPr>
@@ -1924,9 +1999,11 @@
       <p:sp>
         <p:nvSpPr>
           <p:cNvPr id="121" name="Google Shape;121;g30cbda5a907_0_241:notes"/>
-          <p:cNvSpPr/>
+          <p:cNvSpPr>
+            <a:spLocks noGrp="1" noRot="1" noChangeAspect="1"/>
+          </p:cNvSpPr>
           <p:nvPr>
-            <p:ph idx="2" type="sldImg"/>
+            <p:ph type="sldImg" idx="2"/>
           </p:nvPr>
         </p:nvSpPr>
         <p:spPr>
@@ -1935,9 +2012,13 @@
             <a:ext cx="6096000" cy="3429000"/>
           </a:xfrm>
           <a:custGeom>
-            <a:rect b="b" l="l" r="r" t="t"/>
+            <a:avLst/>
+            <a:gdLst/>
+            <a:ahLst/>
+            <a:cxnLst/>
+            <a:rect l="l" t="t" r="r" b="b"/>
             <a:pathLst>
-              <a:path extrusionOk="0" h="120000" w="120000">
+              <a:path w="120000" h="120000" extrusionOk="0">
                 <a:moveTo>
                   <a:pt x="0" y="0"/>
                 </a:moveTo>
@@ -1959,9 +2040,11 @@
       <p:sp>
         <p:nvSpPr>
           <p:cNvPr id="122" name="Google Shape;122;g30cbda5a907_0_241:notes"/>
-          <p:cNvSpPr txBox="1"/>
+          <p:cNvSpPr txBox="1">
+            <a:spLocks noGrp="1"/>
+          </p:cNvSpPr>
           <p:nvPr>
-            <p:ph idx="1" type="body"/>
+            <p:ph type="body" idx="1"/>
           </p:nvPr>
         </p:nvSpPr>
         <p:spPr>
@@ -1974,23 +2057,20 @@
           </a:prstGeom>
         </p:spPr>
         <p:txBody>
-          <a:bodyPr anchorCtr="0" anchor="t" bIns="91425" lIns="91425" spcFirstLastPara="1" rIns="91425" wrap="square" tIns="91425">
+          <a:bodyPr spcFirstLastPara="1" wrap="square" lIns="91425" tIns="91425" rIns="91425" bIns="91425" anchor="t" anchorCtr="0">
             <a:noAutofit/>
           </a:bodyPr>
           <a:lstStyle/>
           <a:p>
-            <a:pPr indent="0" lvl="0" marL="0" rtl="0" algn="l">
-              <a:spcBef>
-                <a:spcPts val="0"/>
-              </a:spcBef>
-              <a:spcAft>
-                <a:spcPts val="0"/>
-              </a:spcAft>
-              <a:buNone/>
-            </a:pPr>
-            <a:r>
-              <a:t/>
-            </a:r>
+            <a:pPr marL="0" lvl="0" indent="0" algn="l" rtl="0">
+              <a:spcBef>
+                <a:spcPts val="0"/>
+              </a:spcBef>
+              <a:spcAft>
+                <a:spcPts val="0"/>
+              </a:spcAft>
+              <a:buNone/>
+            </a:pPr>
             <a:endParaRPr/>
           </a:p>
         </p:txBody>
@@ -2004,11 +2084,11 @@
 </file>
 
 <file path=ppt/notesSlides/notesSlide8.xml><?xml version="1.0" encoding="utf-8"?>
-<p:notes xmlns:a="http://schemas.openxmlformats.org/drawingml/2006/main" xmlns:r="http://schemas.openxmlformats.org/officeDocument/2006/relationships" xmlns:mc="http://schemas.openxmlformats.org/markup-compatibility/2006" xmlns:mv="urn:schemas-microsoft-com:mac:vml" xmlns:p="http://schemas.openxmlformats.org/presentationml/2006/main" xmlns:c="http://schemas.openxmlformats.org/drawingml/2006/chart" xmlns:dgm="http://schemas.openxmlformats.org/drawingml/2006/diagram" xmlns:o="urn:schemas-microsoft-com:office:office" xmlns:v="urn:schemas-microsoft-com:vml" xmlns:pvml="urn:schemas-microsoft-com:office:powerpoint" xmlns:com="http://schemas.openxmlformats.org/drawingml/2006/compatibility" xmlns:p14="http://schemas.microsoft.com/office/powerpoint/2010/main" xmlns:p15="http://schemas.microsoft.com/office/powerpoint/2012/main" xmlns:ahyp="http://schemas.microsoft.com/office/drawing/2018/hyperlinkcolor" showMasterPhAnim="0" showMasterSp="0">
+<p:notes xmlns:a="http://schemas.openxmlformats.org/drawingml/2006/main" xmlns:r="http://schemas.openxmlformats.org/officeDocument/2006/relationships" xmlns:p="http://schemas.openxmlformats.org/presentationml/2006/main" showMasterSp="0" showMasterPhAnim="0">
   <p:cSld>
     <p:spTree>
       <p:nvGrpSpPr>
-        <p:cNvPr id="127" name="Shape 127"/>
+        <p:cNvPr id="1" name="Shape 127"/>
         <p:cNvGrpSpPr/>
         <p:nvPr/>
       </p:nvGrpSpPr>
@@ -2023,9 +2103,11 @@
       <p:sp>
         <p:nvSpPr>
           <p:cNvPr id="128" name="Google Shape;128;g30cbda5a907_0_246:notes"/>
-          <p:cNvSpPr/>
+          <p:cNvSpPr>
+            <a:spLocks noGrp="1" noRot="1" noChangeAspect="1"/>
+          </p:cNvSpPr>
           <p:nvPr>
-            <p:ph idx="2" type="sldImg"/>
+            <p:ph type="sldImg" idx="2"/>
           </p:nvPr>
         </p:nvSpPr>
         <p:spPr>
@@ -2034,9 +2116,13 @@
             <a:ext cx="6096000" cy="3429000"/>
           </a:xfrm>
           <a:custGeom>
-            <a:rect b="b" l="l" r="r" t="t"/>
+            <a:avLst/>
+            <a:gdLst/>
+            <a:ahLst/>
+            <a:cxnLst/>
+            <a:rect l="l" t="t" r="r" b="b"/>
             <a:pathLst>
-              <a:path extrusionOk="0" h="120000" w="120000">
+              <a:path w="120000" h="120000" extrusionOk="0">
                 <a:moveTo>
                   <a:pt x="0" y="0"/>
                 </a:moveTo>
@@ -2058,9 +2144,11 @@
       <p:sp>
         <p:nvSpPr>
           <p:cNvPr id="129" name="Google Shape;129;g30cbda5a907_0_246:notes"/>
-          <p:cNvSpPr txBox="1"/>
+          <p:cNvSpPr txBox="1">
+            <a:spLocks noGrp="1"/>
+          </p:cNvSpPr>
           <p:nvPr>
-            <p:ph idx="1" type="body"/>
+            <p:ph type="body" idx="1"/>
           </p:nvPr>
         </p:nvSpPr>
         <p:spPr>
@@ -2073,23 +2161,20 @@
           </a:prstGeom>
         </p:spPr>
         <p:txBody>
-          <a:bodyPr anchorCtr="0" anchor="t" bIns="91425" lIns="91425" spcFirstLastPara="1" rIns="91425" wrap="square" tIns="91425">
+          <a:bodyPr spcFirstLastPara="1" wrap="square" lIns="91425" tIns="91425" rIns="91425" bIns="91425" anchor="t" anchorCtr="0">
             <a:noAutofit/>
           </a:bodyPr>
           <a:lstStyle/>
           <a:p>
-            <a:pPr indent="0" lvl="0" marL="0" rtl="0" algn="l">
-              <a:spcBef>
-                <a:spcPts val="0"/>
-              </a:spcBef>
-              <a:spcAft>
-                <a:spcPts val="0"/>
-              </a:spcAft>
-              <a:buNone/>
-            </a:pPr>
-            <a:r>
-              <a:t/>
-            </a:r>
+            <a:pPr marL="0" lvl="0" indent="0" algn="l" rtl="0">
+              <a:spcBef>
+                <a:spcPts val="0"/>
+              </a:spcBef>
+              <a:spcAft>
+                <a:spcPts val="0"/>
+              </a:spcAft>
+              <a:buNone/>
+            </a:pPr>
             <a:endParaRPr/>
           </a:p>
         </p:txBody>
@@ -2103,11 +2188,11 @@
 </file>
 
 <file path=ppt/notesSlides/notesSlide9.xml><?xml version="1.0" encoding="utf-8"?>
-<p:notes xmlns:a="http://schemas.openxmlformats.org/drawingml/2006/main" xmlns:r="http://schemas.openxmlformats.org/officeDocument/2006/relationships" xmlns:mc="http://schemas.openxmlformats.org/markup-compatibility/2006" xmlns:mv="urn:schemas-microsoft-com:mac:vml" xmlns:p="http://schemas.openxmlformats.org/presentationml/2006/main" xmlns:c="http://schemas.openxmlformats.org/drawingml/2006/chart" xmlns:dgm="http://schemas.openxmlformats.org/drawingml/2006/diagram" xmlns:o="urn:schemas-microsoft-com:office:office" xmlns:v="urn:schemas-microsoft-com:vml" xmlns:pvml="urn:schemas-microsoft-com:office:powerpoint" xmlns:com="http://schemas.openxmlformats.org/drawingml/2006/compatibility" xmlns:p14="http://schemas.microsoft.com/office/powerpoint/2010/main" xmlns:p15="http://schemas.microsoft.com/office/powerpoint/2012/main" xmlns:ahyp="http://schemas.microsoft.com/office/drawing/2018/hyperlinkcolor" showMasterPhAnim="0" showMasterSp="0">
+<p:notes xmlns:a="http://schemas.openxmlformats.org/drawingml/2006/main" xmlns:r="http://schemas.openxmlformats.org/officeDocument/2006/relationships" xmlns:p="http://schemas.openxmlformats.org/presentationml/2006/main" showMasterSp="0" showMasterPhAnim="0">
   <p:cSld>
     <p:spTree>
       <p:nvGrpSpPr>
-        <p:cNvPr id="134" name="Shape 134"/>
+        <p:cNvPr id="1" name="Shape 134"/>
         <p:cNvGrpSpPr/>
         <p:nvPr/>
       </p:nvGrpSpPr>
@@ -2122,20 +2207,26 @@
       <p:sp>
         <p:nvSpPr>
           <p:cNvPr id="135" name="Google Shape;135;g30cbda5a907_0_210:notes"/>
-          <p:cNvSpPr/>
+          <p:cNvSpPr>
+            <a:spLocks noGrp="1" noRot="1" noChangeAspect="1"/>
+          </p:cNvSpPr>
           <p:nvPr>
-            <p:ph idx="2" type="sldImg"/>
+            <p:ph type="sldImg" idx="2"/>
           </p:nvPr>
         </p:nvSpPr>
         <p:spPr>
           <a:xfrm>
-            <a:off x="381300" y="685800"/>
+            <a:off x="381000" y="685800"/>
             <a:ext cx="6096000" cy="3429000"/>
           </a:xfrm>
           <a:custGeom>
-            <a:rect b="b" l="l" r="r" t="t"/>
+            <a:avLst/>
+            <a:gdLst/>
+            <a:ahLst/>
+            <a:cxnLst/>
+            <a:rect l="l" t="t" r="r" b="b"/>
             <a:pathLst>
-              <a:path extrusionOk="0" h="120000" w="120000">
+              <a:path w="120000" h="120000" extrusionOk="0">
                 <a:moveTo>
                   <a:pt x="0" y="0"/>
                 </a:moveTo>
@@ -2157,9 +2248,11 @@
       <p:sp>
         <p:nvSpPr>
           <p:cNvPr id="136" name="Google Shape;136;g30cbda5a907_0_210:notes"/>
-          <p:cNvSpPr txBox="1"/>
+          <p:cNvSpPr txBox="1">
+            <a:spLocks noGrp="1"/>
+          </p:cNvSpPr>
           <p:nvPr>
-            <p:ph idx="1" type="body"/>
+            <p:ph type="body" idx="1"/>
           </p:nvPr>
         </p:nvSpPr>
         <p:spPr>
@@ -2172,23 +2265,20 @@
           </a:prstGeom>
         </p:spPr>
         <p:txBody>
-          <a:bodyPr anchorCtr="0" anchor="t" bIns="91425" lIns="91425" spcFirstLastPara="1" rIns="91425" wrap="square" tIns="91425">
+          <a:bodyPr spcFirstLastPara="1" wrap="square" lIns="91425" tIns="91425" rIns="91425" bIns="91425" anchor="t" anchorCtr="0">
             <a:noAutofit/>
           </a:bodyPr>
           <a:lstStyle/>
           <a:p>
-            <a:pPr indent="0" lvl="0" marL="0" rtl="0" algn="l">
-              <a:spcBef>
-                <a:spcPts val="0"/>
-              </a:spcBef>
-              <a:spcAft>
-                <a:spcPts val="0"/>
-              </a:spcAft>
-              <a:buNone/>
-            </a:pPr>
-            <a:r>
-              <a:t/>
-            </a:r>
+            <a:pPr marL="0" lvl="0" indent="0" algn="l" rtl="0">
+              <a:spcBef>
+                <a:spcPts val="0"/>
+              </a:spcBef>
+              <a:spcAft>
+                <a:spcPts val="0"/>
+              </a:spcAft>
+              <a:buNone/>
+            </a:pPr>
             <a:endParaRPr/>
           </a:p>
         </p:txBody>
@@ -2202,18 +2292,19 @@
 </file>
 
 <file path=ppt/slideLayouts/slideLayout1.xml><?xml version="1.0" encoding="utf-8"?>
-<p:sldLayout xmlns:a="http://schemas.openxmlformats.org/drawingml/2006/main" xmlns:r="http://schemas.openxmlformats.org/officeDocument/2006/relationships" xmlns:mc="http://schemas.openxmlformats.org/markup-compatibility/2006" xmlns:mv="urn:schemas-microsoft-com:mac:vml" xmlns:p="http://schemas.openxmlformats.org/presentationml/2006/main" xmlns:c="http://schemas.openxmlformats.org/drawingml/2006/chart" xmlns:dgm="http://schemas.openxmlformats.org/drawingml/2006/diagram" xmlns:o="urn:schemas-microsoft-com:office:office" xmlns:v="urn:schemas-microsoft-com:vml" xmlns:pvml="urn:schemas-microsoft-com:office:powerpoint" xmlns:com="http://schemas.openxmlformats.org/drawingml/2006/compatibility" xmlns:p14="http://schemas.microsoft.com/office/powerpoint/2010/main" xmlns:p15="http://schemas.microsoft.com/office/powerpoint/2012/main" xmlns:ahyp="http://schemas.microsoft.com/office/drawing/2018/hyperlinkcolor" matchingName="Title slide" type="title">
+<p:sldLayout xmlns:a="http://schemas.openxmlformats.org/drawingml/2006/main" xmlns:r="http://schemas.openxmlformats.org/officeDocument/2006/relationships" xmlns:p="http://schemas.openxmlformats.org/presentationml/2006/main" matchingName="Title slide" type="title">
   <p:cSld name="TITLE">
     <p:bg>
       <p:bgPr>
         <a:solidFill>
           <a:schemeClr val="lt2"/>
         </a:solidFill>
+        <a:effectLst/>
       </p:bgPr>
     </p:bg>
     <p:spTree>
       <p:nvGrpSpPr>
-        <p:cNvPr id="9" name="Shape 9"/>
+        <p:cNvPr id="1" name="Shape 9"/>
         <p:cNvGrpSpPr/>
         <p:nvPr/>
       </p:nvGrpSpPr>
@@ -2247,23 +2338,20 @@
           </a:ln>
         </p:spPr>
         <p:txBody>
-          <a:bodyPr anchorCtr="0" anchor="ctr" bIns="91425" lIns="91425" spcFirstLastPara="1" rIns="91425" wrap="square" tIns="91425">
+          <a:bodyPr spcFirstLastPara="1" wrap="square" lIns="91425" tIns="91425" rIns="91425" bIns="91425" anchor="ctr" anchorCtr="0">
             <a:noAutofit/>
           </a:bodyPr>
           <a:lstStyle/>
           <a:p>
-            <a:pPr indent="0" lvl="0" marL="0" rtl="0" algn="l">
-              <a:spcBef>
-                <a:spcPts val="0"/>
-              </a:spcBef>
-              <a:spcAft>
-                <a:spcPts val="0"/>
-              </a:spcAft>
-              <a:buNone/>
-            </a:pPr>
-            <a:r>
-              <a:t/>
-            </a:r>
+            <a:pPr marL="0" lvl="0" indent="0" algn="l" rtl="0">
+              <a:spcBef>
+                <a:spcPts val="0"/>
+              </a:spcBef>
+              <a:spcAft>
+                <a:spcPts val="0"/>
+              </a:spcAft>
+              <a:buNone/>
+            </a:pPr>
             <a:endParaRPr/>
           </a:p>
         </p:txBody>
@@ -2304,12 +2392,12 @@
             </a:ln>
           </p:spPr>
           <p:txBody>
-            <a:bodyPr anchorCtr="0" anchor="ctr" bIns="91425" lIns="91425" spcFirstLastPara="1" rIns="91425" wrap="square" tIns="91425">
+            <a:bodyPr spcFirstLastPara="1" wrap="square" lIns="91425" tIns="91425" rIns="91425" bIns="91425" anchor="ctr" anchorCtr="0">
               <a:noAutofit/>
             </a:bodyPr>
             <a:lstStyle/>
             <a:p>
-              <a:pPr indent="0" lvl="0" marL="0" rtl="0" algn="l">
+              <a:pPr marL="0" lvl="0" indent="0" algn="l" rtl="0">
                 <a:spcBef>
                   <a:spcPts val="0"/>
                 </a:spcBef>
@@ -2318,9 +2406,6 @@
                 </a:spcAft>
                 <a:buNone/>
               </a:pPr>
-              <a:r>
-                <a:t/>
-              </a:r>
               <a:endParaRPr/>
             </a:p>
           </p:txBody>
@@ -2347,12 +2432,12 @@
             </a:ln>
           </p:spPr>
           <p:txBody>
-            <a:bodyPr anchorCtr="0" anchor="ctr" bIns="91425" lIns="91425" spcFirstLastPara="1" rIns="91425" wrap="square" tIns="91425">
+            <a:bodyPr spcFirstLastPara="1" wrap="square" lIns="91425" tIns="91425" rIns="91425" bIns="91425" anchor="ctr" anchorCtr="0">
               <a:noAutofit/>
             </a:bodyPr>
             <a:lstStyle/>
             <a:p>
-              <a:pPr indent="0" lvl="0" marL="0" rtl="0" algn="l">
+              <a:pPr marL="0" lvl="0" indent="0" algn="l" rtl="0">
                 <a:spcBef>
                   <a:spcPts val="0"/>
                 </a:spcBef>
@@ -2361,9 +2446,6 @@
                 </a:spcAft>
                 <a:buNone/>
               </a:pPr>
-              <a:r>
-                <a:t/>
-              </a:r>
               <a:endParaRPr/>
             </a:p>
           </p:txBody>
@@ -2372,7 +2454,9 @@
       <p:sp>
         <p:nvSpPr>
           <p:cNvPr id="14" name="Google Shape;14;p2"/>
-          <p:cNvSpPr txBox="1"/>
+          <p:cNvSpPr txBox="1">
+            <a:spLocks noGrp="1"/>
+          </p:cNvSpPr>
           <p:nvPr>
             <p:ph type="ctrTitle"/>
           </p:nvPr>
@@ -2387,7 +2471,7 @@
           </a:prstGeom>
         </p:spPr>
         <p:txBody>
-          <a:bodyPr anchorCtr="0" anchor="t" bIns="91425" lIns="91425" spcFirstLastPara="1" rIns="91425" wrap="square" tIns="91425">
+          <a:bodyPr spcFirstLastPara="1" wrap="square" lIns="91425" tIns="91425" rIns="91425" bIns="91425" anchor="t" anchorCtr="0">
             <a:normAutofit/>
           </a:bodyPr>
           <a:lstStyle>
@@ -2491,15 +2575,19 @@
               <a:defRPr sz="4200"/>
             </a:lvl9pPr>
           </a:lstStyle>
-          <a:p/>
+          <a:p>
+            <a:endParaRPr/>
+          </a:p>
         </p:txBody>
       </p:sp>
       <p:sp>
         <p:nvSpPr>
           <p:cNvPr id="15" name="Google Shape;15;p2"/>
-          <p:cNvSpPr txBox="1"/>
+          <p:cNvSpPr txBox="1">
+            <a:spLocks noGrp="1"/>
+          </p:cNvSpPr>
           <p:nvPr>
-            <p:ph idx="1" type="subTitle"/>
+            <p:ph type="subTitle" idx="1"/>
           </p:nvPr>
         </p:nvSpPr>
         <p:spPr>
@@ -2512,7 +2600,7 @@
           </a:prstGeom>
         </p:spPr>
         <p:txBody>
-          <a:bodyPr anchorCtr="0" anchor="t" bIns="91425" lIns="91425" spcFirstLastPara="1" rIns="91425" wrap="square" tIns="91425">
+          <a:bodyPr spcFirstLastPara="1" wrap="square" lIns="91425" tIns="91425" rIns="91425" bIns="91425" anchor="t" anchorCtr="0">
             <a:normAutofit/>
           </a:bodyPr>
           <a:lstStyle>
@@ -2643,15 +2731,19 @@
               <a:defRPr sz="1600"/>
             </a:lvl9pPr>
           </a:lstStyle>
-          <a:p/>
+          <a:p>
+            <a:endParaRPr/>
+          </a:p>
         </p:txBody>
       </p:sp>
       <p:sp>
         <p:nvSpPr>
           <p:cNvPr id="16" name="Google Shape;16;p2"/>
-          <p:cNvSpPr txBox="1"/>
+          <p:cNvSpPr txBox="1">
+            <a:spLocks noGrp="1"/>
+          </p:cNvSpPr>
           <p:nvPr>
-            <p:ph idx="12" type="sldNum"/>
+            <p:ph type="sldNum" idx="12"/>
           </p:nvPr>
         </p:nvSpPr>
         <p:spPr>
@@ -2664,7 +2756,7 @@
           </a:prstGeom>
         </p:spPr>
         <p:txBody>
-          <a:bodyPr anchorCtr="0" anchor="ctr" bIns="91425" lIns="91425" spcFirstLastPara="1" rIns="91425" wrap="square" tIns="91425">
+          <a:bodyPr spcFirstLastPara="1" wrap="square" lIns="91425" tIns="91425" rIns="91425" bIns="91425" anchor="ctr" anchorCtr="0">
             <a:normAutofit/>
           </a:bodyPr>
           <a:lstStyle>
@@ -2706,7 +2798,7 @@
             </a:lvl9pPr>
           </a:lstStyle>
           <a:p>
-            <a:pPr indent="0" lvl="0" marL="0" rtl="0" algn="r">
+            <a:pPr marL="0" lvl="0" indent="0" algn="r" rtl="0">
               <a:spcBef>
                 <a:spcPts val="0"/>
               </a:spcBef>
@@ -2732,18 +2824,19 @@
 </file>
 
 <file path=ppt/slideLayouts/slideLayout10.xml><?xml version="1.0" encoding="utf-8"?>
-<p:sldLayout xmlns:a="http://schemas.openxmlformats.org/drawingml/2006/main" xmlns:r="http://schemas.openxmlformats.org/officeDocument/2006/relationships" xmlns:mc="http://schemas.openxmlformats.org/markup-compatibility/2006" xmlns:mv="urn:schemas-microsoft-com:mac:vml" xmlns:p="http://schemas.openxmlformats.org/presentationml/2006/main" xmlns:c="http://schemas.openxmlformats.org/drawingml/2006/chart" xmlns:dgm="http://schemas.openxmlformats.org/drawingml/2006/diagram" xmlns:o="urn:schemas-microsoft-com:office:office" xmlns:v="urn:schemas-microsoft-com:vml" xmlns:pvml="urn:schemas-microsoft-com:office:powerpoint" xmlns:com="http://schemas.openxmlformats.org/drawingml/2006/compatibility" xmlns:p14="http://schemas.microsoft.com/office/powerpoint/2010/main" xmlns:p15="http://schemas.microsoft.com/office/powerpoint/2012/main" xmlns:ahyp="http://schemas.microsoft.com/office/drawing/2018/hyperlinkcolor" matchingName="Big number">
+<p:sldLayout xmlns:a="http://schemas.openxmlformats.org/drawingml/2006/main" xmlns:r="http://schemas.openxmlformats.org/officeDocument/2006/relationships" xmlns:p="http://schemas.openxmlformats.org/presentationml/2006/main" matchingName="Big number">
   <p:cSld name="BIG_NUMBER">
     <p:bg>
       <p:bgPr>
         <a:solidFill>
           <a:schemeClr val="dk1"/>
         </a:solidFill>
+        <a:effectLst/>
       </p:bgPr>
     </p:bg>
     <p:spTree>
       <p:nvGrpSpPr>
-        <p:cNvPr id="73" name="Shape 73"/>
+        <p:cNvPr id="1" name="Shape 73"/>
         <p:cNvGrpSpPr/>
         <p:nvPr/>
       </p:nvGrpSpPr>
@@ -2791,12 +2884,12 @@
             </a:ln>
           </p:spPr>
           <p:txBody>
-            <a:bodyPr anchorCtr="0" anchor="ctr" bIns="91425" lIns="91425" spcFirstLastPara="1" rIns="91425" wrap="square" tIns="91425">
+            <a:bodyPr spcFirstLastPara="1" wrap="square" lIns="91425" tIns="91425" rIns="91425" bIns="91425" anchor="ctr" anchorCtr="0">
               <a:noAutofit/>
             </a:bodyPr>
             <a:lstStyle/>
             <a:p>
-              <a:pPr indent="0" lvl="0" marL="0" rtl="0" algn="l">
+              <a:pPr marL="0" lvl="0" indent="0" algn="l" rtl="0">
                 <a:spcBef>
                   <a:spcPts val="0"/>
                 </a:spcBef>
@@ -2805,9 +2898,6 @@
                 </a:spcAft>
                 <a:buNone/>
               </a:pPr>
-              <a:r>
-                <a:t/>
-              </a:r>
               <a:endParaRPr/>
             </a:p>
           </p:txBody>
@@ -2834,12 +2924,12 @@
             </a:ln>
           </p:spPr>
           <p:txBody>
-            <a:bodyPr anchorCtr="0" anchor="ctr" bIns="91425" lIns="91425" spcFirstLastPara="1" rIns="91425" wrap="square" tIns="91425">
+            <a:bodyPr spcFirstLastPara="1" wrap="square" lIns="91425" tIns="91425" rIns="91425" bIns="91425" anchor="ctr" anchorCtr="0">
               <a:noAutofit/>
             </a:bodyPr>
             <a:lstStyle/>
             <a:p>
-              <a:pPr indent="0" lvl="0" marL="0" rtl="0" algn="l">
+              <a:pPr marL="0" lvl="0" indent="0" algn="l" rtl="0">
                 <a:spcBef>
                   <a:spcPts val="0"/>
                 </a:spcBef>
@@ -2848,9 +2938,6 @@
                 </a:spcAft>
                 <a:buNone/>
               </a:pPr>
-              <a:r>
-                <a:t/>
-              </a:r>
               <a:endParaRPr/>
             </a:p>
           </p:txBody>
@@ -2859,9 +2946,11 @@
       <p:sp>
         <p:nvSpPr>
           <p:cNvPr id="77" name="Google Shape;77;p11"/>
-          <p:cNvSpPr txBox="1"/>
+          <p:cNvSpPr txBox="1">
+            <a:spLocks noGrp="1"/>
+          </p:cNvSpPr>
           <p:nvPr>
-            <p:ph hasCustomPrompt="1" type="title"/>
+            <p:ph type="title" hasCustomPrompt="1"/>
           </p:nvPr>
         </p:nvSpPr>
         <p:spPr>
@@ -2874,7 +2963,7 @@
           </a:prstGeom>
         </p:spPr>
         <p:txBody>
-          <a:bodyPr anchorCtr="0" anchor="t" bIns="91425" lIns="91425" spcFirstLastPara="1" rIns="91425" wrap="square" tIns="91425">
+          <a:bodyPr spcFirstLastPara="1" wrap="square" lIns="91425" tIns="91425" rIns="91425" bIns="91425" anchor="t" anchorCtr="0">
             <a:normAutofit/>
           </a:bodyPr>
           <a:lstStyle>
@@ -3051,9 +3140,11 @@
       <p:sp>
         <p:nvSpPr>
           <p:cNvPr id="78" name="Google Shape;78;p11"/>
-          <p:cNvSpPr txBox="1"/>
+          <p:cNvSpPr txBox="1">
+            <a:spLocks noGrp="1"/>
+          </p:cNvSpPr>
           <p:nvPr>
-            <p:ph idx="1" type="body"/>
+            <p:ph type="body" idx="1"/>
           </p:nvPr>
         </p:nvSpPr>
         <p:spPr>
@@ -3066,11 +3157,11 @@
           </a:prstGeom>
         </p:spPr>
         <p:txBody>
-          <a:bodyPr anchorCtr="0" anchor="t" bIns="91425" lIns="91425" spcFirstLastPara="1" rIns="91425" wrap="square" tIns="91425">
+          <a:bodyPr spcFirstLastPara="1" wrap="square" lIns="91425" tIns="91425" rIns="91425" bIns="91425" anchor="t" anchorCtr="0">
             <a:normAutofit/>
           </a:bodyPr>
           <a:lstStyle>
-            <a:lvl1pPr indent="-311150" lvl="0" marL="457200">
+            <a:lvl1pPr marL="457200" lvl="0" indent="-311150">
               <a:spcBef>
                 <a:spcPts val="0"/>
               </a:spcBef>
@@ -3088,7 +3179,7 @@
                 </a:solidFill>
               </a:defRPr>
             </a:lvl1pPr>
-            <a:lvl2pPr indent="-298450" lvl="1" marL="914400">
+            <a:lvl2pPr marL="914400" lvl="1" indent="-298450">
               <a:spcBef>
                 <a:spcPts val="0"/>
               </a:spcBef>
@@ -3106,7 +3197,7 @@
                 </a:solidFill>
               </a:defRPr>
             </a:lvl2pPr>
-            <a:lvl3pPr indent="-298450" lvl="2" marL="1371600">
+            <a:lvl3pPr marL="1371600" lvl="2" indent="-298450">
               <a:spcBef>
                 <a:spcPts val="0"/>
               </a:spcBef>
@@ -3124,7 +3215,7 @@
                 </a:solidFill>
               </a:defRPr>
             </a:lvl3pPr>
-            <a:lvl4pPr indent="-298450" lvl="3" marL="1828800">
+            <a:lvl4pPr marL="1828800" lvl="3" indent="-298450">
               <a:spcBef>
                 <a:spcPts val="0"/>
               </a:spcBef>
@@ -3142,7 +3233,7 @@
                 </a:solidFill>
               </a:defRPr>
             </a:lvl4pPr>
-            <a:lvl5pPr indent="-298450" lvl="4" marL="2286000">
+            <a:lvl5pPr marL="2286000" lvl="4" indent="-298450">
               <a:spcBef>
                 <a:spcPts val="0"/>
               </a:spcBef>
@@ -3160,7 +3251,7 @@
                 </a:solidFill>
               </a:defRPr>
             </a:lvl5pPr>
-            <a:lvl6pPr indent="-298450" lvl="5" marL="2743200">
+            <a:lvl6pPr marL="2743200" lvl="5" indent="-298450">
               <a:spcBef>
                 <a:spcPts val="0"/>
               </a:spcBef>
@@ -3178,7 +3269,7 @@
                 </a:solidFill>
               </a:defRPr>
             </a:lvl6pPr>
-            <a:lvl7pPr indent="-298450" lvl="6" marL="3200400">
+            <a:lvl7pPr marL="3200400" lvl="6" indent="-298450">
               <a:spcBef>
                 <a:spcPts val="0"/>
               </a:spcBef>
@@ -3196,7 +3287,7 @@
                 </a:solidFill>
               </a:defRPr>
             </a:lvl7pPr>
-            <a:lvl8pPr indent="-298450" lvl="7" marL="3657600">
+            <a:lvl8pPr marL="3657600" lvl="7" indent="-298450">
               <a:spcBef>
                 <a:spcPts val="0"/>
               </a:spcBef>
@@ -3214,7 +3305,7 @@
                 </a:solidFill>
               </a:defRPr>
             </a:lvl8pPr>
-            <a:lvl9pPr indent="-298450" lvl="8" marL="4114800">
+            <a:lvl9pPr marL="4114800" lvl="8" indent="-298450">
               <a:spcBef>
                 <a:spcPts val="0"/>
               </a:spcBef>
@@ -3233,15 +3324,19 @@
               </a:defRPr>
             </a:lvl9pPr>
           </a:lstStyle>
-          <a:p/>
+          <a:p>
+            <a:endParaRPr/>
+          </a:p>
         </p:txBody>
       </p:sp>
       <p:sp>
         <p:nvSpPr>
           <p:cNvPr id="79" name="Google Shape;79;p11"/>
-          <p:cNvSpPr txBox="1"/>
+          <p:cNvSpPr txBox="1">
+            <a:spLocks noGrp="1"/>
+          </p:cNvSpPr>
           <p:nvPr>
-            <p:ph idx="12" type="sldNum"/>
+            <p:ph type="sldNum" idx="12"/>
           </p:nvPr>
         </p:nvSpPr>
         <p:spPr>
@@ -3254,7 +3349,7 @@
           </a:prstGeom>
         </p:spPr>
         <p:txBody>
-          <a:bodyPr anchorCtr="0" anchor="ctr" bIns="91425" lIns="91425" spcFirstLastPara="1" rIns="91425" wrap="square" tIns="91425">
+          <a:bodyPr spcFirstLastPara="1" wrap="square" lIns="91425" tIns="91425" rIns="91425" bIns="91425" anchor="ctr" anchorCtr="0">
             <a:normAutofit/>
           </a:bodyPr>
           <a:lstStyle>
@@ -3332,7 +3427,7 @@
             </a:lvl9pPr>
           </a:lstStyle>
           <a:p>
-            <a:pPr indent="0" lvl="0" marL="0" rtl="0" algn="r">
+            <a:pPr marL="0" lvl="0" indent="0" algn="r" rtl="0">
               <a:spcBef>
                 <a:spcPts val="0"/>
               </a:spcBef>
@@ -3358,11 +3453,11 @@
 </file>
 
 <file path=ppt/slideLayouts/slideLayout11.xml><?xml version="1.0" encoding="utf-8"?>
-<p:sldLayout xmlns:a="http://schemas.openxmlformats.org/drawingml/2006/main" xmlns:r="http://schemas.openxmlformats.org/officeDocument/2006/relationships" xmlns:mc="http://schemas.openxmlformats.org/markup-compatibility/2006" xmlns:mv="urn:schemas-microsoft-com:mac:vml" xmlns:p="http://schemas.openxmlformats.org/presentationml/2006/main" xmlns:c="http://schemas.openxmlformats.org/drawingml/2006/chart" xmlns:dgm="http://schemas.openxmlformats.org/drawingml/2006/diagram" xmlns:o="urn:schemas-microsoft-com:office:office" xmlns:v="urn:schemas-microsoft-com:vml" xmlns:pvml="urn:schemas-microsoft-com:office:powerpoint" xmlns:com="http://schemas.openxmlformats.org/drawingml/2006/compatibility" xmlns:p14="http://schemas.microsoft.com/office/powerpoint/2010/main" xmlns:p15="http://schemas.microsoft.com/office/powerpoint/2012/main" xmlns:ahyp="http://schemas.microsoft.com/office/drawing/2018/hyperlinkcolor" matchingName="Blank" type="blank">
+<p:sldLayout xmlns:a="http://schemas.openxmlformats.org/drawingml/2006/main" xmlns:r="http://schemas.openxmlformats.org/officeDocument/2006/relationships" xmlns:p="http://schemas.openxmlformats.org/presentationml/2006/main" matchingName="Blank" type="blank">
   <p:cSld name="BLANK">
     <p:spTree>
       <p:nvGrpSpPr>
-        <p:cNvPr id="80" name="Shape 80"/>
+        <p:cNvPr id="1" name="Shape 80"/>
         <p:cNvGrpSpPr/>
         <p:nvPr/>
       </p:nvGrpSpPr>
@@ -3377,9 +3472,11 @@
       <p:sp>
         <p:nvSpPr>
           <p:cNvPr id="81" name="Google Shape;81;p12"/>
-          <p:cNvSpPr txBox="1"/>
+          <p:cNvSpPr txBox="1">
+            <a:spLocks noGrp="1"/>
+          </p:cNvSpPr>
           <p:nvPr>
-            <p:ph idx="12" type="sldNum"/>
+            <p:ph type="sldNum" idx="12"/>
           </p:nvPr>
         </p:nvSpPr>
         <p:spPr>
@@ -3392,7 +3489,7 @@
           </a:prstGeom>
         </p:spPr>
         <p:txBody>
-          <a:bodyPr anchorCtr="0" anchor="ctr" bIns="91425" lIns="91425" spcFirstLastPara="1" rIns="91425" wrap="square" tIns="91425">
+          <a:bodyPr spcFirstLastPara="1" wrap="square" lIns="91425" tIns="91425" rIns="91425" bIns="91425" anchor="ctr" anchorCtr="0">
             <a:normAutofit/>
           </a:bodyPr>
           <a:lstStyle>
@@ -3434,7 +3531,7 @@
             </a:lvl9pPr>
           </a:lstStyle>
           <a:p>
-            <a:pPr indent="0" lvl="0" marL="0" rtl="0" algn="r">
+            <a:pPr marL="0" lvl="0" indent="0" algn="r" rtl="0">
               <a:spcBef>
                 <a:spcPts val="0"/>
               </a:spcBef>
@@ -3460,18 +3557,19 @@
 </file>
 
 <file path=ppt/slideLayouts/slideLayout2.xml><?xml version="1.0" encoding="utf-8"?>
-<p:sldLayout xmlns:a="http://schemas.openxmlformats.org/drawingml/2006/main" xmlns:r="http://schemas.openxmlformats.org/officeDocument/2006/relationships" xmlns:mc="http://schemas.openxmlformats.org/markup-compatibility/2006" xmlns:mv="urn:schemas-microsoft-com:mac:vml" xmlns:p="http://schemas.openxmlformats.org/presentationml/2006/main" xmlns:c="http://schemas.openxmlformats.org/drawingml/2006/chart" xmlns:dgm="http://schemas.openxmlformats.org/drawingml/2006/diagram" xmlns:o="urn:schemas-microsoft-com:office:office" xmlns:v="urn:schemas-microsoft-com:vml" xmlns:pvml="urn:schemas-microsoft-com:office:powerpoint" xmlns:com="http://schemas.openxmlformats.org/drawingml/2006/compatibility" xmlns:p14="http://schemas.microsoft.com/office/powerpoint/2010/main" xmlns:p15="http://schemas.microsoft.com/office/powerpoint/2012/main" xmlns:ahyp="http://schemas.microsoft.com/office/drawing/2018/hyperlinkcolor" matchingName="Section header" type="secHead">
+<p:sldLayout xmlns:a="http://schemas.openxmlformats.org/drawingml/2006/main" xmlns:r="http://schemas.openxmlformats.org/officeDocument/2006/relationships" xmlns:p="http://schemas.openxmlformats.org/presentationml/2006/main" matchingName="Section header" type="secHead">
   <p:cSld name="SECTION_HEADER">
     <p:bg>
       <p:bgPr>
         <a:solidFill>
           <a:schemeClr val="dk1"/>
         </a:solidFill>
+        <a:effectLst/>
       </p:bgPr>
     </p:bg>
     <p:spTree>
       <p:nvGrpSpPr>
-        <p:cNvPr id="17" name="Shape 17"/>
+        <p:cNvPr id="1" name="Shape 17"/>
         <p:cNvGrpSpPr/>
         <p:nvPr/>
       </p:nvGrpSpPr>
@@ -3519,12 +3617,12 @@
             </a:ln>
           </p:spPr>
           <p:txBody>
-            <a:bodyPr anchorCtr="0" anchor="ctr" bIns="91425" lIns="91425" spcFirstLastPara="1" rIns="91425" wrap="square" tIns="91425">
+            <a:bodyPr spcFirstLastPara="1" wrap="square" lIns="91425" tIns="91425" rIns="91425" bIns="91425" anchor="ctr" anchorCtr="0">
               <a:noAutofit/>
             </a:bodyPr>
             <a:lstStyle/>
             <a:p>
-              <a:pPr indent="0" lvl="0" marL="0" rtl="0" algn="l">
+              <a:pPr marL="0" lvl="0" indent="0" algn="l" rtl="0">
                 <a:spcBef>
                   <a:spcPts val="0"/>
                 </a:spcBef>
@@ -3533,9 +3631,6 @@
                 </a:spcAft>
                 <a:buNone/>
               </a:pPr>
-              <a:r>
-                <a:t/>
-              </a:r>
               <a:endParaRPr/>
             </a:p>
           </p:txBody>
@@ -3562,12 +3657,12 @@
             </a:ln>
           </p:spPr>
           <p:txBody>
-            <a:bodyPr anchorCtr="0" anchor="ctr" bIns="91425" lIns="91425" spcFirstLastPara="1" rIns="91425" wrap="square" tIns="91425">
+            <a:bodyPr spcFirstLastPara="1" wrap="square" lIns="91425" tIns="91425" rIns="91425" bIns="91425" anchor="ctr" anchorCtr="0">
               <a:noAutofit/>
             </a:bodyPr>
             <a:lstStyle/>
             <a:p>
-              <a:pPr indent="0" lvl="0" marL="0" rtl="0" algn="l">
+              <a:pPr marL="0" lvl="0" indent="0" algn="l" rtl="0">
                 <a:spcBef>
                   <a:spcPts val="0"/>
                 </a:spcBef>
@@ -3576,9 +3671,6 @@
                 </a:spcAft>
                 <a:buNone/>
               </a:pPr>
-              <a:r>
-                <a:t/>
-              </a:r>
               <a:endParaRPr/>
             </a:p>
           </p:txBody>
@@ -3587,7 +3679,9 @@
       <p:sp>
         <p:nvSpPr>
           <p:cNvPr id="21" name="Google Shape;21;p3"/>
-          <p:cNvSpPr txBox="1"/>
+          <p:cNvSpPr txBox="1">
+            <a:spLocks noGrp="1"/>
+          </p:cNvSpPr>
           <p:nvPr>
             <p:ph type="title"/>
           </p:nvPr>
@@ -3602,7 +3696,7 @@
           </a:prstGeom>
         </p:spPr>
         <p:txBody>
-          <a:bodyPr anchorCtr="0" anchor="t" bIns="91425" lIns="91425" spcFirstLastPara="1" rIns="91425" wrap="square" tIns="91425">
+          <a:bodyPr spcFirstLastPara="1" wrap="square" lIns="91425" tIns="91425" rIns="91425" bIns="91425" anchor="t" anchorCtr="0">
             <a:normAutofit/>
           </a:bodyPr>
           <a:lstStyle>
@@ -3769,15 +3863,19 @@
               </a:defRPr>
             </a:lvl9pPr>
           </a:lstStyle>
-          <a:p/>
+          <a:p>
+            <a:endParaRPr/>
+          </a:p>
         </p:txBody>
       </p:sp>
       <p:sp>
         <p:nvSpPr>
           <p:cNvPr id="22" name="Google Shape;22;p3"/>
-          <p:cNvSpPr txBox="1"/>
+          <p:cNvSpPr txBox="1">
+            <a:spLocks noGrp="1"/>
+          </p:cNvSpPr>
           <p:nvPr>
-            <p:ph idx="12" type="sldNum"/>
+            <p:ph type="sldNum" idx="12"/>
           </p:nvPr>
         </p:nvSpPr>
         <p:spPr>
@@ -3790,7 +3888,7 @@
           </a:prstGeom>
         </p:spPr>
         <p:txBody>
-          <a:bodyPr anchorCtr="0" anchor="ctr" bIns="91425" lIns="91425" spcFirstLastPara="1" rIns="91425" wrap="square" tIns="91425">
+          <a:bodyPr spcFirstLastPara="1" wrap="square" lIns="91425" tIns="91425" rIns="91425" bIns="91425" anchor="ctr" anchorCtr="0">
             <a:normAutofit/>
           </a:bodyPr>
           <a:lstStyle>
@@ -3868,7 +3966,7 @@
             </a:lvl9pPr>
           </a:lstStyle>
           <a:p>
-            <a:pPr indent="0" lvl="0" marL="0" rtl="0" algn="r">
+            <a:pPr marL="0" lvl="0" indent="0" algn="r" rtl="0">
               <a:spcBef>
                 <a:spcPts val="0"/>
               </a:spcBef>
@@ -3894,11 +3992,11 @@
 </file>
 
 <file path=ppt/slideLayouts/slideLayout3.xml><?xml version="1.0" encoding="utf-8"?>
-<p:sldLayout xmlns:a="http://schemas.openxmlformats.org/drawingml/2006/main" xmlns:r="http://schemas.openxmlformats.org/officeDocument/2006/relationships" xmlns:mc="http://schemas.openxmlformats.org/markup-compatibility/2006" xmlns:mv="urn:schemas-microsoft-com:mac:vml" xmlns:p="http://schemas.openxmlformats.org/presentationml/2006/main" xmlns:c="http://schemas.openxmlformats.org/drawingml/2006/chart" xmlns:dgm="http://schemas.openxmlformats.org/drawingml/2006/diagram" xmlns:o="urn:schemas-microsoft-com:office:office" xmlns:v="urn:schemas-microsoft-com:vml" xmlns:pvml="urn:schemas-microsoft-com:office:powerpoint" xmlns:com="http://schemas.openxmlformats.org/drawingml/2006/compatibility" xmlns:p14="http://schemas.microsoft.com/office/powerpoint/2010/main" xmlns:p15="http://schemas.microsoft.com/office/powerpoint/2012/main" xmlns:ahyp="http://schemas.microsoft.com/office/drawing/2018/hyperlinkcolor" matchingName="Title and body" type="tx">
+<p:sldLayout xmlns:a="http://schemas.openxmlformats.org/drawingml/2006/main" xmlns:r="http://schemas.openxmlformats.org/officeDocument/2006/relationships" xmlns:p="http://schemas.openxmlformats.org/presentationml/2006/main" matchingName="Title and body" type="tx">
   <p:cSld name="TITLE_AND_BODY">
     <p:spTree>
       <p:nvGrpSpPr>
-        <p:cNvPr id="23" name="Shape 23"/>
+        <p:cNvPr id="1" name="Shape 23"/>
         <p:cNvGrpSpPr/>
         <p:nvPr/>
       </p:nvGrpSpPr>
@@ -3932,23 +4030,20 @@
           </a:ln>
         </p:spPr>
         <p:txBody>
-          <a:bodyPr anchorCtr="0" anchor="ctr" bIns="91425" lIns="91425" spcFirstLastPara="1" rIns="91425" wrap="square" tIns="91425">
+          <a:bodyPr spcFirstLastPara="1" wrap="square" lIns="91425" tIns="91425" rIns="91425" bIns="91425" anchor="ctr" anchorCtr="0">
             <a:noAutofit/>
           </a:bodyPr>
           <a:lstStyle/>
           <a:p>
-            <a:pPr indent="0" lvl="0" marL="0" rtl="0" algn="l">
-              <a:spcBef>
-                <a:spcPts val="0"/>
-              </a:spcBef>
-              <a:spcAft>
-                <a:spcPts val="0"/>
-              </a:spcAft>
-              <a:buNone/>
-            </a:pPr>
-            <a:r>
-              <a:t/>
-            </a:r>
+            <a:pPr marL="0" lvl="0" indent="0" algn="l" rtl="0">
+              <a:spcBef>
+                <a:spcPts val="0"/>
+              </a:spcBef>
+              <a:spcAft>
+                <a:spcPts val="0"/>
+              </a:spcAft>
+              <a:buNone/>
+            </a:pPr>
             <a:endParaRPr/>
           </a:p>
         </p:txBody>
@@ -3989,12 +4084,12 @@
             </a:ln>
           </p:spPr>
           <p:txBody>
-            <a:bodyPr anchorCtr="0" anchor="ctr" bIns="91425" lIns="91425" spcFirstLastPara="1" rIns="91425" wrap="square" tIns="91425">
+            <a:bodyPr spcFirstLastPara="1" wrap="square" lIns="91425" tIns="91425" rIns="91425" bIns="91425" anchor="ctr" anchorCtr="0">
               <a:noAutofit/>
             </a:bodyPr>
             <a:lstStyle/>
             <a:p>
-              <a:pPr indent="0" lvl="0" marL="0" rtl="0" algn="l">
+              <a:pPr marL="0" lvl="0" indent="0" algn="l" rtl="0">
                 <a:spcBef>
                   <a:spcPts val="0"/>
                 </a:spcBef>
@@ -4003,9 +4098,6 @@
                 </a:spcAft>
                 <a:buNone/>
               </a:pPr>
-              <a:r>
-                <a:t/>
-              </a:r>
               <a:endParaRPr/>
             </a:p>
           </p:txBody>
@@ -4032,12 +4124,12 @@
             </a:ln>
           </p:spPr>
           <p:txBody>
-            <a:bodyPr anchorCtr="0" anchor="ctr" bIns="91425" lIns="91425" spcFirstLastPara="1" rIns="91425" wrap="square" tIns="91425">
+            <a:bodyPr spcFirstLastPara="1" wrap="square" lIns="91425" tIns="91425" rIns="91425" bIns="91425" anchor="ctr" anchorCtr="0">
               <a:noAutofit/>
             </a:bodyPr>
             <a:lstStyle/>
             <a:p>
-              <a:pPr indent="0" lvl="0" marL="0" rtl="0" algn="l">
+              <a:pPr marL="0" lvl="0" indent="0" algn="l" rtl="0">
                 <a:spcBef>
                   <a:spcPts val="0"/>
                 </a:spcBef>
@@ -4046,9 +4138,6 @@
                 </a:spcAft>
                 <a:buNone/>
               </a:pPr>
-              <a:r>
-                <a:t/>
-              </a:r>
               <a:endParaRPr/>
             </a:p>
           </p:txBody>
@@ -4057,7 +4146,9 @@
       <p:sp>
         <p:nvSpPr>
           <p:cNvPr id="28" name="Google Shape;28;p4"/>
-          <p:cNvSpPr txBox="1"/>
+          <p:cNvSpPr txBox="1">
+            <a:spLocks noGrp="1"/>
+          </p:cNvSpPr>
           <p:nvPr>
             <p:ph type="title"/>
           </p:nvPr>
@@ -4072,7 +4163,7 @@
           </a:prstGeom>
         </p:spPr>
         <p:txBody>
-          <a:bodyPr anchorCtr="0" anchor="t" bIns="91425" lIns="91425" spcFirstLastPara="1" rIns="91425" wrap="square" tIns="91425">
+          <a:bodyPr spcFirstLastPara="1" wrap="square" lIns="91425" tIns="91425" rIns="91425" bIns="91425" anchor="t" anchorCtr="0">
             <a:normAutofit/>
           </a:bodyPr>
           <a:lstStyle>
@@ -4176,15 +4267,19 @@
               <a:defRPr sz="2600"/>
             </a:lvl9pPr>
           </a:lstStyle>
-          <a:p/>
+          <a:p>
+            <a:endParaRPr/>
+          </a:p>
         </p:txBody>
       </p:sp>
       <p:sp>
         <p:nvSpPr>
           <p:cNvPr id="29" name="Google Shape;29;p4"/>
-          <p:cNvSpPr txBox="1"/>
+          <p:cNvSpPr txBox="1">
+            <a:spLocks noGrp="1"/>
+          </p:cNvSpPr>
           <p:nvPr>
-            <p:ph idx="1" type="body"/>
+            <p:ph type="body" idx="1"/>
           </p:nvPr>
         </p:nvSpPr>
         <p:spPr>
@@ -4197,11 +4292,11 @@
           </a:prstGeom>
         </p:spPr>
         <p:txBody>
-          <a:bodyPr anchorCtr="0" anchor="t" bIns="91425" lIns="91425" spcFirstLastPara="1" rIns="91425" wrap="square" tIns="91425">
+          <a:bodyPr spcFirstLastPara="1" wrap="square" lIns="91425" tIns="91425" rIns="91425" bIns="91425" anchor="t" anchorCtr="0">
             <a:normAutofit/>
           </a:bodyPr>
           <a:lstStyle>
-            <a:lvl1pPr indent="-311150" lvl="0" marL="457200">
+            <a:lvl1pPr marL="457200" lvl="0" indent="-311150">
               <a:spcBef>
                 <a:spcPts val="0"/>
               </a:spcBef>
@@ -4212,7 +4307,7 @@
               <a:buChar char="●"/>
               <a:defRPr/>
             </a:lvl1pPr>
-            <a:lvl2pPr indent="-298450" lvl="1" marL="914400">
+            <a:lvl2pPr marL="914400" lvl="1" indent="-298450">
               <a:spcBef>
                 <a:spcPts val="0"/>
               </a:spcBef>
@@ -4223,7 +4318,7 @@
               <a:buChar char="○"/>
               <a:defRPr/>
             </a:lvl2pPr>
-            <a:lvl3pPr indent="-298450" lvl="2" marL="1371600">
+            <a:lvl3pPr marL="1371600" lvl="2" indent="-298450">
               <a:spcBef>
                 <a:spcPts val="0"/>
               </a:spcBef>
@@ -4234,7 +4329,7 @@
               <a:buChar char="■"/>
               <a:defRPr/>
             </a:lvl3pPr>
-            <a:lvl4pPr indent="-298450" lvl="3" marL="1828800">
+            <a:lvl4pPr marL="1828800" lvl="3" indent="-298450">
               <a:spcBef>
                 <a:spcPts val="0"/>
               </a:spcBef>
@@ -4245,7 +4340,7 @@
               <a:buChar char="●"/>
               <a:defRPr/>
             </a:lvl4pPr>
-            <a:lvl5pPr indent="-298450" lvl="4" marL="2286000">
+            <a:lvl5pPr marL="2286000" lvl="4" indent="-298450">
               <a:spcBef>
                 <a:spcPts val="0"/>
               </a:spcBef>
@@ -4256,7 +4351,7 @@
               <a:buChar char="○"/>
               <a:defRPr/>
             </a:lvl5pPr>
-            <a:lvl6pPr indent="-298450" lvl="5" marL="2743200">
+            <a:lvl6pPr marL="2743200" lvl="5" indent="-298450">
               <a:spcBef>
                 <a:spcPts val="0"/>
               </a:spcBef>
@@ -4267,7 +4362,7 @@
               <a:buChar char="■"/>
               <a:defRPr/>
             </a:lvl6pPr>
-            <a:lvl7pPr indent="-298450" lvl="6" marL="3200400">
+            <a:lvl7pPr marL="3200400" lvl="6" indent="-298450">
               <a:spcBef>
                 <a:spcPts val="0"/>
               </a:spcBef>
@@ -4278,7 +4373,7 @@
               <a:buChar char="●"/>
               <a:defRPr/>
             </a:lvl7pPr>
-            <a:lvl8pPr indent="-298450" lvl="7" marL="3657600">
+            <a:lvl8pPr marL="3657600" lvl="7" indent="-298450">
               <a:spcBef>
                 <a:spcPts val="0"/>
               </a:spcBef>
@@ -4289,7 +4384,7 @@
               <a:buChar char="○"/>
               <a:defRPr/>
             </a:lvl8pPr>
-            <a:lvl9pPr indent="-298450" lvl="8" marL="4114800">
+            <a:lvl9pPr marL="4114800" lvl="8" indent="-298450">
               <a:spcBef>
                 <a:spcPts val="0"/>
               </a:spcBef>
@@ -4301,15 +4396,19 @@
               <a:defRPr/>
             </a:lvl9pPr>
           </a:lstStyle>
-          <a:p/>
+          <a:p>
+            <a:endParaRPr/>
+          </a:p>
         </p:txBody>
       </p:sp>
       <p:sp>
         <p:nvSpPr>
           <p:cNvPr id="30" name="Google Shape;30;p4"/>
-          <p:cNvSpPr txBox="1"/>
+          <p:cNvSpPr txBox="1">
+            <a:spLocks noGrp="1"/>
+          </p:cNvSpPr>
           <p:nvPr>
-            <p:ph idx="12" type="sldNum"/>
+            <p:ph type="sldNum" idx="12"/>
           </p:nvPr>
         </p:nvSpPr>
         <p:spPr>
@@ -4322,7 +4421,7 @@
           </a:prstGeom>
         </p:spPr>
         <p:txBody>
-          <a:bodyPr anchorCtr="0" anchor="ctr" bIns="91425" lIns="91425" spcFirstLastPara="1" rIns="91425" wrap="square" tIns="91425">
+          <a:bodyPr spcFirstLastPara="1" wrap="square" lIns="91425" tIns="91425" rIns="91425" bIns="91425" anchor="ctr" anchorCtr="0">
             <a:normAutofit/>
           </a:bodyPr>
           <a:lstStyle>
@@ -4364,7 +4463,7 @@
             </a:lvl9pPr>
           </a:lstStyle>
           <a:p>
-            <a:pPr indent="0" lvl="0" marL="0" rtl="0" algn="r">
+            <a:pPr marL="0" lvl="0" indent="0" algn="r" rtl="0">
               <a:spcBef>
                 <a:spcPts val="0"/>
               </a:spcBef>
@@ -4390,11 +4489,11 @@
 </file>
 
 <file path=ppt/slideLayouts/slideLayout4.xml><?xml version="1.0" encoding="utf-8"?>
-<p:sldLayout xmlns:a="http://schemas.openxmlformats.org/drawingml/2006/main" xmlns:r="http://schemas.openxmlformats.org/officeDocument/2006/relationships" xmlns:mc="http://schemas.openxmlformats.org/markup-compatibility/2006" xmlns:mv="urn:schemas-microsoft-com:mac:vml" xmlns:p="http://schemas.openxmlformats.org/presentationml/2006/main" xmlns:c="http://schemas.openxmlformats.org/drawingml/2006/chart" xmlns:dgm="http://schemas.openxmlformats.org/drawingml/2006/diagram" xmlns:o="urn:schemas-microsoft-com:office:office" xmlns:v="urn:schemas-microsoft-com:vml" xmlns:pvml="urn:schemas-microsoft-com:office:powerpoint" xmlns:com="http://schemas.openxmlformats.org/drawingml/2006/compatibility" xmlns:p14="http://schemas.microsoft.com/office/powerpoint/2010/main" xmlns:p15="http://schemas.microsoft.com/office/powerpoint/2012/main" xmlns:ahyp="http://schemas.microsoft.com/office/drawing/2018/hyperlinkcolor" matchingName="Title and two columns" type="twoColTx">
+<p:sldLayout xmlns:a="http://schemas.openxmlformats.org/drawingml/2006/main" xmlns:r="http://schemas.openxmlformats.org/officeDocument/2006/relationships" xmlns:p="http://schemas.openxmlformats.org/presentationml/2006/main" matchingName="Title and two columns" type="twoColTx">
   <p:cSld name="TITLE_AND_TWO_COLUMNS">
     <p:spTree>
       <p:nvGrpSpPr>
-        <p:cNvPr id="31" name="Shape 31"/>
+        <p:cNvPr id="1" name="Shape 31"/>
         <p:cNvGrpSpPr/>
         <p:nvPr/>
       </p:nvGrpSpPr>
@@ -4428,23 +4527,20 @@
           </a:ln>
         </p:spPr>
         <p:txBody>
-          <a:bodyPr anchorCtr="0" anchor="ctr" bIns="91425" lIns="91425" spcFirstLastPara="1" rIns="91425" wrap="square" tIns="91425">
+          <a:bodyPr spcFirstLastPara="1" wrap="square" lIns="91425" tIns="91425" rIns="91425" bIns="91425" anchor="ctr" anchorCtr="0">
             <a:noAutofit/>
           </a:bodyPr>
           <a:lstStyle/>
           <a:p>
-            <a:pPr indent="0" lvl="0" marL="0" rtl="0" algn="l">
-              <a:spcBef>
-                <a:spcPts val="0"/>
-              </a:spcBef>
-              <a:spcAft>
-                <a:spcPts val="0"/>
-              </a:spcAft>
-              <a:buNone/>
-            </a:pPr>
-            <a:r>
-              <a:t/>
-            </a:r>
+            <a:pPr marL="0" lvl="0" indent="0" algn="l" rtl="0">
+              <a:spcBef>
+                <a:spcPts val="0"/>
+              </a:spcBef>
+              <a:spcAft>
+                <a:spcPts val="0"/>
+              </a:spcAft>
+              <a:buNone/>
+            </a:pPr>
             <a:endParaRPr/>
           </a:p>
         </p:txBody>
@@ -4485,12 +4581,12 @@
             </a:ln>
           </p:spPr>
           <p:txBody>
-            <a:bodyPr anchorCtr="0" anchor="ctr" bIns="91425" lIns="91425" spcFirstLastPara="1" rIns="91425" wrap="square" tIns="91425">
+            <a:bodyPr spcFirstLastPara="1" wrap="square" lIns="91425" tIns="91425" rIns="91425" bIns="91425" anchor="ctr" anchorCtr="0">
               <a:noAutofit/>
             </a:bodyPr>
             <a:lstStyle/>
             <a:p>
-              <a:pPr indent="0" lvl="0" marL="0" rtl="0" algn="l">
+              <a:pPr marL="0" lvl="0" indent="0" algn="l" rtl="0">
                 <a:spcBef>
                   <a:spcPts val="0"/>
                 </a:spcBef>
@@ -4499,9 +4595,6 @@
                 </a:spcAft>
                 <a:buNone/>
               </a:pPr>
-              <a:r>
-                <a:t/>
-              </a:r>
               <a:endParaRPr/>
             </a:p>
           </p:txBody>
@@ -4528,12 +4621,12 @@
             </a:ln>
           </p:spPr>
           <p:txBody>
-            <a:bodyPr anchorCtr="0" anchor="ctr" bIns="91425" lIns="91425" spcFirstLastPara="1" rIns="91425" wrap="square" tIns="91425">
+            <a:bodyPr spcFirstLastPara="1" wrap="square" lIns="91425" tIns="91425" rIns="91425" bIns="91425" anchor="ctr" anchorCtr="0">
               <a:noAutofit/>
             </a:bodyPr>
             <a:lstStyle/>
             <a:p>
-              <a:pPr indent="0" lvl="0" marL="0" rtl="0" algn="l">
+              <a:pPr marL="0" lvl="0" indent="0" algn="l" rtl="0">
                 <a:spcBef>
                   <a:spcPts val="0"/>
                 </a:spcBef>
@@ -4542,9 +4635,6 @@
                 </a:spcAft>
                 <a:buNone/>
               </a:pPr>
-              <a:r>
-                <a:t/>
-              </a:r>
               <a:endParaRPr/>
             </a:p>
           </p:txBody>
@@ -4553,7 +4643,9 @@
       <p:sp>
         <p:nvSpPr>
           <p:cNvPr id="36" name="Google Shape;36;p5"/>
-          <p:cNvSpPr txBox="1"/>
+          <p:cNvSpPr txBox="1">
+            <a:spLocks noGrp="1"/>
+          </p:cNvSpPr>
           <p:nvPr>
             <p:ph type="title"/>
           </p:nvPr>
@@ -4568,7 +4660,7 @@
           </a:prstGeom>
         </p:spPr>
         <p:txBody>
-          <a:bodyPr anchorCtr="0" anchor="t" bIns="91425" lIns="91425" spcFirstLastPara="1" rIns="91425" wrap="square" tIns="91425">
+          <a:bodyPr spcFirstLastPara="1" wrap="square" lIns="91425" tIns="91425" rIns="91425" bIns="91425" anchor="t" anchorCtr="0">
             <a:normAutofit/>
           </a:bodyPr>
           <a:lstStyle>
@@ -4672,15 +4764,19 @@
               <a:defRPr sz="2600"/>
             </a:lvl9pPr>
           </a:lstStyle>
-          <a:p/>
+          <a:p>
+            <a:endParaRPr/>
+          </a:p>
         </p:txBody>
       </p:sp>
       <p:sp>
         <p:nvSpPr>
           <p:cNvPr id="37" name="Google Shape;37;p5"/>
-          <p:cNvSpPr txBox="1"/>
+          <p:cNvSpPr txBox="1">
+            <a:spLocks noGrp="1"/>
+          </p:cNvSpPr>
           <p:nvPr>
-            <p:ph idx="1" type="body"/>
+            <p:ph type="body" idx="1"/>
           </p:nvPr>
         </p:nvSpPr>
         <p:spPr>
@@ -4693,11 +4789,11 @@
           </a:prstGeom>
         </p:spPr>
         <p:txBody>
-          <a:bodyPr anchorCtr="0" anchor="t" bIns="91425" lIns="91425" spcFirstLastPara="1" rIns="91425" wrap="square" tIns="91425">
+          <a:bodyPr spcFirstLastPara="1" wrap="square" lIns="91425" tIns="91425" rIns="91425" bIns="91425" anchor="t" anchorCtr="0">
             <a:normAutofit/>
           </a:bodyPr>
           <a:lstStyle>
-            <a:lvl1pPr indent="-311150" lvl="0" marL="457200">
+            <a:lvl1pPr marL="457200" lvl="0" indent="-311150">
               <a:spcBef>
                 <a:spcPts val="0"/>
               </a:spcBef>
@@ -4708,7 +4804,7 @@
               <a:buChar char="●"/>
               <a:defRPr/>
             </a:lvl1pPr>
-            <a:lvl2pPr indent="-298450" lvl="1" marL="914400">
+            <a:lvl2pPr marL="914400" lvl="1" indent="-298450">
               <a:spcBef>
                 <a:spcPts val="0"/>
               </a:spcBef>
@@ -4719,7 +4815,7 @@
               <a:buChar char="○"/>
               <a:defRPr/>
             </a:lvl2pPr>
-            <a:lvl3pPr indent="-298450" lvl="2" marL="1371600">
+            <a:lvl3pPr marL="1371600" lvl="2" indent="-298450">
               <a:spcBef>
                 <a:spcPts val="0"/>
               </a:spcBef>
@@ -4730,7 +4826,7 @@
               <a:buChar char="■"/>
               <a:defRPr/>
             </a:lvl3pPr>
-            <a:lvl4pPr indent="-298450" lvl="3" marL="1828800">
+            <a:lvl4pPr marL="1828800" lvl="3" indent="-298450">
               <a:spcBef>
                 <a:spcPts val="0"/>
               </a:spcBef>
@@ -4741,7 +4837,7 @@
               <a:buChar char="●"/>
               <a:defRPr/>
             </a:lvl4pPr>
-            <a:lvl5pPr indent="-298450" lvl="4" marL="2286000">
+            <a:lvl5pPr marL="2286000" lvl="4" indent="-298450">
               <a:spcBef>
                 <a:spcPts val="0"/>
               </a:spcBef>
@@ -4752,7 +4848,7 @@
               <a:buChar char="○"/>
               <a:defRPr/>
             </a:lvl5pPr>
-            <a:lvl6pPr indent="-298450" lvl="5" marL="2743200">
+            <a:lvl6pPr marL="2743200" lvl="5" indent="-298450">
               <a:spcBef>
                 <a:spcPts val="0"/>
               </a:spcBef>
@@ -4763,7 +4859,7 @@
               <a:buChar char="■"/>
               <a:defRPr/>
             </a:lvl6pPr>
-            <a:lvl7pPr indent="-298450" lvl="6" marL="3200400">
+            <a:lvl7pPr marL="3200400" lvl="6" indent="-298450">
               <a:spcBef>
                 <a:spcPts val="0"/>
               </a:spcBef>
@@ -4774,7 +4870,7 @@
               <a:buChar char="●"/>
               <a:defRPr/>
             </a:lvl7pPr>
-            <a:lvl8pPr indent="-298450" lvl="7" marL="3657600">
+            <a:lvl8pPr marL="3657600" lvl="7" indent="-298450">
               <a:spcBef>
                 <a:spcPts val="0"/>
               </a:spcBef>
@@ -4785,7 +4881,7 @@
               <a:buChar char="○"/>
               <a:defRPr/>
             </a:lvl8pPr>
-            <a:lvl9pPr indent="-298450" lvl="8" marL="4114800">
+            <a:lvl9pPr marL="4114800" lvl="8" indent="-298450">
               <a:spcBef>
                 <a:spcPts val="0"/>
               </a:spcBef>
@@ -4797,15 +4893,19 @@
               <a:defRPr/>
             </a:lvl9pPr>
           </a:lstStyle>
-          <a:p/>
+          <a:p>
+            <a:endParaRPr/>
+          </a:p>
         </p:txBody>
       </p:sp>
       <p:sp>
         <p:nvSpPr>
           <p:cNvPr id="38" name="Google Shape;38;p5"/>
-          <p:cNvSpPr txBox="1"/>
+          <p:cNvSpPr txBox="1">
+            <a:spLocks noGrp="1"/>
+          </p:cNvSpPr>
           <p:nvPr>
-            <p:ph idx="2" type="body"/>
+            <p:ph type="body" idx="2"/>
           </p:nvPr>
         </p:nvSpPr>
         <p:spPr>
@@ -4818,11 +4918,11 @@
           </a:prstGeom>
         </p:spPr>
         <p:txBody>
-          <a:bodyPr anchorCtr="0" anchor="t" bIns="91425" lIns="91425" spcFirstLastPara="1" rIns="91425" wrap="square" tIns="91425">
+          <a:bodyPr spcFirstLastPara="1" wrap="square" lIns="91425" tIns="91425" rIns="91425" bIns="91425" anchor="t" anchorCtr="0">
             <a:normAutofit/>
           </a:bodyPr>
           <a:lstStyle>
-            <a:lvl1pPr indent="-311150" lvl="0" marL="457200">
+            <a:lvl1pPr marL="457200" lvl="0" indent="-311150">
               <a:spcBef>
                 <a:spcPts val="0"/>
               </a:spcBef>
@@ -4833,7 +4933,7 @@
               <a:buChar char="●"/>
               <a:defRPr/>
             </a:lvl1pPr>
-            <a:lvl2pPr indent="-298450" lvl="1" marL="914400">
+            <a:lvl2pPr marL="914400" lvl="1" indent="-298450">
               <a:spcBef>
                 <a:spcPts val="0"/>
               </a:spcBef>
@@ -4844,7 +4944,7 @@
               <a:buChar char="○"/>
               <a:defRPr/>
             </a:lvl2pPr>
-            <a:lvl3pPr indent="-298450" lvl="2" marL="1371600">
+            <a:lvl3pPr marL="1371600" lvl="2" indent="-298450">
               <a:spcBef>
                 <a:spcPts val="0"/>
               </a:spcBef>
@@ -4855,7 +4955,7 @@
               <a:buChar char="■"/>
               <a:defRPr/>
             </a:lvl3pPr>
-            <a:lvl4pPr indent="-298450" lvl="3" marL="1828800">
+            <a:lvl4pPr marL="1828800" lvl="3" indent="-298450">
               <a:spcBef>
                 <a:spcPts val="0"/>
               </a:spcBef>
@@ -4866,7 +4966,7 @@
               <a:buChar char="●"/>
               <a:defRPr/>
             </a:lvl4pPr>
-            <a:lvl5pPr indent="-298450" lvl="4" marL="2286000">
+            <a:lvl5pPr marL="2286000" lvl="4" indent="-298450">
               <a:spcBef>
                 <a:spcPts val="0"/>
               </a:spcBef>
@@ -4877,7 +4977,7 @@
               <a:buChar char="○"/>
               <a:defRPr/>
             </a:lvl5pPr>
-            <a:lvl6pPr indent="-298450" lvl="5" marL="2743200">
+            <a:lvl6pPr marL="2743200" lvl="5" indent="-298450">
               <a:spcBef>
                 <a:spcPts val="0"/>
               </a:spcBef>
@@ -4888,7 +4988,7 @@
               <a:buChar char="■"/>
               <a:defRPr/>
             </a:lvl6pPr>
-            <a:lvl7pPr indent="-298450" lvl="6" marL="3200400">
+            <a:lvl7pPr marL="3200400" lvl="6" indent="-298450">
               <a:spcBef>
                 <a:spcPts val="0"/>
               </a:spcBef>
@@ -4899,7 +4999,7 @@
               <a:buChar char="●"/>
               <a:defRPr/>
             </a:lvl7pPr>
-            <a:lvl8pPr indent="-298450" lvl="7" marL="3657600">
+            <a:lvl8pPr marL="3657600" lvl="7" indent="-298450">
               <a:spcBef>
                 <a:spcPts val="0"/>
               </a:spcBef>
@@ -4910,7 +5010,7 @@
               <a:buChar char="○"/>
               <a:defRPr/>
             </a:lvl8pPr>
-            <a:lvl9pPr indent="-298450" lvl="8" marL="4114800">
+            <a:lvl9pPr marL="4114800" lvl="8" indent="-298450">
               <a:spcBef>
                 <a:spcPts val="0"/>
               </a:spcBef>
@@ -4922,15 +5022,19 @@
               <a:defRPr/>
             </a:lvl9pPr>
           </a:lstStyle>
-          <a:p/>
+          <a:p>
+            <a:endParaRPr/>
+          </a:p>
         </p:txBody>
       </p:sp>
       <p:sp>
         <p:nvSpPr>
           <p:cNvPr id="39" name="Google Shape;39;p5"/>
-          <p:cNvSpPr txBox="1"/>
+          <p:cNvSpPr txBox="1">
+            <a:spLocks noGrp="1"/>
+          </p:cNvSpPr>
           <p:nvPr>
-            <p:ph idx="12" type="sldNum"/>
+            <p:ph type="sldNum" idx="12"/>
           </p:nvPr>
         </p:nvSpPr>
         <p:spPr>
@@ -4943,7 +5047,7 @@
           </a:prstGeom>
         </p:spPr>
         <p:txBody>
-          <a:bodyPr anchorCtr="0" anchor="ctr" bIns="91425" lIns="91425" spcFirstLastPara="1" rIns="91425" wrap="square" tIns="91425">
+          <a:bodyPr spcFirstLastPara="1" wrap="square" lIns="91425" tIns="91425" rIns="91425" bIns="91425" anchor="ctr" anchorCtr="0">
             <a:normAutofit/>
           </a:bodyPr>
           <a:lstStyle>
@@ -4985,7 +5089,7 @@
             </a:lvl9pPr>
           </a:lstStyle>
           <a:p>
-            <a:pPr indent="0" lvl="0" marL="0" rtl="0" algn="r">
+            <a:pPr marL="0" lvl="0" indent="0" algn="r" rtl="0">
               <a:spcBef>
                 <a:spcPts val="0"/>
               </a:spcBef>
@@ -5011,11 +5115,11 @@
 </file>
 
 <file path=ppt/slideLayouts/slideLayout5.xml><?xml version="1.0" encoding="utf-8"?>
-<p:sldLayout xmlns:a="http://schemas.openxmlformats.org/drawingml/2006/main" xmlns:r="http://schemas.openxmlformats.org/officeDocument/2006/relationships" xmlns:mc="http://schemas.openxmlformats.org/markup-compatibility/2006" xmlns:mv="urn:schemas-microsoft-com:mac:vml" xmlns:p="http://schemas.openxmlformats.org/presentationml/2006/main" xmlns:c="http://schemas.openxmlformats.org/drawingml/2006/chart" xmlns:dgm="http://schemas.openxmlformats.org/drawingml/2006/diagram" xmlns:o="urn:schemas-microsoft-com:office:office" xmlns:v="urn:schemas-microsoft-com:vml" xmlns:pvml="urn:schemas-microsoft-com:office:powerpoint" xmlns:com="http://schemas.openxmlformats.org/drawingml/2006/compatibility" xmlns:p14="http://schemas.microsoft.com/office/powerpoint/2010/main" xmlns:p15="http://schemas.microsoft.com/office/powerpoint/2012/main" xmlns:ahyp="http://schemas.microsoft.com/office/drawing/2018/hyperlinkcolor" matchingName="Title only" type="titleOnly">
+<p:sldLayout xmlns:a="http://schemas.openxmlformats.org/drawingml/2006/main" xmlns:r="http://schemas.openxmlformats.org/officeDocument/2006/relationships" xmlns:p="http://schemas.openxmlformats.org/presentationml/2006/main" matchingName="Title only" type="titleOnly">
   <p:cSld name="TITLE_ONLY">
     <p:spTree>
       <p:nvGrpSpPr>
-        <p:cNvPr id="40" name="Shape 40"/>
+        <p:cNvPr id="1" name="Shape 40"/>
         <p:cNvGrpSpPr/>
         <p:nvPr/>
       </p:nvGrpSpPr>
@@ -5049,23 +5153,20 @@
           </a:ln>
         </p:spPr>
         <p:txBody>
-          <a:bodyPr anchorCtr="0" anchor="ctr" bIns="91425" lIns="91425" spcFirstLastPara="1" rIns="91425" wrap="square" tIns="91425">
+          <a:bodyPr spcFirstLastPara="1" wrap="square" lIns="91425" tIns="91425" rIns="91425" bIns="91425" anchor="ctr" anchorCtr="0">
             <a:noAutofit/>
           </a:bodyPr>
           <a:lstStyle/>
           <a:p>
-            <a:pPr indent="0" lvl="0" marL="0" rtl="0" algn="l">
-              <a:spcBef>
-                <a:spcPts val="0"/>
-              </a:spcBef>
-              <a:spcAft>
-                <a:spcPts val="0"/>
-              </a:spcAft>
-              <a:buNone/>
-            </a:pPr>
-            <a:r>
-              <a:t/>
-            </a:r>
+            <a:pPr marL="0" lvl="0" indent="0" algn="l" rtl="0">
+              <a:spcBef>
+                <a:spcPts val="0"/>
+              </a:spcBef>
+              <a:spcAft>
+                <a:spcPts val="0"/>
+              </a:spcAft>
+              <a:buNone/>
+            </a:pPr>
             <a:endParaRPr/>
           </a:p>
         </p:txBody>
@@ -5106,12 +5207,12 @@
             </a:ln>
           </p:spPr>
           <p:txBody>
-            <a:bodyPr anchorCtr="0" anchor="ctr" bIns="91425" lIns="91425" spcFirstLastPara="1" rIns="91425" wrap="square" tIns="91425">
+            <a:bodyPr spcFirstLastPara="1" wrap="square" lIns="91425" tIns="91425" rIns="91425" bIns="91425" anchor="ctr" anchorCtr="0">
               <a:noAutofit/>
             </a:bodyPr>
             <a:lstStyle/>
             <a:p>
-              <a:pPr indent="0" lvl="0" marL="0" rtl="0" algn="l">
+              <a:pPr marL="0" lvl="0" indent="0" algn="l" rtl="0">
                 <a:spcBef>
                   <a:spcPts val="0"/>
                 </a:spcBef>
@@ -5120,9 +5221,6 @@
                 </a:spcAft>
                 <a:buNone/>
               </a:pPr>
-              <a:r>
-                <a:t/>
-              </a:r>
               <a:endParaRPr/>
             </a:p>
           </p:txBody>
@@ -5149,12 +5247,12 @@
             </a:ln>
           </p:spPr>
           <p:txBody>
-            <a:bodyPr anchorCtr="0" anchor="ctr" bIns="91425" lIns="91425" spcFirstLastPara="1" rIns="91425" wrap="square" tIns="91425">
+            <a:bodyPr spcFirstLastPara="1" wrap="square" lIns="91425" tIns="91425" rIns="91425" bIns="91425" anchor="ctr" anchorCtr="0">
               <a:noAutofit/>
             </a:bodyPr>
             <a:lstStyle/>
             <a:p>
-              <a:pPr indent="0" lvl="0" marL="0" rtl="0" algn="l">
+              <a:pPr marL="0" lvl="0" indent="0" algn="l" rtl="0">
                 <a:spcBef>
                   <a:spcPts val="0"/>
                 </a:spcBef>
@@ -5163,9 +5261,6 @@
                 </a:spcAft>
                 <a:buNone/>
               </a:pPr>
-              <a:r>
-                <a:t/>
-              </a:r>
               <a:endParaRPr/>
             </a:p>
           </p:txBody>
@@ -5174,7 +5269,9 @@
       <p:sp>
         <p:nvSpPr>
           <p:cNvPr id="45" name="Google Shape;45;p6"/>
-          <p:cNvSpPr txBox="1"/>
+          <p:cNvSpPr txBox="1">
+            <a:spLocks noGrp="1"/>
+          </p:cNvSpPr>
           <p:nvPr>
             <p:ph type="title"/>
           </p:nvPr>
@@ -5189,7 +5286,7 @@
           </a:prstGeom>
         </p:spPr>
         <p:txBody>
-          <a:bodyPr anchorCtr="0" anchor="t" bIns="91425" lIns="91425" spcFirstLastPara="1" rIns="91425" wrap="square" tIns="91425">
+          <a:bodyPr spcFirstLastPara="1" wrap="square" lIns="91425" tIns="91425" rIns="91425" bIns="91425" anchor="t" anchorCtr="0">
             <a:normAutofit/>
           </a:bodyPr>
           <a:lstStyle>
@@ -5293,15 +5390,19 @@
               <a:defRPr sz="2600"/>
             </a:lvl9pPr>
           </a:lstStyle>
-          <a:p/>
+          <a:p>
+            <a:endParaRPr/>
+          </a:p>
         </p:txBody>
       </p:sp>
       <p:sp>
         <p:nvSpPr>
           <p:cNvPr id="46" name="Google Shape;46;p6"/>
-          <p:cNvSpPr txBox="1"/>
+          <p:cNvSpPr txBox="1">
+            <a:spLocks noGrp="1"/>
+          </p:cNvSpPr>
           <p:nvPr>
-            <p:ph idx="12" type="sldNum"/>
+            <p:ph type="sldNum" idx="12"/>
           </p:nvPr>
         </p:nvSpPr>
         <p:spPr>
@@ -5314,7 +5415,7 @@
           </a:prstGeom>
         </p:spPr>
         <p:txBody>
-          <a:bodyPr anchorCtr="0" anchor="ctr" bIns="91425" lIns="91425" spcFirstLastPara="1" rIns="91425" wrap="square" tIns="91425">
+          <a:bodyPr spcFirstLastPara="1" wrap="square" lIns="91425" tIns="91425" rIns="91425" bIns="91425" anchor="ctr" anchorCtr="0">
             <a:normAutofit/>
           </a:bodyPr>
           <a:lstStyle>
@@ -5356,7 +5457,7 @@
             </a:lvl9pPr>
           </a:lstStyle>
           <a:p>
-            <a:pPr indent="0" lvl="0" marL="0" rtl="0" algn="r">
+            <a:pPr marL="0" lvl="0" indent="0" algn="r" rtl="0">
               <a:spcBef>
                 <a:spcPts val="0"/>
               </a:spcBef>
@@ -5382,11 +5483,11 @@
 </file>
 
 <file path=ppt/slideLayouts/slideLayout6.xml><?xml version="1.0" encoding="utf-8"?>
-<p:sldLayout xmlns:a="http://schemas.openxmlformats.org/drawingml/2006/main" xmlns:r="http://schemas.openxmlformats.org/officeDocument/2006/relationships" xmlns:mc="http://schemas.openxmlformats.org/markup-compatibility/2006" xmlns:mv="urn:schemas-microsoft-com:mac:vml" xmlns:p="http://schemas.openxmlformats.org/presentationml/2006/main" xmlns:c="http://schemas.openxmlformats.org/drawingml/2006/chart" xmlns:dgm="http://schemas.openxmlformats.org/drawingml/2006/diagram" xmlns:o="urn:schemas-microsoft-com:office:office" xmlns:v="urn:schemas-microsoft-com:vml" xmlns:pvml="urn:schemas-microsoft-com:office:powerpoint" xmlns:com="http://schemas.openxmlformats.org/drawingml/2006/compatibility" xmlns:p14="http://schemas.microsoft.com/office/powerpoint/2010/main" xmlns:p15="http://schemas.microsoft.com/office/powerpoint/2012/main" xmlns:ahyp="http://schemas.microsoft.com/office/drawing/2018/hyperlinkcolor" matchingName="One column text">
+<p:sldLayout xmlns:a="http://schemas.openxmlformats.org/drawingml/2006/main" xmlns:r="http://schemas.openxmlformats.org/officeDocument/2006/relationships" xmlns:p="http://schemas.openxmlformats.org/presentationml/2006/main" matchingName="One column text">
   <p:cSld name="ONE_COLUMN_TEXT">
     <p:spTree>
       <p:nvGrpSpPr>
-        <p:cNvPr id="47" name="Shape 47"/>
+        <p:cNvPr id="1" name="Shape 47"/>
         <p:cNvGrpSpPr/>
         <p:nvPr/>
       </p:nvGrpSpPr>
@@ -5420,23 +5521,20 @@
           </a:ln>
         </p:spPr>
         <p:txBody>
-          <a:bodyPr anchorCtr="0" anchor="ctr" bIns="91425" lIns="91425" spcFirstLastPara="1" rIns="91425" wrap="square" tIns="91425">
+          <a:bodyPr spcFirstLastPara="1" wrap="square" lIns="91425" tIns="91425" rIns="91425" bIns="91425" anchor="ctr" anchorCtr="0">
             <a:noAutofit/>
           </a:bodyPr>
           <a:lstStyle/>
           <a:p>
-            <a:pPr indent="0" lvl="0" marL="0" rtl="0" algn="l">
-              <a:spcBef>
-                <a:spcPts val="0"/>
-              </a:spcBef>
-              <a:spcAft>
-                <a:spcPts val="0"/>
-              </a:spcAft>
-              <a:buNone/>
-            </a:pPr>
-            <a:r>
-              <a:t/>
-            </a:r>
+            <a:pPr marL="0" lvl="0" indent="0" algn="l" rtl="0">
+              <a:spcBef>
+                <a:spcPts val="0"/>
+              </a:spcBef>
+              <a:spcAft>
+                <a:spcPts val="0"/>
+              </a:spcAft>
+              <a:buNone/>
+            </a:pPr>
             <a:endParaRPr/>
           </a:p>
         </p:txBody>
@@ -5477,12 +5575,12 @@
             </a:ln>
           </p:spPr>
           <p:txBody>
-            <a:bodyPr anchorCtr="0" anchor="ctr" bIns="91425" lIns="91425" spcFirstLastPara="1" rIns="91425" wrap="square" tIns="91425">
+            <a:bodyPr spcFirstLastPara="1" wrap="square" lIns="91425" tIns="91425" rIns="91425" bIns="91425" anchor="ctr" anchorCtr="0">
               <a:noAutofit/>
             </a:bodyPr>
             <a:lstStyle/>
             <a:p>
-              <a:pPr indent="0" lvl="0" marL="0" rtl="0" algn="l">
+              <a:pPr marL="0" lvl="0" indent="0" algn="l" rtl="0">
                 <a:spcBef>
                   <a:spcPts val="0"/>
                 </a:spcBef>
@@ -5491,9 +5589,6 @@
                 </a:spcAft>
                 <a:buNone/>
               </a:pPr>
-              <a:r>
-                <a:t/>
-              </a:r>
               <a:endParaRPr/>
             </a:p>
           </p:txBody>
@@ -5520,12 +5615,12 @@
             </a:ln>
           </p:spPr>
           <p:txBody>
-            <a:bodyPr anchorCtr="0" anchor="ctr" bIns="91425" lIns="91425" spcFirstLastPara="1" rIns="91425" wrap="square" tIns="91425">
+            <a:bodyPr spcFirstLastPara="1" wrap="square" lIns="91425" tIns="91425" rIns="91425" bIns="91425" anchor="ctr" anchorCtr="0">
               <a:noAutofit/>
             </a:bodyPr>
             <a:lstStyle/>
             <a:p>
-              <a:pPr indent="0" lvl="0" marL="0" rtl="0" algn="l">
+              <a:pPr marL="0" lvl="0" indent="0" algn="l" rtl="0">
                 <a:spcBef>
                   <a:spcPts val="0"/>
                 </a:spcBef>
@@ -5534,9 +5629,6 @@
                 </a:spcAft>
                 <a:buNone/>
               </a:pPr>
-              <a:r>
-                <a:t/>
-              </a:r>
               <a:endParaRPr/>
             </a:p>
           </p:txBody>
@@ -5545,7 +5637,9 @@
       <p:sp>
         <p:nvSpPr>
           <p:cNvPr id="52" name="Google Shape;52;p7"/>
-          <p:cNvSpPr txBox="1"/>
+          <p:cNvSpPr txBox="1">
+            <a:spLocks noGrp="1"/>
+          </p:cNvSpPr>
           <p:nvPr>
             <p:ph type="title"/>
           </p:nvPr>
@@ -5560,7 +5654,7 @@
           </a:prstGeom>
         </p:spPr>
         <p:txBody>
-          <a:bodyPr anchorCtr="0" anchor="t" bIns="91425" lIns="91425" spcFirstLastPara="1" rIns="91425" wrap="square" tIns="91425">
+          <a:bodyPr spcFirstLastPara="1" wrap="square" lIns="91425" tIns="91425" rIns="91425" bIns="91425" anchor="t" anchorCtr="0">
             <a:normAutofit/>
           </a:bodyPr>
           <a:lstStyle>
@@ -5664,15 +5758,19 @@
               <a:defRPr sz="2600"/>
             </a:lvl9pPr>
           </a:lstStyle>
-          <a:p/>
+          <a:p>
+            <a:endParaRPr/>
+          </a:p>
         </p:txBody>
       </p:sp>
       <p:sp>
         <p:nvSpPr>
           <p:cNvPr id="53" name="Google Shape;53;p7"/>
-          <p:cNvSpPr txBox="1"/>
+          <p:cNvSpPr txBox="1">
+            <a:spLocks noGrp="1"/>
+          </p:cNvSpPr>
           <p:nvPr>
-            <p:ph idx="1" type="body"/>
+            <p:ph type="body" idx="1"/>
           </p:nvPr>
         </p:nvSpPr>
         <p:spPr>
@@ -5685,11 +5783,11 @@
           </a:prstGeom>
         </p:spPr>
         <p:txBody>
-          <a:bodyPr anchorCtr="0" anchor="t" bIns="91425" lIns="91425" spcFirstLastPara="1" rIns="91425" wrap="square" tIns="91425">
+          <a:bodyPr spcFirstLastPara="1" wrap="square" lIns="91425" tIns="91425" rIns="91425" bIns="91425" anchor="t" anchorCtr="0">
             <a:normAutofit/>
           </a:bodyPr>
           <a:lstStyle>
-            <a:lvl1pPr indent="-311150" lvl="0" marL="457200">
+            <a:lvl1pPr marL="457200" lvl="0" indent="-311150">
               <a:spcBef>
                 <a:spcPts val="0"/>
               </a:spcBef>
@@ -5700,7 +5798,7 @@
               <a:buChar char="●"/>
               <a:defRPr/>
             </a:lvl1pPr>
-            <a:lvl2pPr indent="-298450" lvl="1" marL="914400">
+            <a:lvl2pPr marL="914400" lvl="1" indent="-298450">
               <a:spcBef>
                 <a:spcPts val="0"/>
               </a:spcBef>
@@ -5711,7 +5809,7 @@
               <a:buChar char="○"/>
               <a:defRPr/>
             </a:lvl2pPr>
-            <a:lvl3pPr indent="-298450" lvl="2" marL="1371600">
+            <a:lvl3pPr marL="1371600" lvl="2" indent="-298450">
               <a:spcBef>
                 <a:spcPts val="0"/>
               </a:spcBef>
@@ -5722,7 +5820,7 @@
               <a:buChar char="■"/>
               <a:defRPr/>
             </a:lvl3pPr>
-            <a:lvl4pPr indent="-298450" lvl="3" marL="1828800">
+            <a:lvl4pPr marL="1828800" lvl="3" indent="-298450">
               <a:spcBef>
                 <a:spcPts val="0"/>
               </a:spcBef>
@@ -5733,7 +5831,7 @@
               <a:buChar char="●"/>
               <a:defRPr/>
             </a:lvl4pPr>
-            <a:lvl5pPr indent="-298450" lvl="4" marL="2286000">
+            <a:lvl5pPr marL="2286000" lvl="4" indent="-298450">
               <a:spcBef>
                 <a:spcPts val="0"/>
               </a:spcBef>
@@ -5744,7 +5842,7 @@
               <a:buChar char="○"/>
               <a:defRPr/>
             </a:lvl5pPr>
-            <a:lvl6pPr indent="-298450" lvl="5" marL="2743200">
+            <a:lvl6pPr marL="2743200" lvl="5" indent="-298450">
               <a:spcBef>
                 <a:spcPts val="0"/>
               </a:spcBef>
@@ -5755,7 +5853,7 @@
               <a:buChar char="■"/>
               <a:defRPr/>
             </a:lvl6pPr>
-            <a:lvl7pPr indent="-298450" lvl="6" marL="3200400">
+            <a:lvl7pPr marL="3200400" lvl="6" indent="-298450">
               <a:spcBef>
                 <a:spcPts val="0"/>
               </a:spcBef>
@@ -5766,7 +5864,7 @@
               <a:buChar char="●"/>
               <a:defRPr/>
             </a:lvl7pPr>
-            <a:lvl8pPr indent="-298450" lvl="7" marL="3657600">
+            <a:lvl8pPr marL="3657600" lvl="7" indent="-298450">
               <a:spcBef>
                 <a:spcPts val="0"/>
               </a:spcBef>
@@ -5777,7 +5875,7 @@
               <a:buChar char="○"/>
               <a:defRPr/>
             </a:lvl8pPr>
-            <a:lvl9pPr indent="-298450" lvl="8" marL="4114800">
+            <a:lvl9pPr marL="4114800" lvl="8" indent="-298450">
               <a:spcBef>
                 <a:spcPts val="0"/>
               </a:spcBef>
@@ -5789,15 +5887,19 @@
               <a:defRPr/>
             </a:lvl9pPr>
           </a:lstStyle>
-          <a:p/>
+          <a:p>
+            <a:endParaRPr/>
+          </a:p>
         </p:txBody>
       </p:sp>
       <p:sp>
         <p:nvSpPr>
           <p:cNvPr id="54" name="Google Shape;54;p7"/>
-          <p:cNvSpPr txBox="1"/>
+          <p:cNvSpPr txBox="1">
+            <a:spLocks noGrp="1"/>
+          </p:cNvSpPr>
           <p:nvPr>
-            <p:ph idx="12" type="sldNum"/>
+            <p:ph type="sldNum" idx="12"/>
           </p:nvPr>
         </p:nvSpPr>
         <p:spPr>
@@ -5810,7 +5912,7 @@
           </a:prstGeom>
         </p:spPr>
         <p:txBody>
-          <a:bodyPr anchorCtr="0" anchor="ctr" bIns="91425" lIns="91425" spcFirstLastPara="1" rIns="91425" wrap="square" tIns="91425">
+          <a:bodyPr spcFirstLastPara="1" wrap="square" lIns="91425" tIns="91425" rIns="91425" bIns="91425" anchor="ctr" anchorCtr="0">
             <a:normAutofit/>
           </a:bodyPr>
           <a:lstStyle>
@@ -5852,7 +5954,7 @@
             </a:lvl9pPr>
           </a:lstStyle>
           <a:p>
-            <a:pPr indent="0" lvl="0" marL="0" rtl="0" algn="r">
+            <a:pPr marL="0" lvl="0" indent="0" algn="r" rtl="0">
               <a:spcBef>
                 <a:spcPts val="0"/>
               </a:spcBef>
@@ -5878,18 +5980,19 @@
 </file>
 
 <file path=ppt/slideLayouts/slideLayout7.xml><?xml version="1.0" encoding="utf-8"?>
-<p:sldLayout xmlns:a="http://schemas.openxmlformats.org/drawingml/2006/main" xmlns:r="http://schemas.openxmlformats.org/officeDocument/2006/relationships" xmlns:mc="http://schemas.openxmlformats.org/markup-compatibility/2006" xmlns:mv="urn:schemas-microsoft-com:mac:vml" xmlns:p="http://schemas.openxmlformats.org/presentationml/2006/main" xmlns:c="http://schemas.openxmlformats.org/drawingml/2006/chart" xmlns:dgm="http://schemas.openxmlformats.org/drawingml/2006/diagram" xmlns:o="urn:schemas-microsoft-com:office:office" xmlns:v="urn:schemas-microsoft-com:vml" xmlns:pvml="urn:schemas-microsoft-com:office:powerpoint" xmlns:com="http://schemas.openxmlformats.org/drawingml/2006/compatibility" xmlns:p14="http://schemas.microsoft.com/office/powerpoint/2010/main" xmlns:p15="http://schemas.microsoft.com/office/powerpoint/2012/main" xmlns:ahyp="http://schemas.microsoft.com/office/drawing/2018/hyperlinkcolor" matchingName="Main point">
+<p:sldLayout xmlns:a="http://schemas.openxmlformats.org/drawingml/2006/main" xmlns:r="http://schemas.openxmlformats.org/officeDocument/2006/relationships" xmlns:p="http://schemas.openxmlformats.org/presentationml/2006/main" matchingName="Main point">
   <p:cSld name="MAIN_POINT">
     <p:bg>
       <p:bgPr>
         <a:solidFill>
           <a:schemeClr val="accent3"/>
         </a:solidFill>
+        <a:effectLst/>
       </p:bgPr>
     </p:bg>
     <p:spTree>
       <p:nvGrpSpPr>
-        <p:cNvPr id="55" name="Shape 55"/>
+        <p:cNvPr id="1" name="Shape 55"/>
         <p:cNvGrpSpPr/>
         <p:nvPr/>
       </p:nvGrpSpPr>
@@ -5937,12 +6040,12 @@
             </a:ln>
           </p:spPr>
           <p:txBody>
-            <a:bodyPr anchorCtr="0" anchor="ctr" bIns="91425" lIns="91425" spcFirstLastPara="1" rIns="91425" wrap="square" tIns="91425">
+            <a:bodyPr spcFirstLastPara="1" wrap="square" lIns="91425" tIns="91425" rIns="91425" bIns="91425" anchor="ctr" anchorCtr="0">
               <a:noAutofit/>
             </a:bodyPr>
             <a:lstStyle/>
             <a:p>
-              <a:pPr indent="0" lvl="0" marL="0" rtl="0" algn="l">
+              <a:pPr marL="0" lvl="0" indent="0" algn="l" rtl="0">
                 <a:spcBef>
                   <a:spcPts val="0"/>
                 </a:spcBef>
@@ -5951,9 +6054,6 @@
                 </a:spcAft>
                 <a:buNone/>
               </a:pPr>
-              <a:r>
-                <a:t/>
-              </a:r>
               <a:endParaRPr/>
             </a:p>
           </p:txBody>
@@ -5980,12 +6080,12 @@
             </a:ln>
           </p:spPr>
           <p:txBody>
-            <a:bodyPr anchorCtr="0" anchor="ctr" bIns="91425" lIns="91425" spcFirstLastPara="1" rIns="91425" wrap="square" tIns="91425">
+            <a:bodyPr spcFirstLastPara="1" wrap="square" lIns="91425" tIns="91425" rIns="91425" bIns="91425" anchor="ctr" anchorCtr="0">
               <a:noAutofit/>
             </a:bodyPr>
             <a:lstStyle/>
             <a:p>
-              <a:pPr indent="0" lvl="0" marL="0" rtl="0" algn="l">
+              <a:pPr marL="0" lvl="0" indent="0" algn="l" rtl="0">
                 <a:spcBef>
                   <a:spcPts val="0"/>
                 </a:spcBef>
@@ -5994,9 +6094,6 @@
                 </a:spcAft>
                 <a:buNone/>
               </a:pPr>
-              <a:r>
-                <a:t/>
-              </a:r>
               <a:endParaRPr/>
             </a:p>
           </p:txBody>
@@ -6005,7 +6102,9 @@
       <p:sp>
         <p:nvSpPr>
           <p:cNvPr id="59" name="Google Shape;59;p8"/>
-          <p:cNvSpPr txBox="1"/>
+          <p:cNvSpPr txBox="1">
+            <a:spLocks noGrp="1"/>
+          </p:cNvSpPr>
           <p:nvPr>
             <p:ph type="title"/>
           </p:nvPr>
@@ -6020,7 +6119,7 @@
           </a:prstGeom>
         </p:spPr>
         <p:txBody>
-          <a:bodyPr anchorCtr="0" anchor="ctr" bIns="91425" lIns="91425" spcFirstLastPara="1" rIns="91425" wrap="square" tIns="91425">
+          <a:bodyPr spcFirstLastPara="1" wrap="square" lIns="91425" tIns="91425" rIns="91425" bIns="91425" anchor="ctr" anchorCtr="0">
             <a:normAutofit/>
           </a:bodyPr>
           <a:lstStyle>
@@ -6187,15 +6286,19 @@
               </a:defRPr>
             </a:lvl9pPr>
           </a:lstStyle>
-          <a:p/>
+          <a:p>
+            <a:endParaRPr/>
+          </a:p>
         </p:txBody>
       </p:sp>
       <p:sp>
         <p:nvSpPr>
           <p:cNvPr id="60" name="Google Shape;60;p8"/>
-          <p:cNvSpPr txBox="1"/>
+          <p:cNvSpPr txBox="1">
+            <a:spLocks noGrp="1"/>
+          </p:cNvSpPr>
           <p:nvPr>
-            <p:ph idx="12" type="sldNum"/>
+            <p:ph type="sldNum" idx="12"/>
           </p:nvPr>
         </p:nvSpPr>
         <p:spPr>
@@ -6208,7 +6311,7 @@
           </a:prstGeom>
         </p:spPr>
         <p:txBody>
-          <a:bodyPr anchorCtr="0" anchor="ctr" bIns="91425" lIns="91425" spcFirstLastPara="1" rIns="91425" wrap="square" tIns="91425">
+          <a:bodyPr spcFirstLastPara="1" wrap="square" lIns="91425" tIns="91425" rIns="91425" bIns="91425" anchor="ctr" anchorCtr="0">
             <a:normAutofit/>
           </a:bodyPr>
           <a:lstStyle>
@@ -6286,7 +6389,7 @@
             </a:lvl9pPr>
           </a:lstStyle>
           <a:p>
-            <a:pPr indent="0" lvl="0" marL="0" rtl="0" algn="r">
+            <a:pPr marL="0" lvl="0" indent="0" algn="r" rtl="0">
               <a:spcBef>
                 <a:spcPts val="0"/>
               </a:spcBef>
@@ -6312,11 +6415,11 @@
 </file>
 
 <file path=ppt/slideLayouts/slideLayout8.xml><?xml version="1.0" encoding="utf-8"?>
-<p:sldLayout xmlns:a="http://schemas.openxmlformats.org/drawingml/2006/main" xmlns:r="http://schemas.openxmlformats.org/officeDocument/2006/relationships" xmlns:mc="http://schemas.openxmlformats.org/markup-compatibility/2006" xmlns:mv="urn:schemas-microsoft-com:mac:vml" xmlns:p="http://schemas.openxmlformats.org/presentationml/2006/main" xmlns:c="http://schemas.openxmlformats.org/drawingml/2006/chart" xmlns:dgm="http://schemas.openxmlformats.org/drawingml/2006/diagram" xmlns:o="urn:schemas-microsoft-com:office:office" xmlns:v="urn:schemas-microsoft-com:vml" xmlns:pvml="urn:schemas-microsoft-com:office:powerpoint" xmlns:com="http://schemas.openxmlformats.org/drawingml/2006/compatibility" xmlns:p14="http://schemas.microsoft.com/office/powerpoint/2010/main" xmlns:p15="http://schemas.microsoft.com/office/powerpoint/2012/main" xmlns:ahyp="http://schemas.microsoft.com/office/drawing/2018/hyperlinkcolor" matchingName="Section title and description">
+<p:sldLayout xmlns:a="http://schemas.openxmlformats.org/drawingml/2006/main" xmlns:r="http://schemas.openxmlformats.org/officeDocument/2006/relationships" xmlns:p="http://schemas.openxmlformats.org/presentationml/2006/main" matchingName="Section title and description">
   <p:cSld name="SECTION_TITLE_AND_DESCRIPTION">
     <p:spTree>
       <p:nvGrpSpPr>
-        <p:cNvPr id="61" name="Shape 61"/>
+        <p:cNvPr id="1" name="Shape 61"/>
         <p:cNvGrpSpPr/>
         <p:nvPr/>
       </p:nvGrpSpPr>
@@ -6350,23 +6453,20 @@
           </a:ln>
         </p:spPr>
         <p:txBody>
-          <a:bodyPr anchorCtr="0" anchor="ctr" bIns="91425" lIns="91425" spcFirstLastPara="1" rIns="91425" wrap="square" tIns="91425">
+          <a:bodyPr spcFirstLastPara="1" wrap="square" lIns="91425" tIns="91425" rIns="91425" bIns="91425" anchor="ctr" anchorCtr="0">
             <a:noAutofit/>
           </a:bodyPr>
           <a:lstStyle/>
           <a:p>
-            <a:pPr indent="0" lvl="0" marL="0" rtl="0" algn="l">
-              <a:spcBef>
-                <a:spcPts val="0"/>
-              </a:spcBef>
-              <a:spcAft>
-                <a:spcPts val="0"/>
-              </a:spcAft>
-              <a:buNone/>
-            </a:pPr>
-            <a:r>
-              <a:t/>
-            </a:r>
+            <a:pPr marL="0" lvl="0" indent="0" algn="l" rtl="0">
+              <a:spcBef>
+                <a:spcPts val="0"/>
+              </a:spcBef>
+              <a:spcAft>
+                <a:spcPts val="0"/>
+              </a:spcAft>
+              <a:buNone/>
+            </a:pPr>
             <a:endParaRPr/>
           </a:p>
         </p:txBody>
@@ -6407,12 +6507,12 @@
             </a:ln>
           </p:spPr>
           <p:txBody>
-            <a:bodyPr anchorCtr="0" anchor="ctr" bIns="91425" lIns="91425" spcFirstLastPara="1" rIns="91425" wrap="square" tIns="91425">
+            <a:bodyPr spcFirstLastPara="1" wrap="square" lIns="91425" tIns="91425" rIns="91425" bIns="91425" anchor="ctr" anchorCtr="0">
               <a:noAutofit/>
             </a:bodyPr>
             <a:lstStyle/>
             <a:p>
-              <a:pPr indent="0" lvl="0" marL="0" rtl="0" algn="l">
+              <a:pPr marL="0" lvl="0" indent="0" algn="l" rtl="0">
                 <a:spcBef>
                   <a:spcPts val="0"/>
                 </a:spcBef>
@@ -6421,9 +6521,6 @@
                 </a:spcAft>
                 <a:buNone/>
               </a:pPr>
-              <a:r>
-                <a:t/>
-              </a:r>
               <a:endParaRPr/>
             </a:p>
           </p:txBody>
@@ -6450,12 +6547,12 @@
             </a:ln>
           </p:spPr>
           <p:txBody>
-            <a:bodyPr anchorCtr="0" anchor="ctr" bIns="91425" lIns="91425" spcFirstLastPara="1" rIns="91425" wrap="square" tIns="91425">
+            <a:bodyPr spcFirstLastPara="1" wrap="square" lIns="91425" tIns="91425" rIns="91425" bIns="91425" anchor="ctr" anchorCtr="0">
               <a:noAutofit/>
             </a:bodyPr>
             <a:lstStyle/>
             <a:p>
-              <a:pPr indent="0" lvl="0" marL="0" rtl="0" algn="l">
+              <a:pPr marL="0" lvl="0" indent="0" algn="l" rtl="0">
                 <a:spcBef>
                   <a:spcPts val="0"/>
                 </a:spcBef>
@@ -6464,9 +6561,6 @@
                 </a:spcAft>
                 <a:buNone/>
               </a:pPr>
-              <a:r>
-                <a:t/>
-              </a:r>
               <a:endParaRPr/>
             </a:p>
           </p:txBody>
@@ -6475,7 +6569,9 @@
       <p:sp>
         <p:nvSpPr>
           <p:cNvPr id="66" name="Google Shape;66;p9"/>
-          <p:cNvSpPr txBox="1"/>
+          <p:cNvSpPr txBox="1">
+            <a:spLocks noGrp="1"/>
+          </p:cNvSpPr>
           <p:nvPr>
             <p:ph type="title"/>
           </p:nvPr>
@@ -6490,7 +6586,7 @@
           </a:prstGeom>
         </p:spPr>
         <p:txBody>
-          <a:bodyPr anchorCtr="0" anchor="t" bIns="91425" lIns="91425" spcFirstLastPara="1" rIns="91425" wrap="square" tIns="91425">
+          <a:bodyPr spcFirstLastPara="1" wrap="square" lIns="91425" tIns="91425" rIns="91425" bIns="91425" anchor="t" anchorCtr="0">
             <a:normAutofit/>
           </a:bodyPr>
           <a:lstStyle>
@@ -6594,15 +6690,19 @@
               <a:defRPr sz="2600"/>
             </a:lvl9pPr>
           </a:lstStyle>
-          <a:p/>
+          <a:p>
+            <a:endParaRPr/>
+          </a:p>
         </p:txBody>
       </p:sp>
       <p:sp>
         <p:nvSpPr>
           <p:cNvPr id="67" name="Google Shape;67;p9"/>
-          <p:cNvSpPr txBox="1"/>
+          <p:cNvSpPr txBox="1">
+            <a:spLocks noGrp="1"/>
+          </p:cNvSpPr>
           <p:nvPr>
-            <p:ph idx="1" type="subTitle"/>
+            <p:ph type="subTitle" idx="1"/>
           </p:nvPr>
         </p:nvSpPr>
         <p:spPr>
@@ -6615,7 +6715,7 @@
           </a:prstGeom>
         </p:spPr>
         <p:txBody>
-          <a:bodyPr anchorCtr="0" anchor="t" bIns="91425" lIns="91425" spcFirstLastPara="1" rIns="91425" wrap="square" tIns="91425">
+          <a:bodyPr spcFirstLastPara="1" wrap="square" lIns="91425" tIns="91425" rIns="91425" bIns="91425" anchor="t" anchorCtr="0">
             <a:normAutofit/>
           </a:bodyPr>
           <a:lstStyle>
@@ -6746,15 +6846,19 @@
               <a:defRPr sz="1600"/>
             </a:lvl9pPr>
           </a:lstStyle>
-          <a:p/>
+          <a:p>
+            <a:endParaRPr/>
+          </a:p>
         </p:txBody>
       </p:sp>
       <p:sp>
         <p:nvSpPr>
           <p:cNvPr id="68" name="Google Shape;68;p9"/>
-          <p:cNvSpPr txBox="1"/>
+          <p:cNvSpPr txBox="1">
+            <a:spLocks noGrp="1"/>
+          </p:cNvSpPr>
           <p:nvPr>
-            <p:ph idx="2" type="body"/>
+            <p:ph type="body" idx="2"/>
           </p:nvPr>
         </p:nvSpPr>
         <p:spPr>
@@ -6767,11 +6871,11 @@
           </a:prstGeom>
         </p:spPr>
         <p:txBody>
-          <a:bodyPr anchorCtr="0" anchor="t" bIns="91425" lIns="91425" spcFirstLastPara="1" rIns="91425" wrap="square" tIns="91425">
+          <a:bodyPr spcFirstLastPara="1" wrap="square" lIns="91425" tIns="91425" rIns="91425" bIns="91425" anchor="t" anchorCtr="0">
             <a:normAutofit/>
           </a:bodyPr>
           <a:lstStyle>
-            <a:lvl1pPr indent="-311150" lvl="0" marL="457200">
+            <a:lvl1pPr marL="457200" lvl="0" indent="-311150">
               <a:spcBef>
                 <a:spcPts val="0"/>
               </a:spcBef>
@@ -6782,7 +6886,7 @@
               <a:buChar char="●"/>
               <a:defRPr/>
             </a:lvl1pPr>
-            <a:lvl2pPr indent="-298450" lvl="1" marL="914400">
+            <a:lvl2pPr marL="914400" lvl="1" indent="-298450">
               <a:spcBef>
                 <a:spcPts val="0"/>
               </a:spcBef>
@@ -6793,7 +6897,7 @@
               <a:buChar char="○"/>
               <a:defRPr/>
             </a:lvl2pPr>
-            <a:lvl3pPr indent="-298450" lvl="2" marL="1371600">
+            <a:lvl3pPr marL="1371600" lvl="2" indent="-298450">
               <a:spcBef>
                 <a:spcPts val="0"/>
               </a:spcBef>
@@ -6804,7 +6908,7 @@
               <a:buChar char="■"/>
               <a:defRPr/>
             </a:lvl3pPr>
-            <a:lvl4pPr indent="-298450" lvl="3" marL="1828800">
+            <a:lvl4pPr marL="1828800" lvl="3" indent="-298450">
               <a:spcBef>
                 <a:spcPts val="0"/>
               </a:spcBef>
@@ -6815,7 +6919,7 @@
               <a:buChar char="●"/>
               <a:defRPr/>
             </a:lvl4pPr>
-            <a:lvl5pPr indent="-298450" lvl="4" marL="2286000">
+            <a:lvl5pPr marL="2286000" lvl="4" indent="-298450">
               <a:spcBef>
                 <a:spcPts val="0"/>
               </a:spcBef>
@@ -6826,7 +6930,7 @@
               <a:buChar char="○"/>
               <a:defRPr/>
             </a:lvl5pPr>
-            <a:lvl6pPr indent="-298450" lvl="5" marL="2743200">
+            <a:lvl6pPr marL="2743200" lvl="5" indent="-298450">
               <a:spcBef>
                 <a:spcPts val="0"/>
               </a:spcBef>
@@ -6837,7 +6941,7 @@
               <a:buChar char="■"/>
               <a:defRPr/>
             </a:lvl6pPr>
-            <a:lvl7pPr indent="-298450" lvl="6" marL="3200400">
+            <a:lvl7pPr marL="3200400" lvl="6" indent="-298450">
               <a:spcBef>
                 <a:spcPts val="0"/>
               </a:spcBef>
@@ -6848,7 +6952,7 @@
               <a:buChar char="●"/>
               <a:defRPr/>
             </a:lvl7pPr>
-            <a:lvl8pPr indent="-298450" lvl="7" marL="3657600">
+            <a:lvl8pPr marL="3657600" lvl="7" indent="-298450">
               <a:spcBef>
                 <a:spcPts val="0"/>
               </a:spcBef>
@@ -6859,7 +6963,7 @@
               <a:buChar char="○"/>
               <a:defRPr/>
             </a:lvl8pPr>
-            <a:lvl9pPr indent="-298450" lvl="8" marL="4114800">
+            <a:lvl9pPr marL="4114800" lvl="8" indent="-298450">
               <a:spcBef>
                 <a:spcPts val="0"/>
               </a:spcBef>
@@ -6871,15 +6975,19 @@
               <a:defRPr/>
             </a:lvl9pPr>
           </a:lstStyle>
-          <a:p/>
+          <a:p>
+            <a:endParaRPr/>
+          </a:p>
         </p:txBody>
       </p:sp>
       <p:sp>
         <p:nvSpPr>
           <p:cNvPr id="69" name="Google Shape;69;p9"/>
-          <p:cNvSpPr txBox="1"/>
+          <p:cNvSpPr txBox="1">
+            <a:spLocks noGrp="1"/>
+          </p:cNvSpPr>
           <p:nvPr>
-            <p:ph idx="12" type="sldNum"/>
+            <p:ph type="sldNum" idx="12"/>
           </p:nvPr>
         </p:nvSpPr>
         <p:spPr>
@@ -6892,7 +7000,7 @@
           </a:prstGeom>
         </p:spPr>
         <p:txBody>
-          <a:bodyPr anchorCtr="0" anchor="ctr" bIns="91425" lIns="91425" spcFirstLastPara="1" rIns="91425" wrap="square" tIns="91425">
+          <a:bodyPr spcFirstLastPara="1" wrap="square" lIns="91425" tIns="91425" rIns="91425" bIns="91425" anchor="ctr" anchorCtr="0">
             <a:normAutofit/>
           </a:bodyPr>
           <a:lstStyle>
@@ -6934,7 +7042,7 @@
             </a:lvl9pPr>
           </a:lstStyle>
           <a:p>
-            <a:pPr indent="0" lvl="0" marL="0" rtl="0" algn="r">
+            <a:pPr marL="0" lvl="0" indent="0" algn="r" rtl="0">
               <a:spcBef>
                 <a:spcPts val="0"/>
               </a:spcBef>
@@ -6960,11 +7068,11 @@
 </file>
 
 <file path=ppt/slideLayouts/slideLayout9.xml><?xml version="1.0" encoding="utf-8"?>
-<p:sldLayout xmlns:a="http://schemas.openxmlformats.org/drawingml/2006/main" xmlns:r="http://schemas.openxmlformats.org/officeDocument/2006/relationships" xmlns:mc="http://schemas.openxmlformats.org/markup-compatibility/2006" xmlns:mv="urn:schemas-microsoft-com:mac:vml" xmlns:p="http://schemas.openxmlformats.org/presentationml/2006/main" xmlns:c="http://schemas.openxmlformats.org/drawingml/2006/chart" xmlns:dgm="http://schemas.openxmlformats.org/drawingml/2006/diagram" xmlns:o="urn:schemas-microsoft-com:office:office" xmlns:v="urn:schemas-microsoft-com:vml" xmlns:pvml="urn:schemas-microsoft-com:office:powerpoint" xmlns:com="http://schemas.openxmlformats.org/drawingml/2006/compatibility" xmlns:p14="http://schemas.microsoft.com/office/powerpoint/2010/main" xmlns:p15="http://schemas.microsoft.com/office/powerpoint/2012/main" xmlns:ahyp="http://schemas.microsoft.com/office/drawing/2018/hyperlinkcolor" matchingName="Caption">
+<p:sldLayout xmlns:a="http://schemas.openxmlformats.org/drawingml/2006/main" xmlns:r="http://schemas.openxmlformats.org/officeDocument/2006/relationships" xmlns:p="http://schemas.openxmlformats.org/presentationml/2006/main" matchingName="Caption">
   <p:cSld name="CAPTION_ONLY">
     <p:spTree>
       <p:nvGrpSpPr>
-        <p:cNvPr id="70" name="Shape 70"/>
+        <p:cNvPr id="1" name="Shape 70"/>
         <p:cNvGrpSpPr/>
         <p:nvPr/>
       </p:nvGrpSpPr>
@@ -6979,9 +7087,11 @@
       <p:sp>
         <p:nvSpPr>
           <p:cNvPr id="71" name="Google Shape;71;p10"/>
-          <p:cNvSpPr txBox="1"/>
+          <p:cNvSpPr txBox="1">
+            <a:spLocks noGrp="1"/>
+          </p:cNvSpPr>
           <p:nvPr>
-            <p:ph idx="1" type="body"/>
+            <p:ph type="body" idx="1"/>
           </p:nvPr>
         </p:nvSpPr>
         <p:spPr>
@@ -6994,11 +7104,11 @@
           </a:prstGeom>
         </p:spPr>
         <p:txBody>
-          <a:bodyPr anchorCtr="0" anchor="ctr" bIns="91425" lIns="91425" spcFirstLastPara="1" rIns="91425" wrap="square" tIns="91425">
+          <a:bodyPr spcFirstLastPara="1" wrap="square" lIns="91425" tIns="91425" rIns="91425" bIns="91425" anchor="ctr" anchorCtr="0">
             <a:normAutofit/>
           </a:bodyPr>
           <a:lstStyle>
-            <a:lvl1pPr indent="-228600" lvl="0" marL="457200">
+            <a:lvl1pPr marL="457200" lvl="0" indent="-228600">
               <a:lnSpc>
                 <a:spcPct val="100000"/>
               </a:lnSpc>
@@ -7013,15 +7123,19 @@
               <a:defRPr/>
             </a:lvl1pPr>
           </a:lstStyle>
-          <a:p/>
+          <a:p>
+            <a:endParaRPr/>
+          </a:p>
         </p:txBody>
       </p:sp>
       <p:sp>
         <p:nvSpPr>
           <p:cNvPr id="72" name="Google Shape;72;p10"/>
-          <p:cNvSpPr txBox="1"/>
+          <p:cNvSpPr txBox="1">
+            <a:spLocks noGrp="1"/>
+          </p:cNvSpPr>
           <p:nvPr>
-            <p:ph idx="12" type="sldNum"/>
+            <p:ph type="sldNum" idx="12"/>
           </p:nvPr>
         </p:nvSpPr>
         <p:spPr>
@@ -7034,7 +7148,7 @@
           </a:prstGeom>
         </p:spPr>
         <p:txBody>
-          <a:bodyPr anchorCtr="0" anchor="ctr" bIns="91425" lIns="91425" spcFirstLastPara="1" rIns="91425" wrap="square" tIns="91425">
+          <a:bodyPr spcFirstLastPara="1" wrap="square" lIns="91425" tIns="91425" rIns="91425" bIns="91425" anchor="ctr" anchorCtr="0">
             <a:normAutofit/>
           </a:bodyPr>
           <a:lstStyle>
@@ -7076,7 +7190,7 @@
             </a:lvl9pPr>
           </a:lstStyle>
           <a:p>
-            <a:pPr indent="0" lvl="0" marL="0" rtl="0" algn="r">
+            <a:pPr marL="0" lvl="0" indent="0" algn="r" rtl="0">
               <a:spcBef>
                 <a:spcPts val="0"/>
               </a:spcBef>
@@ -7102,18 +7216,19 @@
 </file>
 
 <file path=ppt/slideMasters/slideMaster1.xml><?xml version="1.0" encoding="utf-8"?>
-<p:sldMaster xmlns:a="http://schemas.openxmlformats.org/drawingml/2006/main" xmlns:r="http://schemas.openxmlformats.org/officeDocument/2006/relationships" xmlns:mc="http://schemas.openxmlformats.org/markup-compatibility/2006" xmlns:mv="urn:schemas-microsoft-com:mac:vml" xmlns:p="http://schemas.openxmlformats.org/presentationml/2006/main" xmlns:c="http://schemas.openxmlformats.org/drawingml/2006/chart" xmlns:dgm="http://schemas.openxmlformats.org/drawingml/2006/diagram" xmlns:o="urn:schemas-microsoft-com:office:office" xmlns:v="urn:schemas-microsoft-com:vml" xmlns:pvml="urn:schemas-microsoft-com:office:powerpoint" xmlns:com="http://schemas.openxmlformats.org/drawingml/2006/compatibility" xmlns:p14="http://schemas.microsoft.com/office/powerpoint/2010/main" xmlns:p15="http://schemas.microsoft.com/office/powerpoint/2012/main" xmlns:ahyp="http://schemas.microsoft.com/office/drawing/2018/hyperlinkcolor">
+<p:sldMaster xmlns:a="http://schemas.openxmlformats.org/drawingml/2006/main" xmlns:r="http://schemas.openxmlformats.org/officeDocument/2006/relationships" xmlns:p="http://schemas.openxmlformats.org/presentationml/2006/main">
   <p:cSld name="streamline">
     <p:bg>
       <p:bgPr>
         <a:solidFill>
           <a:schemeClr val="lt1"/>
         </a:solidFill>
+        <a:effectLst/>
       </p:bgPr>
     </p:bg>
     <p:spTree>
       <p:nvGrpSpPr>
-        <p:cNvPr id="5" name="Shape 5"/>
+        <p:cNvPr id="1" name="Shape 5"/>
         <p:cNvGrpSpPr/>
         <p:nvPr/>
       </p:nvGrpSpPr>
@@ -7128,7 +7243,9 @@
       <p:sp>
         <p:nvSpPr>
           <p:cNvPr id="6" name="Google Shape;6;p1"/>
-          <p:cNvSpPr txBox="1"/>
+          <p:cNvSpPr txBox="1">
+            <a:spLocks noGrp="1"/>
+          </p:cNvSpPr>
           <p:nvPr>
             <p:ph type="title"/>
           </p:nvPr>
@@ -7147,7 +7264,7 @@
           </a:ln>
         </p:spPr>
         <p:txBody>
-          <a:bodyPr anchorCtr="0" anchor="t" bIns="91425" lIns="91425" spcFirstLastPara="1" rIns="91425" wrap="square" tIns="91425">
+          <a:bodyPr spcFirstLastPara="1" wrap="square" lIns="91425" tIns="91425" rIns="91425" bIns="91425" anchor="t" anchorCtr="0">
             <a:normAutofit/>
           </a:bodyPr>
           <a:lstStyle>
@@ -7164,7 +7281,7 @@
               <a:buSzPts val="2800"/>
               <a:buFont typeface="Raleway"/>
               <a:buNone/>
-              <a:defRPr b="1" sz="2800">
+              <a:defRPr sz="2800" b="1">
                 <a:solidFill>
                   <a:schemeClr val="dk2"/>
                 </a:solidFill>
@@ -7187,7 +7304,7 @@
               <a:buSzPts val="2800"/>
               <a:buFont typeface="Raleway"/>
               <a:buNone/>
-              <a:defRPr b="1" sz="2800">
+              <a:defRPr sz="2800" b="1">
                 <a:solidFill>
                   <a:schemeClr val="dk2"/>
                 </a:solidFill>
@@ -7210,7 +7327,7 @@
               <a:buSzPts val="2800"/>
               <a:buFont typeface="Raleway"/>
               <a:buNone/>
-              <a:defRPr b="1" sz="2800">
+              <a:defRPr sz="2800" b="1">
                 <a:solidFill>
                   <a:schemeClr val="dk2"/>
                 </a:solidFill>
@@ -7233,7 +7350,7 @@
               <a:buSzPts val="2800"/>
               <a:buFont typeface="Raleway"/>
               <a:buNone/>
-              <a:defRPr b="1" sz="2800">
+              <a:defRPr sz="2800" b="1">
                 <a:solidFill>
                   <a:schemeClr val="dk2"/>
                 </a:solidFill>
@@ -7256,7 +7373,7 @@
               <a:buSzPts val="2800"/>
               <a:buFont typeface="Raleway"/>
               <a:buNone/>
-              <a:defRPr b="1" sz="2800">
+              <a:defRPr sz="2800" b="1">
                 <a:solidFill>
                   <a:schemeClr val="dk2"/>
                 </a:solidFill>
@@ -7279,7 +7396,7 @@
               <a:buSzPts val="2800"/>
               <a:buFont typeface="Raleway"/>
               <a:buNone/>
-              <a:defRPr b="1" sz="2800">
+              <a:defRPr sz="2800" b="1">
                 <a:solidFill>
                   <a:schemeClr val="dk2"/>
                 </a:solidFill>
@@ -7302,7 +7419,7 @@
               <a:buSzPts val="2800"/>
               <a:buFont typeface="Raleway"/>
               <a:buNone/>
-              <a:defRPr b="1" sz="2800">
+              <a:defRPr sz="2800" b="1">
                 <a:solidFill>
                   <a:schemeClr val="dk2"/>
                 </a:solidFill>
@@ -7325,7 +7442,7 @@
               <a:buSzPts val="2800"/>
               <a:buFont typeface="Raleway"/>
               <a:buNone/>
-              <a:defRPr b="1" sz="2800">
+              <a:defRPr sz="2800" b="1">
                 <a:solidFill>
                   <a:schemeClr val="dk2"/>
                 </a:solidFill>
@@ -7348,7 +7465,7 @@
               <a:buSzPts val="2800"/>
               <a:buFont typeface="Raleway"/>
               <a:buNone/>
-              <a:defRPr b="1" sz="2800">
+              <a:defRPr sz="2800" b="1">
                 <a:solidFill>
                   <a:schemeClr val="dk2"/>
                 </a:solidFill>
@@ -7359,15 +7476,19 @@
               </a:defRPr>
             </a:lvl9pPr>
           </a:lstStyle>
-          <a:p/>
+          <a:p>
+            <a:endParaRPr/>
+          </a:p>
         </p:txBody>
       </p:sp>
       <p:sp>
         <p:nvSpPr>
           <p:cNvPr id="7" name="Google Shape;7;p1"/>
-          <p:cNvSpPr txBox="1"/>
+          <p:cNvSpPr txBox="1">
+            <a:spLocks noGrp="1"/>
+          </p:cNvSpPr>
           <p:nvPr>
-            <p:ph idx="1" type="body"/>
+            <p:ph type="body" idx="1"/>
           </p:nvPr>
         </p:nvSpPr>
         <p:spPr>
@@ -7384,11 +7505,11 @@
           </a:ln>
         </p:spPr>
         <p:txBody>
-          <a:bodyPr anchorCtr="0" anchor="t" bIns="91425" lIns="91425" spcFirstLastPara="1" rIns="91425" wrap="square" tIns="91425">
+          <a:bodyPr spcFirstLastPara="1" wrap="square" lIns="91425" tIns="91425" rIns="91425" bIns="91425" anchor="t" anchorCtr="0">
             <a:normAutofit/>
           </a:bodyPr>
           <a:lstStyle>
-            <a:lvl1pPr indent="-311150" lvl="0" marL="457200">
+            <a:lvl1pPr marL="457200" lvl="0" indent="-311150">
               <a:lnSpc>
                 <a:spcPct val="115000"/>
               </a:lnSpc>
@@ -7414,7 +7535,7 @@
                 <a:sym typeface="Lato"/>
               </a:defRPr>
             </a:lvl1pPr>
-            <a:lvl2pPr indent="-298450" lvl="1" marL="914400">
+            <a:lvl2pPr marL="914400" lvl="1" indent="-298450">
               <a:lnSpc>
                 <a:spcPct val="115000"/>
               </a:lnSpc>
@@ -7440,7 +7561,7 @@
                 <a:sym typeface="Lato"/>
               </a:defRPr>
             </a:lvl2pPr>
-            <a:lvl3pPr indent="-298450" lvl="2" marL="1371600">
+            <a:lvl3pPr marL="1371600" lvl="2" indent="-298450">
               <a:lnSpc>
                 <a:spcPct val="115000"/>
               </a:lnSpc>
@@ -7466,7 +7587,7 @@
                 <a:sym typeface="Lato"/>
               </a:defRPr>
             </a:lvl3pPr>
-            <a:lvl4pPr indent="-298450" lvl="3" marL="1828800">
+            <a:lvl4pPr marL="1828800" lvl="3" indent="-298450">
               <a:lnSpc>
                 <a:spcPct val="115000"/>
               </a:lnSpc>
@@ -7492,7 +7613,7 @@
                 <a:sym typeface="Lato"/>
               </a:defRPr>
             </a:lvl4pPr>
-            <a:lvl5pPr indent="-298450" lvl="4" marL="2286000">
+            <a:lvl5pPr marL="2286000" lvl="4" indent="-298450">
               <a:lnSpc>
                 <a:spcPct val="115000"/>
               </a:lnSpc>
@@ -7518,7 +7639,7 @@
                 <a:sym typeface="Lato"/>
               </a:defRPr>
             </a:lvl5pPr>
-            <a:lvl6pPr indent="-298450" lvl="5" marL="2743200">
+            <a:lvl6pPr marL="2743200" lvl="5" indent="-298450">
               <a:lnSpc>
                 <a:spcPct val="115000"/>
               </a:lnSpc>
@@ -7544,7 +7665,7 @@
                 <a:sym typeface="Lato"/>
               </a:defRPr>
             </a:lvl6pPr>
-            <a:lvl7pPr indent="-298450" lvl="6" marL="3200400">
+            <a:lvl7pPr marL="3200400" lvl="6" indent="-298450">
               <a:lnSpc>
                 <a:spcPct val="115000"/>
               </a:lnSpc>
@@ -7570,7 +7691,7 @@
                 <a:sym typeface="Lato"/>
               </a:defRPr>
             </a:lvl7pPr>
-            <a:lvl8pPr indent="-298450" lvl="7" marL="3657600">
+            <a:lvl8pPr marL="3657600" lvl="7" indent="-298450">
               <a:lnSpc>
                 <a:spcPct val="115000"/>
               </a:lnSpc>
@@ -7596,7 +7717,7 @@
                 <a:sym typeface="Lato"/>
               </a:defRPr>
             </a:lvl8pPr>
-            <a:lvl9pPr indent="-298450" lvl="8" marL="4114800">
+            <a:lvl9pPr marL="4114800" lvl="8" indent="-298450">
               <a:lnSpc>
                 <a:spcPct val="115000"/>
               </a:lnSpc>
@@ -7623,15 +7744,19 @@
               </a:defRPr>
             </a:lvl9pPr>
           </a:lstStyle>
-          <a:p/>
+          <a:p>
+            <a:endParaRPr/>
+          </a:p>
         </p:txBody>
       </p:sp>
       <p:sp>
         <p:nvSpPr>
           <p:cNvPr id="8" name="Google Shape;8;p1"/>
-          <p:cNvSpPr txBox="1"/>
+          <p:cNvSpPr txBox="1">
+            <a:spLocks noGrp="1"/>
+          </p:cNvSpPr>
           <p:nvPr>
-            <p:ph idx="12" type="sldNum"/>
+            <p:ph type="sldNum" idx="12"/>
           </p:nvPr>
         </p:nvSpPr>
         <p:spPr>
@@ -7648,7 +7773,7 @@
           </a:ln>
         </p:spPr>
         <p:txBody>
-          <a:bodyPr anchorCtr="0" anchor="ctr" bIns="91425" lIns="91425" spcFirstLastPara="1" rIns="91425" wrap="square" tIns="91425">
+          <a:bodyPr spcFirstLastPara="1" wrap="square" lIns="91425" tIns="91425" rIns="91425" bIns="91425" anchor="ctr" anchorCtr="0">
             <a:normAutofit/>
           </a:bodyPr>
           <a:lstStyle>
@@ -7762,7 +7887,7 @@
             </a:lvl9pPr>
           </a:lstStyle>
           <a:p>
-            <a:pPr indent="0" lvl="0" marL="0" rtl="0" algn="r">
+            <a:pPr marL="0" lvl="0" indent="0" algn="r" rtl="0">
               <a:spcBef>
                 <a:spcPts val="0"/>
               </a:spcBef>
@@ -7781,7 +7906,7 @@
       </p:sp>
     </p:spTree>
   </p:cSld>
-  <p:clrMap accent1="accent1" accent2="accent2" accent3="accent3" accent4="accent4" accent5="accent5" accent6="accent6" bg1="lt1" bg2="dk2" tx1="dk1" tx2="lt2" folHlink="folHlink" hlink="hlink"/>
+  <p:clrMap bg1="lt1" tx1="dk1" bg2="dk2" tx2="lt2" accent1="accent1" accent2="accent2" accent3="accent3" accent4="accent4" accent5="accent5" accent6="accent6" hlink="hlink" folHlink="folHlink"/>
   <p:sldLayoutIdLst>
     <p:sldLayoutId id="2147483648" r:id="rId1"/>
     <p:sldLayoutId id="2147483649" r:id="rId2"/>
@@ -7795,10 +7920,10 @@
     <p:sldLayoutId id="2147483657" r:id="rId10"/>
     <p:sldLayoutId id="2147483658" r:id="rId11"/>
   </p:sldLayoutIdLst>
-  <p:hf dt="0" ftr="0" hdr="0" sldNum="0"/>
+  <p:hf sldNum="0" hdr="0" ftr="0" dt="0"/>
   <p:txStyles>
     <p:titleStyle>
-      <a:defPPr lvl="0" marR="0" rtl="0" algn="l">
+      <a:defPPr marR="0" lvl="0" algn="l" rtl="0">
         <a:lnSpc>
           <a:spcPct val="100000"/>
         </a:lnSpc>
@@ -7809,7 +7934,7 @@
           <a:spcPts val="0"/>
         </a:spcAft>
       </a:defPPr>
-      <a:lvl1pPr lvl="0" marR="0" rtl="0" algn="l">
+      <a:lvl1pPr marR="0" lvl="0" algn="l" rtl="0">
         <a:lnSpc>
           <a:spcPct val="100000"/>
         </a:lnSpc>
@@ -7823,7 +7948,7 @@
           <a:srgbClr val="000000"/>
         </a:buClr>
         <a:buFont typeface="Arial"/>
-        <a:defRPr b="0" i="0" sz="1400" u="none" cap="none" strike="noStrike">
+        <a:defRPr sz="1400" b="0" i="0" u="none" strike="noStrike" cap="none">
           <a:solidFill>
             <a:srgbClr val="000000"/>
           </a:solidFill>
@@ -7833,7 +7958,7 @@
           <a:sym typeface="Arial"/>
         </a:defRPr>
       </a:lvl1pPr>
-      <a:lvl2pPr lvl="1" marR="0" rtl="0" algn="l">
+      <a:lvl2pPr marR="0" lvl="1" algn="l" rtl="0">
         <a:lnSpc>
           <a:spcPct val="100000"/>
         </a:lnSpc>
@@ -7847,7 +7972,7 @@
           <a:srgbClr val="000000"/>
         </a:buClr>
         <a:buFont typeface="Arial"/>
-        <a:defRPr b="0" i="0" sz="1400" u="none" cap="none" strike="noStrike">
+        <a:defRPr sz="1400" b="0" i="0" u="none" strike="noStrike" cap="none">
           <a:solidFill>
             <a:srgbClr val="000000"/>
           </a:solidFill>
@@ -7857,7 +7982,7 @@
           <a:sym typeface="Arial"/>
         </a:defRPr>
       </a:lvl2pPr>
-      <a:lvl3pPr lvl="2" marR="0" rtl="0" algn="l">
+      <a:lvl3pPr marR="0" lvl="2" algn="l" rtl="0">
         <a:lnSpc>
           <a:spcPct val="100000"/>
         </a:lnSpc>
@@ -7871,7 +7996,7 @@
           <a:srgbClr val="000000"/>
         </a:buClr>
         <a:buFont typeface="Arial"/>
-        <a:defRPr b="0" i="0" sz="1400" u="none" cap="none" strike="noStrike">
+        <a:defRPr sz="1400" b="0" i="0" u="none" strike="noStrike" cap="none">
           <a:solidFill>
             <a:srgbClr val="000000"/>
           </a:solidFill>
@@ -7881,7 +8006,7 @@
           <a:sym typeface="Arial"/>
         </a:defRPr>
       </a:lvl3pPr>
-      <a:lvl4pPr lvl="3" marR="0" rtl="0" algn="l">
+      <a:lvl4pPr marR="0" lvl="3" algn="l" rtl="0">
         <a:lnSpc>
           <a:spcPct val="100000"/>
         </a:lnSpc>
@@ -7895,7 +8020,7 @@
           <a:srgbClr val="000000"/>
         </a:buClr>
         <a:buFont typeface="Arial"/>
-        <a:defRPr b="0" i="0" sz="1400" u="none" cap="none" strike="noStrike">
+        <a:defRPr sz="1400" b="0" i="0" u="none" strike="noStrike" cap="none">
           <a:solidFill>
             <a:srgbClr val="000000"/>
           </a:solidFill>
@@ -7905,7 +8030,7 @@
           <a:sym typeface="Arial"/>
         </a:defRPr>
       </a:lvl4pPr>
-      <a:lvl5pPr lvl="4" marR="0" rtl="0" algn="l">
+      <a:lvl5pPr marR="0" lvl="4" algn="l" rtl="0">
         <a:lnSpc>
           <a:spcPct val="100000"/>
         </a:lnSpc>
@@ -7919,7 +8044,7 @@
           <a:srgbClr val="000000"/>
         </a:buClr>
         <a:buFont typeface="Arial"/>
-        <a:defRPr b="0" i="0" sz="1400" u="none" cap="none" strike="noStrike">
+        <a:defRPr sz="1400" b="0" i="0" u="none" strike="noStrike" cap="none">
           <a:solidFill>
             <a:srgbClr val="000000"/>
           </a:solidFill>
@@ -7929,7 +8054,7 @@
           <a:sym typeface="Arial"/>
         </a:defRPr>
       </a:lvl5pPr>
-      <a:lvl6pPr lvl="5" marR="0" rtl="0" algn="l">
+      <a:lvl6pPr marR="0" lvl="5" algn="l" rtl="0">
         <a:lnSpc>
           <a:spcPct val="100000"/>
         </a:lnSpc>
@@ -7943,7 +8068,7 @@
           <a:srgbClr val="000000"/>
         </a:buClr>
         <a:buFont typeface="Arial"/>
-        <a:defRPr b="0" i="0" sz="1400" u="none" cap="none" strike="noStrike">
+        <a:defRPr sz="1400" b="0" i="0" u="none" strike="noStrike" cap="none">
           <a:solidFill>
             <a:srgbClr val="000000"/>
           </a:solidFill>
@@ -7953,7 +8078,7 @@
           <a:sym typeface="Arial"/>
         </a:defRPr>
       </a:lvl6pPr>
-      <a:lvl7pPr lvl="6" marR="0" rtl="0" algn="l">
+      <a:lvl7pPr marR="0" lvl="6" algn="l" rtl="0">
         <a:lnSpc>
           <a:spcPct val="100000"/>
         </a:lnSpc>
@@ -7967,7 +8092,7 @@
           <a:srgbClr val="000000"/>
         </a:buClr>
         <a:buFont typeface="Arial"/>
-        <a:defRPr b="0" i="0" sz="1400" u="none" cap="none" strike="noStrike">
+        <a:defRPr sz="1400" b="0" i="0" u="none" strike="noStrike" cap="none">
           <a:solidFill>
             <a:srgbClr val="000000"/>
           </a:solidFill>
@@ -7977,7 +8102,7 @@
           <a:sym typeface="Arial"/>
         </a:defRPr>
       </a:lvl7pPr>
-      <a:lvl8pPr lvl="7" marR="0" rtl="0" algn="l">
+      <a:lvl8pPr marR="0" lvl="7" algn="l" rtl="0">
         <a:lnSpc>
           <a:spcPct val="100000"/>
         </a:lnSpc>
@@ -7991,7 +8116,7 @@
           <a:srgbClr val="000000"/>
         </a:buClr>
         <a:buFont typeface="Arial"/>
-        <a:defRPr b="0" i="0" sz="1400" u="none" cap="none" strike="noStrike">
+        <a:defRPr sz="1400" b="0" i="0" u="none" strike="noStrike" cap="none">
           <a:solidFill>
             <a:srgbClr val="000000"/>
           </a:solidFill>
@@ -8001,7 +8126,7 @@
           <a:sym typeface="Arial"/>
         </a:defRPr>
       </a:lvl8pPr>
-      <a:lvl9pPr lvl="8" marR="0" rtl="0" algn="l">
+      <a:lvl9pPr marR="0" lvl="8" algn="l" rtl="0">
         <a:lnSpc>
           <a:spcPct val="100000"/>
         </a:lnSpc>
@@ -8015,7 +8140,7 @@
           <a:srgbClr val="000000"/>
         </a:buClr>
         <a:buFont typeface="Arial"/>
-        <a:defRPr b="0" i="0" sz="1400" u="none" cap="none" strike="noStrike">
+        <a:defRPr sz="1400" b="0" i="0" u="none" strike="noStrike" cap="none">
           <a:solidFill>
             <a:srgbClr val="000000"/>
           </a:solidFill>
@@ -8027,7 +8152,7 @@
       </a:lvl9pPr>
     </p:titleStyle>
     <p:bodyStyle>
-      <a:defPPr lvl="0" marR="0" rtl="0" algn="l">
+      <a:defPPr marR="0" lvl="0" algn="l" rtl="0">
         <a:lnSpc>
           <a:spcPct val="100000"/>
         </a:lnSpc>
@@ -8038,7 +8163,7 @@
           <a:spcPts val="0"/>
         </a:spcAft>
       </a:defPPr>
-      <a:lvl1pPr lvl="0" marR="0" rtl="0" algn="l">
+      <a:lvl1pPr marR="0" lvl="0" algn="l" rtl="0">
         <a:lnSpc>
           <a:spcPct val="100000"/>
         </a:lnSpc>
@@ -8052,7 +8177,7 @@
           <a:srgbClr val="000000"/>
         </a:buClr>
         <a:buFont typeface="Arial"/>
-        <a:defRPr b="0" i="0" sz="1400" u="none" cap="none" strike="noStrike">
+        <a:defRPr sz="1400" b="0" i="0" u="none" strike="noStrike" cap="none">
           <a:solidFill>
             <a:srgbClr val="000000"/>
           </a:solidFill>
@@ -8062,7 +8187,7 @@
           <a:sym typeface="Arial"/>
         </a:defRPr>
       </a:lvl1pPr>
-      <a:lvl2pPr lvl="1" marR="0" rtl="0" algn="l">
+      <a:lvl2pPr marR="0" lvl="1" algn="l" rtl="0">
         <a:lnSpc>
           <a:spcPct val="100000"/>
         </a:lnSpc>
@@ -8076,7 +8201,7 @@
           <a:srgbClr val="000000"/>
         </a:buClr>
         <a:buFont typeface="Arial"/>
-        <a:defRPr b="0" i="0" sz="1400" u="none" cap="none" strike="noStrike">
+        <a:defRPr sz="1400" b="0" i="0" u="none" strike="noStrike" cap="none">
           <a:solidFill>
             <a:srgbClr val="000000"/>
           </a:solidFill>
@@ -8086,7 +8211,7 @@
           <a:sym typeface="Arial"/>
         </a:defRPr>
       </a:lvl2pPr>
-      <a:lvl3pPr lvl="2" marR="0" rtl="0" algn="l">
+      <a:lvl3pPr marR="0" lvl="2" algn="l" rtl="0">
         <a:lnSpc>
           <a:spcPct val="100000"/>
         </a:lnSpc>
@@ -8100,7 +8225,7 @@
           <a:srgbClr val="000000"/>
         </a:buClr>
         <a:buFont typeface="Arial"/>
-        <a:defRPr b="0" i="0" sz="1400" u="none" cap="none" strike="noStrike">
+        <a:defRPr sz="1400" b="0" i="0" u="none" strike="noStrike" cap="none">
           <a:solidFill>
             <a:srgbClr val="000000"/>
           </a:solidFill>
@@ -8110,7 +8235,7 @@
           <a:sym typeface="Arial"/>
         </a:defRPr>
       </a:lvl3pPr>
-      <a:lvl4pPr lvl="3" marR="0" rtl="0" algn="l">
+      <a:lvl4pPr marR="0" lvl="3" algn="l" rtl="0">
         <a:lnSpc>
           <a:spcPct val="100000"/>
         </a:lnSpc>
@@ -8124,7 +8249,7 @@
           <a:srgbClr val="000000"/>
         </a:buClr>
         <a:buFont typeface="Arial"/>
-        <a:defRPr b="0" i="0" sz="1400" u="none" cap="none" strike="noStrike">
+        <a:defRPr sz="1400" b="0" i="0" u="none" strike="noStrike" cap="none">
           <a:solidFill>
             <a:srgbClr val="000000"/>
           </a:solidFill>
@@ -8134,7 +8259,7 @@
           <a:sym typeface="Arial"/>
         </a:defRPr>
       </a:lvl4pPr>
-      <a:lvl5pPr lvl="4" marR="0" rtl="0" algn="l">
+      <a:lvl5pPr marR="0" lvl="4" algn="l" rtl="0">
         <a:lnSpc>
           <a:spcPct val="100000"/>
         </a:lnSpc>
@@ -8148,7 +8273,7 @@
           <a:srgbClr val="000000"/>
         </a:buClr>
         <a:buFont typeface="Arial"/>
-        <a:defRPr b="0" i="0" sz="1400" u="none" cap="none" strike="noStrike">
+        <a:defRPr sz="1400" b="0" i="0" u="none" strike="noStrike" cap="none">
           <a:solidFill>
             <a:srgbClr val="000000"/>
           </a:solidFill>
@@ -8158,7 +8283,7 @@
           <a:sym typeface="Arial"/>
         </a:defRPr>
       </a:lvl5pPr>
-      <a:lvl6pPr lvl="5" marR="0" rtl="0" algn="l">
+      <a:lvl6pPr marR="0" lvl="5" algn="l" rtl="0">
         <a:lnSpc>
           <a:spcPct val="100000"/>
         </a:lnSpc>
@@ -8172,7 +8297,7 @@
           <a:srgbClr val="000000"/>
         </a:buClr>
         <a:buFont typeface="Arial"/>
-        <a:defRPr b="0" i="0" sz="1400" u="none" cap="none" strike="noStrike">
+        <a:defRPr sz="1400" b="0" i="0" u="none" strike="noStrike" cap="none">
           <a:solidFill>
             <a:srgbClr val="000000"/>
           </a:solidFill>
@@ -8182,7 +8307,7 @@
           <a:sym typeface="Arial"/>
         </a:defRPr>
       </a:lvl6pPr>
-      <a:lvl7pPr lvl="6" marR="0" rtl="0" algn="l">
+      <a:lvl7pPr marR="0" lvl="6" algn="l" rtl="0">
         <a:lnSpc>
           <a:spcPct val="100000"/>
         </a:lnSpc>
@@ -8196,7 +8321,7 @@
           <a:srgbClr val="000000"/>
         </a:buClr>
         <a:buFont typeface="Arial"/>
-        <a:defRPr b="0" i="0" sz="1400" u="none" cap="none" strike="noStrike">
+        <a:defRPr sz="1400" b="0" i="0" u="none" strike="noStrike" cap="none">
           <a:solidFill>
             <a:srgbClr val="000000"/>
           </a:solidFill>
@@ -8206,7 +8331,7 @@
           <a:sym typeface="Arial"/>
         </a:defRPr>
       </a:lvl7pPr>
-      <a:lvl8pPr lvl="7" marR="0" rtl="0" algn="l">
+      <a:lvl8pPr marR="0" lvl="7" algn="l" rtl="0">
         <a:lnSpc>
           <a:spcPct val="100000"/>
         </a:lnSpc>
@@ -8220,7 +8345,7 @@
           <a:srgbClr val="000000"/>
         </a:buClr>
         <a:buFont typeface="Arial"/>
-        <a:defRPr b="0" i="0" sz="1400" u="none" cap="none" strike="noStrike">
+        <a:defRPr sz="1400" b="0" i="0" u="none" strike="noStrike" cap="none">
           <a:solidFill>
             <a:srgbClr val="000000"/>
           </a:solidFill>
@@ -8230,7 +8355,7 @@
           <a:sym typeface="Arial"/>
         </a:defRPr>
       </a:lvl8pPr>
-      <a:lvl9pPr lvl="8" marR="0" rtl="0" algn="l">
+      <a:lvl9pPr marR="0" lvl="8" algn="l" rtl="0">
         <a:lnSpc>
           <a:spcPct val="100000"/>
         </a:lnSpc>
@@ -8244,7 +8369,7 @@
           <a:srgbClr val="000000"/>
         </a:buClr>
         <a:buFont typeface="Arial"/>
-        <a:defRPr b="0" i="0" sz="1400" u="none" cap="none" strike="noStrike">
+        <a:defRPr sz="1400" b="0" i="0" u="none" strike="noStrike" cap="none">
           <a:solidFill>
             <a:srgbClr val="000000"/>
           </a:solidFill>
@@ -8256,7 +8381,7 @@
       </a:lvl9pPr>
     </p:bodyStyle>
     <p:otherStyle>
-      <a:defPPr lvl="0" marR="0" rtl="0" algn="l">
+      <a:defPPr marR="0" lvl="0" algn="l" rtl="0">
         <a:lnSpc>
           <a:spcPct val="100000"/>
         </a:lnSpc>
@@ -8267,7 +8392,7 @@
           <a:spcPts val="0"/>
         </a:spcAft>
       </a:defPPr>
-      <a:lvl1pPr lvl="0" marR="0" rtl="0" algn="l">
+      <a:lvl1pPr marR="0" lvl="0" algn="l" rtl="0">
         <a:lnSpc>
           <a:spcPct val="100000"/>
         </a:lnSpc>
@@ -8281,7 +8406,7 @@
           <a:srgbClr val="000000"/>
         </a:buClr>
         <a:buFont typeface="Arial"/>
-        <a:defRPr b="0" i="0" sz="1400" u="none" cap="none" strike="noStrike">
+        <a:defRPr sz="1400" b="0" i="0" u="none" strike="noStrike" cap="none">
           <a:solidFill>
             <a:srgbClr val="000000"/>
           </a:solidFill>
@@ -8291,7 +8416,7 @@
           <a:sym typeface="Arial"/>
         </a:defRPr>
       </a:lvl1pPr>
-      <a:lvl2pPr lvl="1" marR="0" rtl="0" algn="l">
+      <a:lvl2pPr marR="0" lvl="1" algn="l" rtl="0">
         <a:lnSpc>
           <a:spcPct val="100000"/>
         </a:lnSpc>
@@ -8305,7 +8430,7 @@
           <a:srgbClr val="000000"/>
         </a:buClr>
         <a:buFont typeface="Arial"/>
-        <a:defRPr b="0" i="0" sz="1400" u="none" cap="none" strike="noStrike">
+        <a:defRPr sz="1400" b="0" i="0" u="none" strike="noStrike" cap="none">
           <a:solidFill>
             <a:srgbClr val="000000"/>
           </a:solidFill>
@@ -8315,7 +8440,7 @@
           <a:sym typeface="Arial"/>
         </a:defRPr>
       </a:lvl2pPr>
-      <a:lvl3pPr lvl="2" marR="0" rtl="0" algn="l">
+      <a:lvl3pPr marR="0" lvl="2" algn="l" rtl="0">
         <a:lnSpc>
           <a:spcPct val="100000"/>
         </a:lnSpc>
@@ -8329,7 +8454,7 @@
           <a:srgbClr val="000000"/>
         </a:buClr>
         <a:buFont typeface="Arial"/>
-        <a:defRPr b="0" i="0" sz="1400" u="none" cap="none" strike="noStrike">
+        <a:defRPr sz="1400" b="0" i="0" u="none" strike="noStrike" cap="none">
           <a:solidFill>
             <a:srgbClr val="000000"/>
           </a:solidFill>
@@ -8339,7 +8464,7 @@
           <a:sym typeface="Arial"/>
         </a:defRPr>
       </a:lvl3pPr>
-      <a:lvl4pPr lvl="3" marR="0" rtl="0" algn="l">
+      <a:lvl4pPr marR="0" lvl="3" algn="l" rtl="0">
         <a:lnSpc>
           <a:spcPct val="100000"/>
         </a:lnSpc>
@@ -8353,7 +8478,7 @@
           <a:srgbClr val="000000"/>
         </a:buClr>
         <a:buFont typeface="Arial"/>
-        <a:defRPr b="0" i="0" sz="1400" u="none" cap="none" strike="noStrike">
+        <a:defRPr sz="1400" b="0" i="0" u="none" strike="noStrike" cap="none">
           <a:solidFill>
             <a:srgbClr val="000000"/>
           </a:solidFill>
@@ -8363,7 +8488,7 @@
           <a:sym typeface="Arial"/>
         </a:defRPr>
       </a:lvl4pPr>
-      <a:lvl5pPr lvl="4" marR="0" rtl="0" algn="l">
+      <a:lvl5pPr marR="0" lvl="4" algn="l" rtl="0">
         <a:lnSpc>
           <a:spcPct val="100000"/>
         </a:lnSpc>
@@ -8377,7 +8502,7 @@
           <a:srgbClr val="000000"/>
         </a:buClr>
         <a:buFont typeface="Arial"/>
-        <a:defRPr b="0" i="0" sz="1400" u="none" cap="none" strike="noStrike">
+        <a:defRPr sz="1400" b="0" i="0" u="none" strike="noStrike" cap="none">
           <a:solidFill>
             <a:srgbClr val="000000"/>
           </a:solidFill>
@@ -8387,7 +8512,7 @@
           <a:sym typeface="Arial"/>
         </a:defRPr>
       </a:lvl5pPr>
-      <a:lvl6pPr lvl="5" marR="0" rtl="0" algn="l">
+      <a:lvl6pPr marR="0" lvl="5" algn="l" rtl="0">
         <a:lnSpc>
           <a:spcPct val="100000"/>
         </a:lnSpc>
@@ -8401,7 +8526,7 @@
           <a:srgbClr val="000000"/>
         </a:buClr>
         <a:buFont typeface="Arial"/>
-        <a:defRPr b="0" i="0" sz="1400" u="none" cap="none" strike="noStrike">
+        <a:defRPr sz="1400" b="0" i="0" u="none" strike="noStrike" cap="none">
           <a:solidFill>
             <a:srgbClr val="000000"/>
           </a:solidFill>
@@ -8411,7 +8536,7 @@
           <a:sym typeface="Arial"/>
         </a:defRPr>
       </a:lvl6pPr>
-      <a:lvl7pPr lvl="6" marR="0" rtl="0" algn="l">
+      <a:lvl7pPr marR="0" lvl="6" algn="l" rtl="0">
         <a:lnSpc>
           <a:spcPct val="100000"/>
         </a:lnSpc>
@@ -8425,7 +8550,7 @@
           <a:srgbClr val="000000"/>
         </a:buClr>
         <a:buFont typeface="Arial"/>
-        <a:defRPr b="0" i="0" sz="1400" u="none" cap="none" strike="noStrike">
+        <a:defRPr sz="1400" b="0" i="0" u="none" strike="noStrike" cap="none">
           <a:solidFill>
             <a:srgbClr val="000000"/>
           </a:solidFill>
@@ -8435,7 +8560,7 @@
           <a:sym typeface="Arial"/>
         </a:defRPr>
       </a:lvl7pPr>
-      <a:lvl8pPr lvl="7" marR="0" rtl="0" algn="l">
+      <a:lvl8pPr marR="0" lvl="7" algn="l" rtl="0">
         <a:lnSpc>
           <a:spcPct val="100000"/>
         </a:lnSpc>
@@ -8449,7 +8574,7 @@
           <a:srgbClr val="000000"/>
         </a:buClr>
         <a:buFont typeface="Arial"/>
-        <a:defRPr b="0" i="0" sz="1400" u="none" cap="none" strike="noStrike">
+        <a:defRPr sz="1400" b="0" i="0" u="none" strike="noStrike" cap="none">
           <a:solidFill>
             <a:srgbClr val="000000"/>
           </a:solidFill>
@@ -8459,7 +8584,7 @@
           <a:sym typeface="Arial"/>
         </a:defRPr>
       </a:lvl8pPr>
-      <a:lvl9pPr lvl="8" marR="0" rtl="0" algn="l">
+      <a:lvl9pPr marR="0" lvl="8" algn="l" rtl="0">
         <a:lnSpc>
           <a:spcPct val="100000"/>
         </a:lnSpc>
@@ -8473,7 +8598,7 @@
           <a:srgbClr val="000000"/>
         </a:buClr>
         <a:buFont typeface="Arial"/>
-        <a:defRPr b="0" i="0" sz="1400" u="none" cap="none" strike="noStrike">
+        <a:defRPr sz="1400" b="0" i="0" u="none" strike="noStrike" cap="none">
           <a:solidFill>
             <a:srgbClr val="000000"/>
           </a:solidFill>
@@ -8489,11 +8614,11 @@
 </file>
 
 <file path=ppt/slides/slide1.xml><?xml version="1.0" encoding="utf-8"?>
-<p:sld xmlns:a="http://schemas.openxmlformats.org/drawingml/2006/main" xmlns:r="http://schemas.openxmlformats.org/officeDocument/2006/relationships" xmlns:mc="http://schemas.openxmlformats.org/markup-compatibility/2006" xmlns:mv="urn:schemas-microsoft-com:mac:vml" xmlns:p="http://schemas.openxmlformats.org/presentationml/2006/main" xmlns:c="http://schemas.openxmlformats.org/drawingml/2006/chart" xmlns:dgm="http://schemas.openxmlformats.org/drawingml/2006/diagram" xmlns:o="urn:schemas-microsoft-com:office:office" xmlns:v="urn:schemas-microsoft-com:vml" xmlns:pvml="urn:schemas-microsoft-com:office:powerpoint" xmlns:com="http://schemas.openxmlformats.org/drawingml/2006/compatibility" xmlns:p14="http://schemas.microsoft.com/office/powerpoint/2010/main" xmlns:p15="http://schemas.microsoft.com/office/powerpoint/2012/main" xmlns:ahyp="http://schemas.microsoft.com/office/drawing/2018/hyperlinkcolor">
+<p:sld xmlns:a="http://schemas.openxmlformats.org/drawingml/2006/main" xmlns:r="http://schemas.openxmlformats.org/officeDocument/2006/relationships" xmlns:p="http://schemas.openxmlformats.org/presentationml/2006/main">
   <p:cSld>
     <p:spTree>
       <p:nvGrpSpPr>
-        <p:cNvPr id="85" name="Shape 85"/>
+        <p:cNvPr id="1" name="Shape 85"/>
         <p:cNvGrpSpPr/>
         <p:nvPr/>
       </p:nvGrpSpPr>
@@ -8508,7 +8633,9 @@
       <p:sp>
         <p:nvSpPr>
           <p:cNvPr id="86" name="Google Shape;86;p13"/>
-          <p:cNvSpPr txBox="1"/>
+          <p:cNvSpPr txBox="1">
+            <a:spLocks noGrp="1"/>
+          </p:cNvSpPr>
           <p:nvPr>
             <p:ph type="ctrTitle"/>
           </p:nvPr>
@@ -8523,12 +8650,12 @@
           </a:prstGeom>
         </p:spPr>
         <p:txBody>
-          <a:bodyPr anchorCtr="0" anchor="t" bIns="91425" lIns="91425" spcFirstLastPara="1" rIns="91425" wrap="square" tIns="91425">
+          <a:bodyPr spcFirstLastPara="1" wrap="square" lIns="91425" tIns="91425" rIns="91425" bIns="91425" anchor="t" anchorCtr="0">
             <a:normAutofit/>
           </a:bodyPr>
           <a:lstStyle/>
           <a:p>
-            <a:pPr indent="0" lvl="0" marL="0" rtl="0" algn="l">
+            <a:pPr marL="0" lvl="0" indent="0" algn="l" rtl="0">
               <a:spcBef>
                 <a:spcPts val="0"/>
               </a:spcBef>
@@ -8539,15 +8666,7 @@
             </a:pPr>
             <a:r>
               <a:rPr lang="en-GB"/>
-              <a:t>Predictive </a:t>
-            </a:r>
-            <a:r>
-              <a:rPr lang="en-GB"/>
-              <a:t>Maintenance</a:t>
-            </a:r>
-            <a:r>
-              <a:rPr lang="en-GB"/>
-              <a:t> AI/ML Models Results</a:t>
+              <a:t>Predictive Maintenance AI/ML Models Results</a:t>
             </a:r>
             <a:endParaRPr/>
           </a:p>
@@ -8556,9 +8675,11 @@
       <p:sp>
         <p:nvSpPr>
           <p:cNvPr id="87" name="Google Shape;87;p13"/>
-          <p:cNvSpPr txBox="1"/>
+          <p:cNvSpPr txBox="1">
+            <a:spLocks noGrp="1"/>
+          </p:cNvSpPr>
           <p:nvPr>
-            <p:ph idx="1" type="subTitle"/>
+            <p:ph type="subTitle" idx="1"/>
           </p:nvPr>
         </p:nvSpPr>
         <p:spPr>
@@ -8571,12 +8692,12 @@
           </a:prstGeom>
         </p:spPr>
         <p:txBody>
-          <a:bodyPr anchorCtr="0" anchor="t" bIns="91425" lIns="91425" spcFirstLastPara="1" rIns="91425" wrap="square" tIns="91425">
+          <a:bodyPr spcFirstLastPara="1" wrap="square" lIns="91425" tIns="91425" rIns="91425" bIns="91425" anchor="t" anchorCtr="0">
             <a:normAutofit/>
           </a:bodyPr>
           <a:lstStyle/>
           <a:p>
-            <a:pPr indent="0" lvl="0" marL="0" rtl="0" algn="l">
+            <a:pPr marL="0" lvl="0" indent="0" algn="l" rtl="0">
               <a:spcBef>
                 <a:spcPts val="0"/>
               </a:spcBef>
@@ -8602,11 +8723,11 @@
 </file>
 
 <file path=ppt/slides/slide10.xml><?xml version="1.0" encoding="utf-8"?>
-<p:sld xmlns:a="http://schemas.openxmlformats.org/drawingml/2006/main" xmlns:r="http://schemas.openxmlformats.org/officeDocument/2006/relationships" xmlns:mc="http://schemas.openxmlformats.org/markup-compatibility/2006" xmlns:mv="urn:schemas-microsoft-com:mac:vml" xmlns:p="http://schemas.openxmlformats.org/presentationml/2006/main" xmlns:c="http://schemas.openxmlformats.org/drawingml/2006/chart" xmlns:dgm="http://schemas.openxmlformats.org/drawingml/2006/diagram" xmlns:o="urn:schemas-microsoft-com:office:office" xmlns:v="urn:schemas-microsoft-com:vml" xmlns:pvml="urn:schemas-microsoft-com:office:powerpoint" xmlns:com="http://schemas.openxmlformats.org/drawingml/2006/compatibility" xmlns:p14="http://schemas.microsoft.com/office/powerpoint/2010/main" xmlns:p15="http://schemas.microsoft.com/office/powerpoint/2012/main" xmlns:ahyp="http://schemas.microsoft.com/office/drawing/2018/hyperlinkcolor">
+<p:sld xmlns:a="http://schemas.openxmlformats.org/drawingml/2006/main" xmlns:r="http://schemas.openxmlformats.org/officeDocument/2006/relationships" xmlns:p="http://schemas.openxmlformats.org/presentationml/2006/main">
   <p:cSld>
     <p:spTree>
       <p:nvGrpSpPr>
-        <p:cNvPr id="143" name="Shape 143"/>
+        <p:cNvPr id="1" name="Shape 143"/>
         <p:cNvGrpSpPr/>
         <p:nvPr/>
       </p:nvGrpSpPr>
@@ -8621,7 +8742,9 @@
       <p:sp>
         <p:nvSpPr>
           <p:cNvPr id="144" name="Google Shape;144;p22"/>
-          <p:cNvSpPr txBox="1"/>
+          <p:cNvSpPr txBox="1">
+            <a:spLocks noGrp="1"/>
+          </p:cNvSpPr>
           <p:nvPr>
             <p:ph type="title"/>
           </p:nvPr>
@@ -8636,12 +8759,12 @@
           </a:prstGeom>
         </p:spPr>
         <p:txBody>
-          <a:bodyPr anchorCtr="0" anchor="t" bIns="91425" lIns="91425" spcFirstLastPara="1" rIns="91425" wrap="square" tIns="91425">
+          <a:bodyPr spcFirstLastPara="1" wrap="square" lIns="91425" tIns="91425" rIns="91425" bIns="91425" anchor="t" anchorCtr="0">
             <a:normAutofit fontScale="90000"/>
           </a:bodyPr>
           <a:lstStyle/>
           <a:p>
-            <a:pPr indent="0" lvl="0" marL="0" rtl="0" algn="l">
+            <a:pPr marL="0" lvl="0" indent="0" algn="l" rtl="0">
               <a:spcBef>
                 <a:spcPts val="0"/>
               </a:spcBef>
@@ -8661,9 +8784,11 @@
       <p:sp>
         <p:nvSpPr>
           <p:cNvPr id="145" name="Google Shape;145;p22"/>
-          <p:cNvSpPr txBox="1"/>
+          <p:cNvSpPr txBox="1">
+            <a:spLocks noGrp="1"/>
+          </p:cNvSpPr>
           <p:nvPr>
-            <p:ph idx="1" type="body"/>
+            <p:ph type="body" idx="1"/>
           </p:nvPr>
         </p:nvSpPr>
         <p:spPr>
@@ -8676,28 +8801,28 @@
           </a:prstGeom>
         </p:spPr>
         <p:txBody>
-          <a:bodyPr anchorCtr="0" anchor="t" bIns="91425" lIns="91425" spcFirstLastPara="1" rIns="91425" wrap="square" tIns="91425">
+          <a:bodyPr spcFirstLastPara="1" wrap="square" lIns="91425" tIns="91425" rIns="91425" bIns="91425" anchor="t" anchorCtr="0">
             <a:normAutofit/>
           </a:bodyPr>
           <a:lstStyle/>
           <a:p>
-            <a:pPr indent="0" lvl="0" marL="0" rtl="0" algn="l">
-              <a:spcBef>
-                <a:spcPts val="0"/>
-              </a:spcBef>
-              <a:spcAft>
-                <a:spcPts val="0"/>
-              </a:spcAft>
-              <a:buNone/>
-            </a:pPr>
-            <a:r>
-              <a:rPr b="1" lang="en-GB"/>
+            <a:pPr marL="0" lvl="0" indent="0" algn="l" rtl="0">
+              <a:spcBef>
+                <a:spcPts val="0"/>
+              </a:spcBef>
+              <a:spcAft>
+                <a:spcPts val="0"/>
+              </a:spcAft>
+              <a:buNone/>
+            </a:pPr>
+            <a:r>
+              <a:rPr lang="en-GB" b="1" dirty="0"/>
               <a:t>How the Model Works:</a:t>
             </a:r>
-            <a:endParaRPr b="1"/>
-          </a:p>
-          <a:p>
-            <a:pPr indent="-311150" lvl="0" marL="457200" rtl="0" algn="l">
+            <a:endParaRPr b="1" dirty="0"/>
+          </a:p>
+          <a:p>
+            <a:pPr marL="457200" lvl="0" indent="-311150" algn="l" rtl="0">
               <a:spcBef>
                 <a:spcPts val="1200"/>
               </a:spcBef>
@@ -8708,13 +8833,13 @@
               <a:buChar char="●"/>
             </a:pPr>
             <a:r>
-              <a:rPr b="1" lang="en-GB"/>
+              <a:rPr lang="en-GB" b="1" dirty="0"/>
               <a:t>Model Training:</a:t>
             </a:r>
-            <a:endParaRPr b="1"/>
-          </a:p>
-          <a:p>
-            <a:pPr indent="-298450" lvl="1" marL="914400" rtl="0" algn="l">
+            <a:endParaRPr b="1" dirty="0"/>
+          </a:p>
+          <a:p>
+            <a:pPr marL="914400" lvl="1" indent="-298450" algn="l" rtl="0">
               <a:spcBef>
                 <a:spcPts val="0"/>
               </a:spcBef>
@@ -8725,13 +8850,13 @@
               <a:buChar char="○"/>
             </a:pPr>
             <a:r>
-              <a:rPr lang="en-GB"/>
+              <a:rPr lang="en-GB" dirty="0"/>
               <a:t>We use a machine learning algorithm called a Random Forest Classifier. </a:t>
             </a:r>
-            <a:endParaRPr/>
-          </a:p>
-          <a:p>
-            <a:pPr indent="-298450" lvl="1" marL="914400" rtl="0" algn="l">
+            <a:endParaRPr dirty="0"/>
+          </a:p>
+          <a:p>
+            <a:pPr marL="914400" lvl="1" indent="-298450" algn="l" rtl="0">
               <a:spcBef>
                 <a:spcPts val="0"/>
               </a:spcBef>
@@ -8742,13 +8867,21 @@
               <a:buChar char="○"/>
             </a:pPr>
             <a:r>
-              <a:rPr lang="en-GB"/>
-              <a:t>The model learns the relationships between the features (e.g., time of day, ChlPrs trends) and the occurrence of alerts.</a:t>
-            </a:r>
-            <a:endParaRPr b="1"/>
-          </a:p>
-          <a:p>
-            <a:pPr indent="-311150" lvl="0" marL="457200" rtl="0" algn="l">
+              <a:rPr lang="en-GB" dirty="0"/>
+              <a:t>The model learns the relationships between the features (e.g., time of day, </a:t>
+            </a:r>
+            <a:r>
+              <a:rPr lang="en-GB" dirty="0" err="1"/>
+              <a:t>ChlPrs</a:t>
+            </a:r>
+            <a:r>
+              <a:rPr lang="en-GB" dirty="0"/>
+              <a:t> trends) and the occurrence of alerts.</a:t>
+            </a:r>
+            <a:endParaRPr b="1" dirty="0"/>
+          </a:p>
+          <a:p>
+            <a:pPr marL="457200" lvl="0" indent="-311150" algn="l" rtl="0">
               <a:spcBef>
                 <a:spcPts val="0"/>
               </a:spcBef>
@@ -8759,13 +8892,13 @@
               <a:buChar char="●"/>
             </a:pPr>
             <a:r>
-              <a:rPr b="1" lang="en-GB"/>
+              <a:rPr lang="en-GB" b="1" dirty="0"/>
               <a:t>Prediction:</a:t>
             </a:r>
-            <a:endParaRPr b="1"/>
-          </a:p>
-          <a:p>
-            <a:pPr indent="-298450" lvl="1" marL="914400" rtl="0" algn="l">
+            <a:endParaRPr b="1" dirty="0"/>
+          </a:p>
+          <a:p>
+            <a:pPr marL="914400" lvl="1" indent="-298450" algn="l" rtl="0">
               <a:spcBef>
                 <a:spcPts val="0"/>
               </a:spcBef>
@@ -8776,13 +8909,13 @@
               <a:buChar char="○"/>
             </a:pPr>
             <a:r>
-              <a:rPr lang="en-GB"/>
+              <a:rPr lang="en-GB" dirty="0"/>
               <a:t>For a given machine and time, the model predicts the probability of each alert type occurring within the next 7 days.</a:t>
             </a:r>
-            <a:endParaRPr/>
-          </a:p>
-          <a:p>
-            <a:pPr indent="-298450" lvl="1" marL="914400" rtl="0" algn="l">
+            <a:endParaRPr dirty="0"/>
+          </a:p>
+          <a:p>
+            <a:pPr marL="914400" lvl="1" indent="-298450" algn="l" rtl="0">
               <a:spcBef>
                 <a:spcPts val="0"/>
               </a:spcBef>
@@ -8793,13 +8926,13 @@
               <a:buChar char="○"/>
             </a:pPr>
             <a:r>
-              <a:rPr lang="en-GB"/>
+              <a:rPr lang="en-GB" dirty="0"/>
               <a:t>If this probability exceeds a threshold (e.g., 0.7), we flag it as a "high-risk" period.</a:t>
             </a:r>
-            <a:endParaRPr/>
-          </a:p>
-          <a:p>
-            <a:pPr indent="0" lvl="0" marL="0" rtl="0" algn="l">
+            <a:endParaRPr dirty="0"/>
+          </a:p>
+          <a:p>
+            <a:pPr marL="0" lvl="0" indent="0" algn="l" rtl="0">
               <a:spcBef>
                 <a:spcPts val="1200"/>
               </a:spcBef>
@@ -8808,10 +8941,7 @@
               </a:spcAft>
               <a:buNone/>
             </a:pPr>
-            <a:r>
-              <a:t/>
-            </a:r>
-            <a:endParaRPr b="1"/>
+            <a:endParaRPr b="1" dirty="0"/>
           </a:p>
         </p:txBody>
       </p:sp>
@@ -8824,11 +8954,11 @@
 </file>
 
 <file path=ppt/slides/slide11.xml><?xml version="1.0" encoding="utf-8"?>
-<p:sld xmlns:a="http://schemas.openxmlformats.org/drawingml/2006/main" xmlns:r="http://schemas.openxmlformats.org/officeDocument/2006/relationships" xmlns:mc="http://schemas.openxmlformats.org/markup-compatibility/2006" xmlns:mv="urn:schemas-microsoft-com:mac:vml" xmlns:p="http://schemas.openxmlformats.org/presentationml/2006/main" xmlns:c="http://schemas.openxmlformats.org/drawingml/2006/chart" xmlns:dgm="http://schemas.openxmlformats.org/drawingml/2006/diagram" xmlns:o="urn:schemas-microsoft-com:office:office" xmlns:v="urn:schemas-microsoft-com:vml" xmlns:pvml="urn:schemas-microsoft-com:office:powerpoint" xmlns:com="http://schemas.openxmlformats.org/drawingml/2006/compatibility" xmlns:p14="http://schemas.microsoft.com/office/powerpoint/2010/main" xmlns:p15="http://schemas.microsoft.com/office/powerpoint/2012/main" xmlns:ahyp="http://schemas.microsoft.com/office/drawing/2018/hyperlinkcolor">
+<p:sld xmlns:a="http://schemas.openxmlformats.org/drawingml/2006/main" xmlns:r="http://schemas.openxmlformats.org/officeDocument/2006/relationships" xmlns:p="http://schemas.openxmlformats.org/presentationml/2006/main">
   <p:cSld>
     <p:spTree>
       <p:nvGrpSpPr>
-        <p:cNvPr id="149" name="Shape 149"/>
+        <p:cNvPr id="1" name="Shape 149"/>
         <p:cNvGrpSpPr/>
         <p:nvPr/>
       </p:nvGrpSpPr>
@@ -8843,7 +8973,9 @@
       <p:sp>
         <p:nvSpPr>
           <p:cNvPr id="150" name="Google Shape;150;p23"/>
-          <p:cNvSpPr txBox="1"/>
+          <p:cNvSpPr txBox="1">
+            <a:spLocks noGrp="1"/>
+          </p:cNvSpPr>
           <p:nvPr>
             <p:ph type="title"/>
           </p:nvPr>
@@ -8858,12 +8990,12 @@
           </a:prstGeom>
         </p:spPr>
         <p:txBody>
-          <a:bodyPr anchorCtr="0" anchor="t" bIns="91425" lIns="91425" spcFirstLastPara="1" rIns="91425" wrap="square" tIns="91425">
+          <a:bodyPr spcFirstLastPara="1" wrap="square" lIns="91425" tIns="91425" rIns="91425" bIns="91425" anchor="t" anchorCtr="0">
             <a:normAutofit fontScale="90000"/>
           </a:bodyPr>
           <a:lstStyle/>
           <a:p>
-            <a:pPr indent="0" lvl="0" marL="0" rtl="0" algn="l">
+            <a:pPr marL="0" lvl="0" indent="0" algn="l" rtl="0">
               <a:spcBef>
                 <a:spcPts val="0"/>
               </a:spcBef>
@@ -8883,9 +9015,11 @@
       <p:sp>
         <p:nvSpPr>
           <p:cNvPr id="151" name="Google Shape;151;p23"/>
-          <p:cNvSpPr txBox="1"/>
+          <p:cNvSpPr txBox="1">
+            <a:spLocks noGrp="1"/>
+          </p:cNvSpPr>
           <p:nvPr>
-            <p:ph idx="1" type="body"/>
+            <p:ph type="body" idx="1"/>
           </p:nvPr>
         </p:nvSpPr>
         <p:spPr>
@@ -8898,28 +9032,28 @@
           </a:prstGeom>
         </p:spPr>
         <p:txBody>
-          <a:bodyPr anchorCtr="0" anchor="t" bIns="91425" lIns="91425" spcFirstLastPara="1" rIns="91425" wrap="square" tIns="91425">
+          <a:bodyPr spcFirstLastPara="1" wrap="square" lIns="91425" tIns="91425" rIns="91425" bIns="91425" anchor="t" anchorCtr="0">
             <a:normAutofit/>
           </a:bodyPr>
           <a:lstStyle/>
           <a:p>
-            <a:pPr indent="0" lvl="0" marL="0" rtl="0" algn="l">
-              <a:spcBef>
-                <a:spcPts val="0"/>
-              </a:spcBef>
-              <a:spcAft>
-                <a:spcPts val="0"/>
-              </a:spcAft>
-              <a:buNone/>
-            </a:pPr>
-            <a:r>
-              <a:rPr b="1" lang="en-GB"/>
+            <a:pPr marL="0" lvl="0" indent="0" algn="l" rtl="0">
+              <a:spcBef>
+                <a:spcPts val="0"/>
+              </a:spcBef>
+              <a:spcAft>
+                <a:spcPts val="0"/>
+              </a:spcAft>
+              <a:buNone/>
+            </a:pPr>
+            <a:r>
+              <a:rPr lang="en-GB" b="1" dirty="0"/>
               <a:t>Interpreting the Results</a:t>
             </a:r>
-            <a:endParaRPr b="1"/>
-          </a:p>
-          <a:p>
-            <a:pPr indent="-311150" lvl="0" marL="457200" rtl="0" algn="l">
+            <a:endParaRPr b="1" dirty="0"/>
+          </a:p>
+          <a:p>
+            <a:pPr marL="457200" lvl="0" indent="-311150" algn="l" rtl="0">
               <a:spcBef>
                 <a:spcPts val="1200"/>
               </a:spcBef>
@@ -8930,17 +9064,17 @@
               <a:buChar char="●"/>
             </a:pPr>
             <a:r>
-              <a:rPr b="1" lang="en-GB"/>
+              <a:rPr lang="en-GB" b="1" dirty="0"/>
               <a:t>Classification Report</a:t>
             </a:r>
             <a:r>
-              <a:rPr lang="en-GB"/>
+              <a:rPr lang="en-GB" dirty="0"/>
               <a:t>: The table shows how well the model predicts each alert type.</a:t>
             </a:r>
-            <a:endParaRPr/>
-          </a:p>
-          <a:p>
-            <a:pPr indent="-298450" lvl="1" marL="914400" rtl="0" algn="l">
+            <a:endParaRPr dirty="0"/>
+          </a:p>
+          <a:p>
+            <a:pPr marL="914400" lvl="1" indent="-298450" algn="l" rtl="0">
               <a:spcBef>
                 <a:spcPts val="0"/>
               </a:spcBef>
@@ -8951,13 +9085,13 @@
               <a:buChar char="○"/>
             </a:pPr>
             <a:r>
-              <a:rPr lang="en-GB"/>
+              <a:rPr lang="en-GB" dirty="0"/>
               <a:t>Precision: Of the alerts predicted, how many were actually real? Higher is better.</a:t>
             </a:r>
-            <a:endParaRPr/>
-          </a:p>
-          <a:p>
-            <a:pPr indent="-298450" lvl="1" marL="914400" rtl="0" algn="l">
+            <a:endParaRPr dirty="0"/>
+          </a:p>
+          <a:p>
+            <a:pPr marL="914400" lvl="1" indent="-298450" algn="l" rtl="0">
               <a:spcBef>
                 <a:spcPts val="0"/>
               </a:spcBef>
@@ -8968,13 +9102,34 @@
               <a:buChar char="○"/>
             </a:pPr>
             <a:r>
-              <a:rPr lang="en-GB"/>
+              <a:rPr lang="en-GB" dirty="0"/>
               <a:t>Recall: Of the actual alerts, how many did the model catch? Higher is better.</a:t>
             </a:r>
-            <a:endParaRPr/>
-          </a:p>
-          <a:p>
-            <a:pPr indent="-298450" lvl="1" marL="914400" rtl="0" algn="l">
+            <a:endParaRPr dirty="0"/>
+          </a:p>
+          <a:p>
+            <a:pPr marL="457200" lvl="0" indent="-311150" algn="l" rtl="0">
+              <a:spcBef>
+                <a:spcPts val="0"/>
+              </a:spcBef>
+              <a:spcAft>
+                <a:spcPts val="0"/>
+              </a:spcAft>
+              <a:buSzPts val="1300"/>
+              <a:buChar char="●"/>
+            </a:pPr>
+            <a:r>
+              <a:rPr lang="en-GB" b="1" dirty="0"/>
+              <a:t>Visualization</a:t>
+            </a:r>
+            <a:r>
+              <a:rPr lang="en-GB" dirty="0"/>
+              <a:t>: </a:t>
+            </a:r>
+            <a:endParaRPr dirty="0"/>
+          </a:p>
+          <a:p>
+            <a:pPr marL="914400" lvl="1" indent="-298450" algn="l" rtl="0">
               <a:spcBef>
                 <a:spcPts val="0"/>
               </a:spcBef>
@@ -8985,13 +9140,13 @@
               <a:buChar char="○"/>
             </a:pPr>
             <a:r>
-              <a:rPr lang="en-GB"/>
-              <a:t>F1-score: A balance between precision and recall.</a:t>
-            </a:r>
-            <a:endParaRPr/>
-          </a:p>
-          <a:p>
-            <a:pPr indent="-311150" lvl="0" marL="457200" rtl="0" algn="l">
+              <a:rPr lang="en-GB" dirty="0"/>
+              <a:t>The plots show actual alerts (blue circles) and predicted high-risk periods (orange crosses) over time for each machine. Good alignment means the model is working well.</a:t>
+            </a:r>
+            <a:endParaRPr dirty="0"/>
+          </a:p>
+          <a:p>
+            <a:pPr marL="457200" lvl="0" indent="-311150" algn="l" rtl="0">
               <a:spcBef>
                 <a:spcPts val="0"/>
               </a:spcBef>
@@ -9002,17 +9157,17 @@
               <a:buChar char="●"/>
             </a:pPr>
             <a:r>
-              <a:rPr b="1" lang="en-GB"/>
-              <a:t>Visualization</a:t>
-            </a:r>
-            <a:r>
-              <a:rPr lang="en-GB"/>
+              <a:rPr lang="en-GB" b="1" dirty="0"/>
+              <a:t>Probability Predictions</a:t>
+            </a:r>
+            <a:r>
+              <a:rPr lang="en-GB" dirty="0"/>
               <a:t>: </a:t>
             </a:r>
-            <a:endParaRPr/>
-          </a:p>
-          <a:p>
-            <a:pPr indent="-298450" lvl="1" marL="914400" rtl="0" algn="l">
+            <a:endParaRPr dirty="0"/>
+          </a:p>
+          <a:p>
+            <a:pPr marL="914400" lvl="1" indent="-298450" algn="l" rtl="0">
               <a:spcBef>
                 <a:spcPts val="0"/>
               </a:spcBef>
@@ -9023,51 +9178,13 @@
               <a:buChar char="○"/>
             </a:pPr>
             <a:r>
-              <a:rPr lang="en-GB"/>
-              <a:t>The plots show actual alerts (blue circles) and predicted high-risk periods (orange crosses) over time for each machine. Good alignment means the model is working well.</a:t>
-            </a:r>
-            <a:endParaRPr/>
-          </a:p>
-          <a:p>
-            <a:pPr indent="-311150" lvl="0" marL="457200" rtl="0" algn="l">
-              <a:spcBef>
-                <a:spcPts val="0"/>
-              </a:spcBef>
-              <a:spcAft>
-                <a:spcPts val="0"/>
-              </a:spcAft>
-              <a:buSzPts val="1300"/>
-              <a:buChar char="●"/>
-            </a:pPr>
-            <a:r>
-              <a:rPr b="1" lang="en-GB"/>
-              <a:t>Probability Predictions</a:t>
-            </a:r>
-            <a:r>
-              <a:rPr lang="en-GB"/>
-              <a:t>: </a:t>
-            </a:r>
-            <a:endParaRPr/>
-          </a:p>
-          <a:p>
-            <a:pPr indent="-298450" lvl="1" marL="914400" rtl="0" algn="l">
-              <a:spcBef>
-                <a:spcPts val="0"/>
-              </a:spcBef>
-              <a:spcAft>
-                <a:spcPts val="0"/>
-              </a:spcAft>
-              <a:buSzPts val="1100"/>
-              <a:buChar char="○"/>
-            </a:pPr>
-            <a:r>
-              <a:rPr lang="en-GB"/>
+              <a:rPr lang="en-GB" dirty="0"/>
               <a:t>For new data, the model outputs the probability of each alert type. Higher probability means higher risk.</a:t>
             </a:r>
-            <a:endParaRPr/>
-          </a:p>
-          <a:p>
-            <a:pPr indent="0" lvl="0" marL="0" rtl="0" algn="l">
+            <a:endParaRPr dirty="0"/>
+          </a:p>
+          <a:p>
+            <a:pPr marL="0" lvl="0" indent="0" algn="l" rtl="0">
               <a:spcBef>
                 <a:spcPts val="1200"/>
               </a:spcBef>
@@ -9076,13 +9193,10 @@
               </a:spcAft>
               <a:buNone/>
             </a:pPr>
-            <a:r>
-              <a:t/>
-            </a:r>
-            <a:endParaRPr/>
-          </a:p>
-          <a:p>
-            <a:pPr indent="0" lvl="0" marL="0" rtl="0" algn="l">
+            <a:endParaRPr dirty="0"/>
+          </a:p>
+          <a:p>
+            <a:pPr marL="0" lvl="0" indent="0" algn="l" rtl="0">
               <a:spcBef>
                 <a:spcPts val="1200"/>
               </a:spcBef>
@@ -9091,10 +9205,7 @@
               </a:spcAft>
               <a:buNone/>
             </a:pPr>
-            <a:r>
-              <a:t/>
-            </a:r>
-            <a:endParaRPr b="1"/>
+            <a:endParaRPr b="1" dirty="0"/>
           </a:p>
         </p:txBody>
       </p:sp>
@@ -9107,11 +9218,11 @@
 </file>
 
 <file path=ppt/slides/slide12.xml><?xml version="1.0" encoding="utf-8"?>
-<p:sld xmlns:a="http://schemas.openxmlformats.org/drawingml/2006/main" xmlns:r="http://schemas.openxmlformats.org/officeDocument/2006/relationships" xmlns:mc="http://schemas.openxmlformats.org/markup-compatibility/2006" xmlns:mv="urn:schemas-microsoft-com:mac:vml" xmlns:p="http://schemas.openxmlformats.org/presentationml/2006/main" xmlns:c="http://schemas.openxmlformats.org/drawingml/2006/chart" xmlns:dgm="http://schemas.openxmlformats.org/drawingml/2006/diagram" xmlns:o="urn:schemas-microsoft-com:office:office" xmlns:v="urn:schemas-microsoft-com:vml" xmlns:pvml="urn:schemas-microsoft-com:office:powerpoint" xmlns:com="http://schemas.openxmlformats.org/drawingml/2006/compatibility" xmlns:p14="http://schemas.microsoft.com/office/powerpoint/2010/main" xmlns:p15="http://schemas.microsoft.com/office/powerpoint/2012/main" xmlns:ahyp="http://schemas.microsoft.com/office/drawing/2018/hyperlinkcolor">
+<p:sld xmlns:a="http://schemas.openxmlformats.org/drawingml/2006/main" xmlns:r="http://schemas.openxmlformats.org/officeDocument/2006/relationships" xmlns:p="http://schemas.openxmlformats.org/presentationml/2006/main">
   <p:cSld>
     <p:spTree>
       <p:nvGrpSpPr>
-        <p:cNvPr id="155" name="Shape 155"/>
+        <p:cNvPr id="1" name="Shape 155"/>
         <p:cNvGrpSpPr/>
         <p:nvPr/>
       </p:nvGrpSpPr>
@@ -9126,7 +9237,9 @@
       <p:sp>
         <p:nvSpPr>
           <p:cNvPr id="156" name="Google Shape;156;p24"/>
-          <p:cNvSpPr txBox="1"/>
+          <p:cNvSpPr txBox="1">
+            <a:spLocks noGrp="1"/>
+          </p:cNvSpPr>
           <p:nvPr>
             <p:ph type="title"/>
           </p:nvPr>
@@ -9141,12 +9254,12 @@
           </a:prstGeom>
         </p:spPr>
         <p:txBody>
-          <a:bodyPr anchorCtr="0" anchor="t" bIns="91425" lIns="91425" spcFirstLastPara="1" rIns="91425" wrap="square" tIns="91425">
+          <a:bodyPr spcFirstLastPara="1" wrap="square" lIns="91425" tIns="91425" rIns="91425" bIns="91425" anchor="t" anchorCtr="0">
             <a:normAutofit fontScale="90000"/>
           </a:bodyPr>
           <a:lstStyle/>
           <a:p>
-            <a:pPr indent="0" lvl="0" marL="0" rtl="0" algn="l">
+            <a:pPr marL="0" lvl="0" indent="0" algn="l" rtl="0">
               <a:spcBef>
                 <a:spcPts val="0"/>
               </a:spcBef>
@@ -9166,9 +9279,11 @@
       <p:sp>
         <p:nvSpPr>
           <p:cNvPr id="157" name="Google Shape;157;p24"/>
-          <p:cNvSpPr txBox="1"/>
+          <p:cNvSpPr txBox="1">
+            <a:spLocks noGrp="1"/>
+          </p:cNvSpPr>
           <p:nvPr>
-            <p:ph idx="1" type="body"/>
+            <p:ph type="body" idx="1"/>
           </p:nvPr>
         </p:nvSpPr>
         <p:spPr>
@@ -9181,28 +9296,28 @@
           </a:prstGeom>
         </p:spPr>
         <p:txBody>
-          <a:bodyPr anchorCtr="0" anchor="t" bIns="91425" lIns="91425" spcFirstLastPara="1" rIns="91425" wrap="square" tIns="91425">
+          <a:bodyPr spcFirstLastPara="1" wrap="square" lIns="91425" tIns="91425" rIns="91425" bIns="91425" anchor="t" anchorCtr="0">
             <a:normAutofit/>
           </a:bodyPr>
           <a:lstStyle/>
           <a:p>
-            <a:pPr indent="0" lvl="0" marL="0" rtl="0" algn="l">
-              <a:spcBef>
-                <a:spcPts val="0"/>
-              </a:spcBef>
-              <a:spcAft>
-                <a:spcPts val="0"/>
-              </a:spcAft>
-              <a:buNone/>
-            </a:pPr>
-            <a:r>
-              <a:rPr b="1" lang="en-GB"/>
+            <a:pPr marL="0" lvl="0" indent="0" algn="l" rtl="0">
+              <a:spcBef>
+                <a:spcPts val="0"/>
+              </a:spcBef>
+              <a:spcAft>
+                <a:spcPts val="0"/>
+              </a:spcAft>
+              <a:buNone/>
+            </a:pPr>
+            <a:r>
+              <a:rPr lang="en-GB" b="1"/>
               <a:t>Model Results Visualisations </a:t>
             </a:r>
             <a:endParaRPr b="1"/>
           </a:p>
           <a:p>
-            <a:pPr indent="0" lvl="0" marL="0" rtl="0" algn="l">
+            <a:pPr marL="0" lvl="0" indent="0" algn="l" rtl="0">
               <a:spcBef>
                 <a:spcPts val="1200"/>
               </a:spcBef>
@@ -9212,13 +9327,13 @@
               <a:buNone/>
             </a:pPr>
             <a:r>
-              <a:rPr b="1" lang="en-GB"/>
+              <a:rPr lang="en-GB" b="1"/>
               <a:t>(LOW Alerts) (Train Data)</a:t>
             </a:r>
             <a:endParaRPr b="1"/>
           </a:p>
           <a:p>
-            <a:pPr indent="0" lvl="0" marL="0" rtl="0" algn="l">
+            <a:pPr marL="0" lvl="0" indent="0" algn="l" rtl="0">
               <a:lnSpc>
                 <a:spcPct val="100000"/>
               </a:lnSpc>
@@ -9237,7 +9352,7 @@
             <a:endParaRPr sz="800"/>
           </a:p>
           <a:p>
-            <a:pPr indent="0" lvl="0" marL="0" rtl="0" algn="l">
+            <a:pPr marL="0" lvl="0" indent="0" algn="l" rtl="0">
               <a:lnSpc>
                 <a:spcPct val="100000"/>
               </a:lnSpc>
@@ -9256,7 +9371,7 @@
             <a:endParaRPr sz="800"/>
           </a:p>
           <a:p>
-            <a:pPr indent="0" lvl="0" marL="0" rtl="0" algn="l">
+            <a:pPr marL="0" lvl="0" indent="0" algn="l" rtl="0">
               <a:lnSpc>
                 <a:spcPct val="100000"/>
               </a:lnSpc>
@@ -9268,13 +9383,10 @@
               </a:spcAft>
               <a:buNone/>
             </a:pPr>
-            <a:r>
-              <a:t/>
-            </a:r>
             <a:endParaRPr sz="800"/>
           </a:p>
           <a:p>
-            <a:pPr indent="0" lvl="0" marL="0" rtl="0" algn="l">
+            <a:pPr marL="0" lvl="0" indent="0" algn="l" rtl="0">
               <a:lnSpc>
                 <a:spcPct val="100000"/>
               </a:lnSpc>
@@ -9293,7 +9405,7 @@
             <a:endParaRPr sz="800"/>
           </a:p>
           <a:p>
-            <a:pPr indent="0" lvl="0" marL="0" rtl="0" algn="l">
+            <a:pPr marL="0" lvl="0" indent="0" algn="l" rtl="0">
               <a:lnSpc>
                 <a:spcPct val="100000"/>
               </a:lnSpc>
@@ -9323,7 +9435,7 @@
           <a:blip r:embed="rId3">
             <a:alphaModFix/>
           </a:blip>
-          <a:srcRect b="22779" l="0" r="0" t="0"/>
+          <a:srcRect b="22779"/>
           <a:stretch/>
         </p:blipFill>
         <p:spPr>
@@ -9349,11 +9461,11 @@
 </file>
 
 <file path=ppt/slides/slide13.xml><?xml version="1.0" encoding="utf-8"?>
-<p:sld xmlns:a="http://schemas.openxmlformats.org/drawingml/2006/main" xmlns:r="http://schemas.openxmlformats.org/officeDocument/2006/relationships" xmlns:mc="http://schemas.openxmlformats.org/markup-compatibility/2006" xmlns:mv="urn:schemas-microsoft-com:mac:vml" xmlns:p="http://schemas.openxmlformats.org/presentationml/2006/main" xmlns:c="http://schemas.openxmlformats.org/drawingml/2006/chart" xmlns:dgm="http://schemas.openxmlformats.org/drawingml/2006/diagram" xmlns:o="urn:schemas-microsoft-com:office:office" xmlns:v="urn:schemas-microsoft-com:vml" xmlns:pvml="urn:schemas-microsoft-com:office:powerpoint" xmlns:com="http://schemas.openxmlformats.org/drawingml/2006/compatibility" xmlns:p14="http://schemas.microsoft.com/office/powerpoint/2010/main" xmlns:p15="http://schemas.microsoft.com/office/powerpoint/2012/main" xmlns:ahyp="http://schemas.microsoft.com/office/drawing/2018/hyperlinkcolor">
+<p:sld xmlns:a="http://schemas.openxmlformats.org/drawingml/2006/main" xmlns:r="http://schemas.openxmlformats.org/officeDocument/2006/relationships" xmlns:p="http://schemas.openxmlformats.org/presentationml/2006/main">
   <p:cSld>
     <p:spTree>
       <p:nvGrpSpPr>
-        <p:cNvPr id="162" name="Shape 162"/>
+        <p:cNvPr id="1" name="Shape 162"/>
         <p:cNvGrpSpPr/>
         <p:nvPr/>
       </p:nvGrpSpPr>
@@ -9368,7 +9480,9 @@
       <p:sp>
         <p:nvSpPr>
           <p:cNvPr id="163" name="Google Shape;163;p25"/>
-          <p:cNvSpPr txBox="1"/>
+          <p:cNvSpPr txBox="1">
+            <a:spLocks noGrp="1"/>
+          </p:cNvSpPr>
           <p:nvPr>
             <p:ph type="title"/>
           </p:nvPr>
@@ -9383,12 +9497,12 @@
           </a:prstGeom>
         </p:spPr>
         <p:txBody>
-          <a:bodyPr anchorCtr="0" anchor="t" bIns="91425" lIns="91425" spcFirstLastPara="1" rIns="91425" wrap="square" tIns="91425">
+          <a:bodyPr spcFirstLastPara="1" wrap="square" lIns="91425" tIns="91425" rIns="91425" bIns="91425" anchor="t" anchorCtr="0">
             <a:normAutofit fontScale="90000"/>
           </a:bodyPr>
           <a:lstStyle/>
           <a:p>
-            <a:pPr indent="0" lvl="0" marL="0" rtl="0" algn="l">
+            <a:pPr marL="0" lvl="0" indent="0" algn="l" rtl="0">
               <a:spcBef>
                 <a:spcPts val="0"/>
               </a:spcBef>
@@ -9408,9 +9522,11 @@
       <p:sp>
         <p:nvSpPr>
           <p:cNvPr id="164" name="Google Shape;164;p25"/>
-          <p:cNvSpPr txBox="1"/>
+          <p:cNvSpPr txBox="1">
+            <a:spLocks noGrp="1"/>
+          </p:cNvSpPr>
           <p:nvPr>
-            <p:ph idx="1" type="body"/>
+            <p:ph type="body" idx="1"/>
           </p:nvPr>
         </p:nvSpPr>
         <p:spPr>
@@ -9423,28 +9539,28 @@
           </a:prstGeom>
         </p:spPr>
         <p:txBody>
-          <a:bodyPr anchorCtr="0" anchor="t" bIns="91425" lIns="91425" spcFirstLastPara="1" rIns="91425" wrap="square" tIns="91425">
+          <a:bodyPr spcFirstLastPara="1" wrap="square" lIns="91425" tIns="91425" rIns="91425" bIns="91425" anchor="t" anchorCtr="0">
             <a:normAutofit/>
           </a:bodyPr>
           <a:lstStyle/>
           <a:p>
-            <a:pPr indent="0" lvl="0" marL="0" rtl="0" algn="l">
-              <a:spcBef>
-                <a:spcPts val="0"/>
-              </a:spcBef>
-              <a:spcAft>
-                <a:spcPts val="0"/>
-              </a:spcAft>
-              <a:buNone/>
-            </a:pPr>
-            <a:r>
-              <a:rPr b="1" lang="en-GB"/>
+            <a:pPr marL="0" lvl="0" indent="0" algn="l" rtl="0">
+              <a:spcBef>
+                <a:spcPts val="0"/>
+              </a:spcBef>
+              <a:spcAft>
+                <a:spcPts val="0"/>
+              </a:spcAft>
+              <a:buNone/>
+            </a:pPr>
+            <a:r>
+              <a:rPr lang="en-GB" b="1"/>
               <a:t>Model Results Visualisations </a:t>
             </a:r>
             <a:endParaRPr b="1"/>
           </a:p>
           <a:p>
-            <a:pPr indent="0" lvl="0" marL="0" rtl="0" algn="l">
+            <a:pPr marL="0" lvl="0" indent="0" algn="l" rtl="0">
               <a:spcBef>
                 <a:spcPts val="1200"/>
               </a:spcBef>
@@ -9454,17 +9570,13 @@
               <a:buNone/>
             </a:pPr>
             <a:r>
-              <a:rPr b="1" lang="en-GB"/>
-              <a:t>(MEDIUM Alerts) </a:t>
-            </a:r>
-            <a:r>
-              <a:rPr b="1" lang="en-GB"/>
-              <a:t>(Train Data)</a:t>
+              <a:rPr lang="en-GB" b="1"/>
+              <a:t>(MEDIUM Alerts) (Train Data)</a:t>
             </a:r>
             <a:endParaRPr b="1"/>
           </a:p>
           <a:p>
-            <a:pPr indent="0" lvl="0" marL="0" rtl="0" algn="l">
+            <a:pPr marL="0" lvl="0" indent="0" algn="l" rtl="0">
               <a:lnSpc>
                 <a:spcPct val="100000"/>
               </a:lnSpc>
@@ -9483,7 +9595,7 @@
             <a:endParaRPr sz="800"/>
           </a:p>
           <a:p>
-            <a:pPr indent="0" lvl="0" marL="0" rtl="0" algn="l">
+            <a:pPr marL="0" lvl="0" indent="0" algn="l" rtl="0">
               <a:lnSpc>
                 <a:spcPct val="100000"/>
               </a:lnSpc>
@@ -9502,7 +9614,7 @@
             <a:endParaRPr sz="800"/>
           </a:p>
           <a:p>
-            <a:pPr indent="0" lvl="0" marL="0" rtl="0" algn="l">
+            <a:pPr marL="0" lvl="0" indent="0" algn="l" rtl="0">
               <a:lnSpc>
                 <a:spcPct val="100000"/>
               </a:lnSpc>
@@ -9514,13 +9626,10 @@
               </a:spcAft>
               <a:buNone/>
             </a:pPr>
-            <a:r>
-              <a:t/>
-            </a:r>
             <a:endParaRPr sz="800"/>
           </a:p>
           <a:p>
-            <a:pPr indent="0" lvl="0" marL="0" rtl="0" algn="l">
+            <a:pPr marL="0" lvl="0" indent="0" algn="l" rtl="0">
               <a:lnSpc>
                 <a:spcPct val="100000"/>
               </a:lnSpc>
@@ -9532,13 +9641,10 @@
               </a:spcAft>
               <a:buNone/>
             </a:pPr>
-            <a:r>
-              <a:t/>
-            </a:r>
             <a:endParaRPr sz="800"/>
           </a:p>
           <a:p>
-            <a:pPr indent="0" lvl="0" marL="0" rtl="0" algn="l">
+            <a:pPr marL="0" lvl="0" indent="0" algn="l" rtl="0">
               <a:lnSpc>
                 <a:spcPct val="100000"/>
               </a:lnSpc>
@@ -9557,7 +9663,7 @@
             <a:endParaRPr sz="800"/>
           </a:p>
           <a:p>
-            <a:pPr indent="0" lvl="0" marL="0" rtl="0" algn="l">
+            <a:pPr marL="0" lvl="0" indent="0" algn="l" rtl="0">
               <a:lnSpc>
                 <a:spcPct val="100000"/>
               </a:lnSpc>
@@ -9587,7 +9693,7 @@
           <a:blip r:embed="rId3">
             <a:alphaModFix/>
           </a:blip>
-          <a:srcRect b="26739" l="0" r="0" t="0"/>
+          <a:srcRect b="26739"/>
           <a:stretch/>
         </p:blipFill>
         <p:spPr>
@@ -9613,11 +9719,11 @@
 </file>
 
 <file path=ppt/slides/slide14.xml><?xml version="1.0" encoding="utf-8"?>
-<p:sld xmlns:a="http://schemas.openxmlformats.org/drawingml/2006/main" xmlns:r="http://schemas.openxmlformats.org/officeDocument/2006/relationships" xmlns:mc="http://schemas.openxmlformats.org/markup-compatibility/2006" xmlns:mv="urn:schemas-microsoft-com:mac:vml" xmlns:p="http://schemas.openxmlformats.org/presentationml/2006/main" xmlns:c="http://schemas.openxmlformats.org/drawingml/2006/chart" xmlns:dgm="http://schemas.openxmlformats.org/drawingml/2006/diagram" xmlns:o="urn:schemas-microsoft-com:office:office" xmlns:v="urn:schemas-microsoft-com:vml" xmlns:pvml="urn:schemas-microsoft-com:office:powerpoint" xmlns:com="http://schemas.openxmlformats.org/drawingml/2006/compatibility" xmlns:p14="http://schemas.microsoft.com/office/powerpoint/2010/main" xmlns:p15="http://schemas.microsoft.com/office/powerpoint/2012/main" xmlns:ahyp="http://schemas.microsoft.com/office/drawing/2018/hyperlinkcolor">
+<p:sld xmlns:a="http://schemas.openxmlformats.org/drawingml/2006/main" xmlns:r="http://schemas.openxmlformats.org/officeDocument/2006/relationships" xmlns:p="http://schemas.openxmlformats.org/presentationml/2006/main">
   <p:cSld>
     <p:spTree>
       <p:nvGrpSpPr>
-        <p:cNvPr id="169" name="Shape 169"/>
+        <p:cNvPr id="1" name="Shape 169"/>
         <p:cNvGrpSpPr/>
         <p:nvPr/>
       </p:nvGrpSpPr>
@@ -9632,7 +9738,9 @@
       <p:sp>
         <p:nvSpPr>
           <p:cNvPr id="170" name="Google Shape;170;p26"/>
-          <p:cNvSpPr txBox="1"/>
+          <p:cNvSpPr txBox="1">
+            <a:spLocks noGrp="1"/>
+          </p:cNvSpPr>
           <p:nvPr>
             <p:ph type="title"/>
           </p:nvPr>
@@ -9647,12 +9755,12 @@
           </a:prstGeom>
         </p:spPr>
         <p:txBody>
-          <a:bodyPr anchorCtr="0" anchor="t" bIns="91425" lIns="91425" spcFirstLastPara="1" rIns="91425" wrap="square" tIns="91425">
+          <a:bodyPr spcFirstLastPara="1" wrap="square" lIns="91425" tIns="91425" rIns="91425" bIns="91425" anchor="t" anchorCtr="0">
             <a:normAutofit fontScale="90000"/>
           </a:bodyPr>
           <a:lstStyle/>
           <a:p>
-            <a:pPr indent="0" lvl="0" marL="0" rtl="0" algn="l">
+            <a:pPr marL="0" lvl="0" indent="0" algn="l" rtl="0">
               <a:spcBef>
                 <a:spcPts val="0"/>
               </a:spcBef>
@@ -9672,9 +9780,11 @@
       <p:sp>
         <p:nvSpPr>
           <p:cNvPr id="171" name="Google Shape;171;p26"/>
-          <p:cNvSpPr txBox="1"/>
+          <p:cNvSpPr txBox="1">
+            <a:spLocks noGrp="1"/>
+          </p:cNvSpPr>
           <p:nvPr>
-            <p:ph idx="1" type="body"/>
+            <p:ph type="body" idx="1"/>
           </p:nvPr>
         </p:nvSpPr>
         <p:spPr>
@@ -9687,28 +9797,28 @@
           </a:prstGeom>
         </p:spPr>
         <p:txBody>
-          <a:bodyPr anchorCtr="0" anchor="t" bIns="91425" lIns="91425" spcFirstLastPara="1" rIns="91425" wrap="square" tIns="91425">
+          <a:bodyPr spcFirstLastPara="1" wrap="square" lIns="91425" tIns="91425" rIns="91425" bIns="91425" anchor="t" anchorCtr="0">
             <a:normAutofit/>
           </a:bodyPr>
           <a:lstStyle/>
           <a:p>
-            <a:pPr indent="0" lvl="0" marL="0" rtl="0" algn="l">
-              <a:spcBef>
-                <a:spcPts val="0"/>
-              </a:spcBef>
-              <a:spcAft>
-                <a:spcPts val="0"/>
-              </a:spcAft>
-              <a:buNone/>
-            </a:pPr>
-            <a:r>
-              <a:rPr b="1" lang="en-GB"/>
+            <a:pPr marL="0" lvl="0" indent="0" algn="l" rtl="0">
+              <a:spcBef>
+                <a:spcPts val="0"/>
+              </a:spcBef>
+              <a:spcAft>
+                <a:spcPts val="0"/>
+              </a:spcAft>
+              <a:buNone/>
+            </a:pPr>
+            <a:r>
+              <a:rPr lang="en-GB" b="1"/>
               <a:t>Model Results Visualisations </a:t>
             </a:r>
             <a:endParaRPr b="1"/>
           </a:p>
           <a:p>
-            <a:pPr indent="0" lvl="0" marL="0" rtl="0" algn="l">
+            <a:pPr marL="0" lvl="0" indent="0" algn="l" rtl="0">
               <a:spcBef>
                 <a:spcPts val="1200"/>
               </a:spcBef>
@@ -9718,17 +9828,13 @@
               <a:buNone/>
             </a:pPr>
             <a:r>
-              <a:rPr b="1" lang="en-GB"/>
-              <a:t>(HIGH Alerts) </a:t>
-            </a:r>
-            <a:r>
-              <a:rPr b="1" lang="en-GB"/>
-              <a:t>(Train Data)</a:t>
+              <a:rPr lang="en-GB" b="1"/>
+              <a:t>(HIGH Alerts) (Train Data)</a:t>
             </a:r>
             <a:endParaRPr b="1"/>
           </a:p>
           <a:p>
-            <a:pPr indent="0" lvl="0" marL="0" rtl="0" algn="l">
+            <a:pPr marL="0" lvl="0" indent="0" algn="l" rtl="0">
               <a:lnSpc>
                 <a:spcPct val="100000"/>
               </a:lnSpc>
@@ -9747,7 +9853,7 @@
             <a:endParaRPr sz="800"/>
           </a:p>
           <a:p>
-            <a:pPr indent="0" lvl="0" marL="0" rtl="0" algn="l">
+            <a:pPr marL="0" lvl="0" indent="0" algn="l" rtl="0">
               <a:lnSpc>
                 <a:spcPct val="100000"/>
               </a:lnSpc>
@@ -9766,7 +9872,7 @@
             <a:endParaRPr sz="800"/>
           </a:p>
           <a:p>
-            <a:pPr indent="0" lvl="0" marL="0" rtl="0" algn="l">
+            <a:pPr marL="0" lvl="0" indent="0" algn="l" rtl="0">
               <a:lnSpc>
                 <a:spcPct val="100000"/>
               </a:lnSpc>
@@ -9778,13 +9884,10 @@
               </a:spcAft>
               <a:buNone/>
             </a:pPr>
-            <a:r>
-              <a:t/>
-            </a:r>
             <a:endParaRPr sz="800"/>
           </a:p>
           <a:p>
-            <a:pPr indent="0" lvl="0" marL="0" rtl="0" algn="l">
+            <a:pPr marL="0" lvl="0" indent="0" algn="l" rtl="0">
               <a:lnSpc>
                 <a:spcPct val="100000"/>
               </a:lnSpc>
@@ -9803,7 +9906,7 @@
             <a:endParaRPr sz="800"/>
           </a:p>
           <a:p>
-            <a:pPr indent="0" lvl="0" marL="0" rtl="0" algn="l">
+            <a:pPr marL="0" lvl="0" indent="0" algn="l" rtl="0">
               <a:lnSpc>
                 <a:spcPct val="100000"/>
               </a:lnSpc>
@@ -9833,7 +9936,7 @@
           <a:blip r:embed="rId3">
             <a:alphaModFix/>
           </a:blip>
-          <a:srcRect b="27462" l="0" r="0" t="0"/>
+          <a:srcRect b="27462"/>
           <a:stretch/>
         </p:blipFill>
         <p:spPr>
@@ -9859,11 +9962,11 @@
 </file>
 
 <file path=ppt/slides/slide15.xml><?xml version="1.0" encoding="utf-8"?>
-<p:sld xmlns:a="http://schemas.openxmlformats.org/drawingml/2006/main" xmlns:r="http://schemas.openxmlformats.org/officeDocument/2006/relationships" xmlns:mc="http://schemas.openxmlformats.org/markup-compatibility/2006" xmlns:mv="urn:schemas-microsoft-com:mac:vml" xmlns:p="http://schemas.openxmlformats.org/presentationml/2006/main" xmlns:c="http://schemas.openxmlformats.org/drawingml/2006/chart" xmlns:dgm="http://schemas.openxmlformats.org/drawingml/2006/diagram" xmlns:o="urn:schemas-microsoft-com:office:office" xmlns:v="urn:schemas-microsoft-com:vml" xmlns:pvml="urn:schemas-microsoft-com:office:powerpoint" xmlns:com="http://schemas.openxmlformats.org/drawingml/2006/compatibility" xmlns:p14="http://schemas.microsoft.com/office/powerpoint/2010/main" xmlns:p15="http://schemas.microsoft.com/office/powerpoint/2012/main" xmlns:ahyp="http://schemas.microsoft.com/office/drawing/2018/hyperlinkcolor">
+<p:sld xmlns:a="http://schemas.openxmlformats.org/drawingml/2006/main" xmlns:r="http://schemas.openxmlformats.org/officeDocument/2006/relationships" xmlns:p="http://schemas.openxmlformats.org/presentationml/2006/main">
   <p:cSld>
     <p:spTree>
       <p:nvGrpSpPr>
-        <p:cNvPr id="176" name="Shape 176"/>
+        <p:cNvPr id="1" name="Shape 176"/>
         <p:cNvGrpSpPr/>
         <p:nvPr/>
       </p:nvGrpSpPr>
@@ -9878,7 +9981,9 @@
       <p:sp>
         <p:nvSpPr>
           <p:cNvPr id="177" name="Google Shape;177;p27"/>
-          <p:cNvSpPr txBox="1"/>
+          <p:cNvSpPr txBox="1">
+            <a:spLocks noGrp="1"/>
+          </p:cNvSpPr>
           <p:nvPr>
             <p:ph type="title"/>
           </p:nvPr>
@@ -9893,12 +9998,12 @@
           </a:prstGeom>
         </p:spPr>
         <p:txBody>
-          <a:bodyPr anchorCtr="0" anchor="t" bIns="91425" lIns="91425" spcFirstLastPara="1" rIns="91425" wrap="square" tIns="91425">
+          <a:bodyPr spcFirstLastPara="1" wrap="square" lIns="91425" tIns="91425" rIns="91425" bIns="91425" anchor="t" anchorCtr="0">
             <a:normAutofit fontScale="90000"/>
           </a:bodyPr>
           <a:lstStyle/>
           <a:p>
-            <a:pPr indent="0" lvl="0" marL="0" rtl="0" algn="l">
+            <a:pPr marL="0" lvl="0" indent="0" algn="l" rtl="0">
               <a:spcBef>
                 <a:spcPts val="0"/>
               </a:spcBef>
@@ -9918,9 +10023,11 @@
       <p:sp>
         <p:nvSpPr>
           <p:cNvPr id="178" name="Google Shape;178;p27"/>
-          <p:cNvSpPr txBox="1"/>
+          <p:cNvSpPr txBox="1">
+            <a:spLocks noGrp="1"/>
+          </p:cNvSpPr>
           <p:nvPr>
-            <p:ph idx="1" type="body"/>
+            <p:ph type="body" idx="1"/>
           </p:nvPr>
         </p:nvSpPr>
         <p:spPr>
@@ -9933,28 +10040,28 @@
           </a:prstGeom>
         </p:spPr>
         <p:txBody>
-          <a:bodyPr anchorCtr="0" anchor="t" bIns="91425" lIns="91425" spcFirstLastPara="1" rIns="91425" wrap="square" tIns="91425">
+          <a:bodyPr spcFirstLastPara="1" wrap="square" lIns="91425" tIns="91425" rIns="91425" bIns="91425" anchor="t" anchorCtr="0">
             <a:normAutofit/>
           </a:bodyPr>
           <a:lstStyle/>
           <a:p>
-            <a:pPr indent="0" lvl="0" marL="0" rtl="0" algn="l">
-              <a:spcBef>
-                <a:spcPts val="0"/>
-              </a:spcBef>
-              <a:spcAft>
-                <a:spcPts val="0"/>
-              </a:spcAft>
-              <a:buNone/>
-            </a:pPr>
-            <a:r>
-              <a:rPr b="1" lang="en-GB"/>
+            <a:pPr marL="0" lvl="0" indent="0" algn="l" rtl="0">
+              <a:spcBef>
+                <a:spcPts val="0"/>
+              </a:spcBef>
+              <a:spcAft>
+                <a:spcPts val="0"/>
+              </a:spcAft>
+              <a:buNone/>
+            </a:pPr>
+            <a:r>
+              <a:rPr lang="en-GB" b="1"/>
               <a:t>Model Results Visualisations </a:t>
             </a:r>
             <a:endParaRPr b="1"/>
           </a:p>
           <a:p>
-            <a:pPr indent="0" lvl="0" marL="0" rtl="0" algn="l">
+            <a:pPr marL="0" lvl="0" indent="0" algn="l" rtl="0">
               <a:spcBef>
                 <a:spcPts val="1200"/>
               </a:spcBef>
@@ -9964,17 +10071,13 @@
               <a:buNone/>
             </a:pPr>
             <a:r>
-              <a:rPr b="1" lang="en-GB"/>
-              <a:t>(SIGMA Alerts) </a:t>
-            </a:r>
-            <a:r>
-              <a:rPr b="1" lang="en-GB"/>
-              <a:t> (Train Data)</a:t>
+              <a:rPr lang="en-GB" b="1"/>
+              <a:t>(SIGMA Alerts)  (Train Data)</a:t>
             </a:r>
             <a:endParaRPr b="1"/>
           </a:p>
           <a:p>
-            <a:pPr indent="0" lvl="0" marL="0" rtl="0" algn="l">
+            <a:pPr marL="0" lvl="0" indent="0" algn="l" rtl="0">
               <a:lnSpc>
                 <a:spcPct val="100000"/>
               </a:lnSpc>
@@ -9993,7 +10096,7 @@
             <a:endParaRPr sz="800"/>
           </a:p>
           <a:p>
-            <a:pPr indent="0" lvl="0" marL="0" rtl="0" algn="l">
+            <a:pPr marL="0" lvl="0" indent="0" algn="l" rtl="0">
               <a:lnSpc>
                 <a:spcPct val="100000"/>
               </a:lnSpc>
@@ -10012,7 +10115,7 @@
             <a:endParaRPr sz="800"/>
           </a:p>
           <a:p>
-            <a:pPr indent="0" lvl="0" marL="0" rtl="0" algn="l">
+            <a:pPr marL="0" lvl="0" indent="0" algn="l" rtl="0">
               <a:lnSpc>
                 <a:spcPct val="100000"/>
               </a:lnSpc>
@@ -10024,13 +10127,10 @@
               </a:spcAft>
               <a:buNone/>
             </a:pPr>
-            <a:r>
-              <a:t/>
-            </a:r>
             <a:endParaRPr sz="800"/>
           </a:p>
           <a:p>
-            <a:pPr indent="0" lvl="0" marL="0" rtl="0" algn="l">
+            <a:pPr marL="0" lvl="0" indent="0" algn="l" rtl="0">
               <a:lnSpc>
                 <a:spcPct val="100000"/>
               </a:lnSpc>
@@ -10049,7 +10149,7 @@
             <a:endParaRPr sz="800"/>
           </a:p>
           <a:p>
-            <a:pPr indent="0" lvl="0" marL="0" rtl="0" algn="l">
+            <a:pPr marL="0" lvl="0" indent="0" algn="l" rtl="0">
               <a:lnSpc>
                 <a:spcPct val="100000"/>
               </a:lnSpc>
@@ -10079,7 +10179,7 @@
           <a:blip r:embed="rId3">
             <a:alphaModFix/>
           </a:blip>
-          <a:srcRect b="26943" l="0" r="0" t="0"/>
+          <a:srcRect b="26943"/>
           <a:stretch/>
         </p:blipFill>
         <p:spPr>
@@ -10105,11 +10205,11 @@
 </file>
 
 <file path=ppt/slides/slide2.xml><?xml version="1.0" encoding="utf-8"?>
-<p:sld xmlns:a="http://schemas.openxmlformats.org/drawingml/2006/main" xmlns:r="http://schemas.openxmlformats.org/officeDocument/2006/relationships" xmlns:mc="http://schemas.openxmlformats.org/markup-compatibility/2006" xmlns:mv="urn:schemas-microsoft-com:mac:vml" xmlns:p="http://schemas.openxmlformats.org/presentationml/2006/main" xmlns:c="http://schemas.openxmlformats.org/drawingml/2006/chart" xmlns:dgm="http://schemas.openxmlformats.org/drawingml/2006/diagram" xmlns:o="urn:schemas-microsoft-com:office:office" xmlns:v="urn:schemas-microsoft-com:vml" xmlns:pvml="urn:schemas-microsoft-com:office:powerpoint" xmlns:com="http://schemas.openxmlformats.org/drawingml/2006/compatibility" xmlns:p14="http://schemas.microsoft.com/office/powerpoint/2010/main" xmlns:p15="http://schemas.microsoft.com/office/powerpoint/2012/main" xmlns:ahyp="http://schemas.microsoft.com/office/drawing/2018/hyperlinkcolor">
+<p:sld xmlns:a="http://schemas.openxmlformats.org/drawingml/2006/main" xmlns:r="http://schemas.openxmlformats.org/officeDocument/2006/relationships" xmlns:p="http://schemas.openxmlformats.org/presentationml/2006/main">
   <p:cSld>
     <p:spTree>
       <p:nvGrpSpPr>
-        <p:cNvPr id="91" name="Shape 91"/>
+        <p:cNvPr id="1" name="Shape 91"/>
         <p:cNvGrpSpPr/>
         <p:nvPr/>
       </p:nvGrpSpPr>
@@ -10124,7 +10224,9 @@
       <p:sp>
         <p:nvSpPr>
           <p:cNvPr id="92" name="Google Shape;92;p14"/>
-          <p:cNvSpPr txBox="1"/>
+          <p:cNvSpPr txBox="1">
+            <a:spLocks noGrp="1"/>
+          </p:cNvSpPr>
           <p:nvPr>
             <p:ph type="title"/>
           </p:nvPr>
@@ -10139,12 +10241,12 @@
           </a:prstGeom>
         </p:spPr>
         <p:txBody>
-          <a:bodyPr anchorCtr="0" anchor="t" bIns="91425" lIns="91425" spcFirstLastPara="1" rIns="91425" wrap="square" tIns="91425">
+          <a:bodyPr spcFirstLastPara="1" wrap="square" lIns="91425" tIns="91425" rIns="91425" bIns="91425" anchor="t" anchorCtr="0">
             <a:normAutofit fontScale="90000"/>
           </a:bodyPr>
           <a:lstStyle/>
           <a:p>
-            <a:pPr indent="0" lvl="0" marL="0" rtl="0" algn="l">
+            <a:pPr marL="0" lvl="0" indent="0" algn="l" rtl="0">
               <a:spcBef>
                 <a:spcPts val="0"/>
               </a:spcBef>
@@ -10164,9 +10266,11 @@
       <p:sp>
         <p:nvSpPr>
           <p:cNvPr id="93" name="Google Shape;93;p14"/>
-          <p:cNvSpPr txBox="1"/>
+          <p:cNvSpPr txBox="1">
+            <a:spLocks noGrp="1"/>
+          </p:cNvSpPr>
           <p:nvPr>
-            <p:ph idx="1" type="body"/>
+            <p:ph type="body" idx="1"/>
           </p:nvPr>
         </p:nvSpPr>
         <p:spPr>
@@ -10179,12 +10283,12 @@
           </a:prstGeom>
         </p:spPr>
         <p:txBody>
-          <a:bodyPr anchorCtr="0" anchor="t" bIns="91425" lIns="91425" spcFirstLastPara="1" rIns="91425" wrap="square" tIns="91425">
+          <a:bodyPr spcFirstLastPara="1" wrap="square" lIns="91425" tIns="91425" rIns="91425" bIns="91425" anchor="t" anchorCtr="0">
             <a:normAutofit/>
           </a:bodyPr>
           <a:lstStyle/>
           <a:p>
-            <a:pPr indent="0" lvl="0" marL="0" rtl="0" algn="l">
+            <a:pPr marL="0" lvl="0" indent="0" algn="l" rtl="0">
               <a:spcBef>
                 <a:spcPts val="0"/>
               </a:spcBef>
@@ -10198,7 +10302,7 @@
               <a:t>This </a:t>
             </a:r>
             <a:r>
-              <a:rPr b="1" lang="en-GB"/>
+              <a:rPr lang="en-GB" b="1"/>
               <a:t>Regression Model</a:t>
             </a:r>
             <a:r>
@@ -10206,7 +10310,7 @@
               <a:t> is formulated in such a way that: Our goal is to </a:t>
             </a:r>
             <a:r>
-              <a:rPr b="1" lang="en-GB"/>
+              <a:rPr lang="en-GB" b="1"/>
               <a:t>predict</a:t>
             </a:r>
             <a:r>
@@ -10214,7 +10318,7 @@
               <a:t> the </a:t>
             </a:r>
             <a:r>
-              <a:rPr b="1" lang="en-GB"/>
+              <a:rPr lang="en-GB" b="1"/>
               <a:t>time until the next alert</a:t>
             </a:r>
             <a:r>
@@ -10222,7 +10326,7 @@
               <a:t> (LOW, MEDIUM, HIGH, or SIGMA) on the </a:t>
             </a:r>
             <a:r>
-              <a:rPr b="1" lang="en-GB"/>
+              <a:rPr lang="en-GB" b="1"/>
               <a:t>HTOL machines</a:t>
             </a:r>
             <a:r>
@@ -10232,7 +10336,7 @@
             <a:endParaRPr/>
           </a:p>
           <a:p>
-            <a:pPr indent="0" lvl="0" marL="0" rtl="0" algn="l">
+            <a:pPr marL="0" lvl="0" indent="0" algn="l" rtl="0">
               <a:spcBef>
                 <a:spcPts val="1200"/>
               </a:spcBef>
@@ -10242,13 +10346,13 @@
               <a:buNone/>
             </a:pPr>
             <a:r>
-              <a:rPr b="1" lang="en-GB"/>
+              <a:rPr lang="en-GB" b="1"/>
               <a:t>How the Model Works:</a:t>
             </a:r>
             <a:endParaRPr b="1"/>
           </a:p>
           <a:p>
-            <a:pPr indent="-311150" lvl="0" marL="457200" rtl="0" algn="l">
+            <a:pPr marL="457200" lvl="0" indent="-311150" algn="l" rtl="0">
               <a:spcBef>
                 <a:spcPts val="1200"/>
               </a:spcBef>
@@ -10259,7 +10363,7 @@
               <a:buChar char="●"/>
             </a:pPr>
             <a:r>
-              <a:rPr b="1" lang="en-GB"/>
+              <a:rPr lang="en-GB" b="1"/>
               <a:t>Data Preparation</a:t>
             </a:r>
             <a:r>
@@ -10269,7 +10373,7 @@
             <a:endParaRPr/>
           </a:p>
           <a:p>
-            <a:pPr indent="-298450" lvl="1" marL="914400" rtl="0" algn="l">
+            <a:pPr marL="914400" lvl="1" indent="-298450" algn="l" rtl="0">
               <a:spcBef>
                 <a:spcPts val="0"/>
               </a:spcBef>
@@ -10280,7 +10384,7 @@
               <a:buAutoNum type="alphaLcPeriod"/>
             </a:pPr>
             <a:r>
-              <a:rPr b="1" lang="en-GB"/>
+              <a:rPr lang="en-GB" b="1"/>
               <a:t>Time-based features</a:t>
             </a:r>
             <a:r>
@@ -10290,7 +10394,7 @@
             <a:endParaRPr/>
           </a:p>
           <a:p>
-            <a:pPr indent="-298450" lvl="1" marL="914400" rtl="0" algn="l">
+            <a:pPr marL="914400" lvl="1" indent="-298450" algn="l" rtl="0">
               <a:spcBef>
                 <a:spcPts val="0"/>
               </a:spcBef>
@@ -10301,7 +10405,7 @@
               <a:buAutoNum type="alphaLcPeriod"/>
             </a:pPr>
             <a:r>
-              <a:rPr b="1" lang="en-GB"/>
+              <a:rPr lang="en-GB" b="1"/>
               <a:t>Rolling statistics</a:t>
             </a:r>
             <a:r>
@@ -10311,7 +10415,7 @@
             <a:endParaRPr/>
           </a:p>
           <a:p>
-            <a:pPr indent="-298450" lvl="1" marL="914400" rtl="0" algn="l">
+            <a:pPr marL="914400" lvl="1" indent="-298450" algn="l" rtl="0">
               <a:spcBef>
                 <a:spcPts val="0"/>
               </a:spcBef>
@@ -10322,7 +10426,7 @@
               <a:buAutoNum type="alphaLcPeriod"/>
             </a:pPr>
             <a:r>
-              <a:rPr b="1" lang="en-GB"/>
+              <a:rPr lang="en-GB" b="1"/>
               <a:t>Time since last alert</a:t>
             </a:r>
             <a:r>
@@ -10332,7 +10436,7 @@
             <a:endParaRPr/>
           </a:p>
           <a:p>
-            <a:pPr indent="0" lvl="0" marL="0" rtl="0" algn="l">
+            <a:pPr marL="0" lvl="0" indent="0" algn="l" rtl="0">
               <a:spcBef>
                 <a:spcPts val="1200"/>
               </a:spcBef>
@@ -10341,9 +10445,6 @@
               </a:spcAft>
               <a:buNone/>
             </a:pPr>
-            <a:r>
-              <a:t/>
-            </a:r>
             <a:endParaRPr/>
           </a:p>
         </p:txBody>
@@ -10357,11 +10458,11 @@
 </file>
 
 <file path=ppt/slides/slide3.xml><?xml version="1.0" encoding="utf-8"?>
-<p:sld xmlns:a="http://schemas.openxmlformats.org/drawingml/2006/main" xmlns:r="http://schemas.openxmlformats.org/officeDocument/2006/relationships" xmlns:mc="http://schemas.openxmlformats.org/markup-compatibility/2006" xmlns:mv="urn:schemas-microsoft-com:mac:vml" xmlns:p="http://schemas.openxmlformats.org/presentationml/2006/main" xmlns:c="http://schemas.openxmlformats.org/drawingml/2006/chart" xmlns:dgm="http://schemas.openxmlformats.org/drawingml/2006/diagram" xmlns:o="urn:schemas-microsoft-com:office:office" xmlns:v="urn:schemas-microsoft-com:vml" xmlns:pvml="urn:schemas-microsoft-com:office:powerpoint" xmlns:com="http://schemas.openxmlformats.org/drawingml/2006/compatibility" xmlns:p14="http://schemas.microsoft.com/office/powerpoint/2010/main" xmlns:p15="http://schemas.microsoft.com/office/powerpoint/2012/main" xmlns:ahyp="http://schemas.microsoft.com/office/drawing/2018/hyperlinkcolor">
+<p:sld xmlns:a="http://schemas.openxmlformats.org/drawingml/2006/main" xmlns:r="http://schemas.openxmlformats.org/officeDocument/2006/relationships" xmlns:p="http://schemas.openxmlformats.org/presentationml/2006/main">
   <p:cSld>
     <p:spTree>
       <p:nvGrpSpPr>
-        <p:cNvPr id="97" name="Shape 97"/>
+        <p:cNvPr id="1" name="Shape 97"/>
         <p:cNvGrpSpPr/>
         <p:nvPr/>
       </p:nvGrpSpPr>
@@ -10376,7 +10477,9 @@
       <p:sp>
         <p:nvSpPr>
           <p:cNvPr id="98" name="Google Shape;98;p15"/>
-          <p:cNvSpPr txBox="1"/>
+          <p:cNvSpPr txBox="1">
+            <a:spLocks noGrp="1"/>
+          </p:cNvSpPr>
           <p:nvPr>
             <p:ph type="title"/>
           </p:nvPr>
@@ -10391,12 +10494,12 @@
           </a:prstGeom>
         </p:spPr>
         <p:txBody>
-          <a:bodyPr anchorCtr="0" anchor="t" bIns="91425" lIns="91425" spcFirstLastPara="1" rIns="91425" wrap="square" tIns="91425">
+          <a:bodyPr spcFirstLastPara="1" wrap="square" lIns="91425" tIns="91425" rIns="91425" bIns="91425" anchor="t" anchorCtr="0">
             <a:normAutofit fontScale="90000"/>
           </a:bodyPr>
           <a:lstStyle/>
           <a:p>
-            <a:pPr indent="0" lvl="0" marL="0" rtl="0" algn="l">
+            <a:pPr marL="0" lvl="0" indent="0" algn="l" rtl="0">
               <a:spcBef>
                 <a:spcPts val="0"/>
               </a:spcBef>
@@ -10416,9 +10519,11 @@
       <p:sp>
         <p:nvSpPr>
           <p:cNvPr id="99" name="Google Shape;99;p15"/>
-          <p:cNvSpPr txBox="1"/>
+          <p:cNvSpPr txBox="1">
+            <a:spLocks noGrp="1"/>
+          </p:cNvSpPr>
           <p:nvPr>
-            <p:ph idx="1" type="body"/>
+            <p:ph type="body" idx="1"/>
           </p:nvPr>
         </p:nvSpPr>
         <p:spPr>
@@ -10431,28 +10536,28 @@
           </a:prstGeom>
         </p:spPr>
         <p:txBody>
-          <a:bodyPr anchorCtr="0" anchor="t" bIns="91425" lIns="91425" spcFirstLastPara="1" rIns="91425" wrap="square" tIns="91425">
+          <a:bodyPr spcFirstLastPara="1" wrap="square" lIns="91425" tIns="91425" rIns="91425" bIns="91425" anchor="t" anchorCtr="0">
             <a:normAutofit/>
           </a:bodyPr>
           <a:lstStyle/>
           <a:p>
-            <a:pPr indent="0" lvl="0" marL="0" rtl="0" algn="l">
-              <a:spcBef>
-                <a:spcPts val="0"/>
-              </a:spcBef>
-              <a:spcAft>
-                <a:spcPts val="0"/>
-              </a:spcAft>
-              <a:buNone/>
-            </a:pPr>
-            <a:r>
-              <a:rPr b="1" lang="en-GB"/>
+            <a:pPr marL="0" lvl="0" indent="0" algn="l" rtl="0">
+              <a:spcBef>
+                <a:spcPts val="0"/>
+              </a:spcBef>
+              <a:spcAft>
+                <a:spcPts val="0"/>
+              </a:spcAft>
+              <a:buNone/>
+            </a:pPr>
+            <a:r>
+              <a:rPr lang="en-GB" b="1" dirty="0"/>
               <a:t>How the Model Works:</a:t>
             </a:r>
-            <a:endParaRPr b="1"/>
-          </a:p>
-          <a:p>
-            <a:pPr indent="-311150" lvl="0" marL="457200" rtl="0" algn="l">
+            <a:endParaRPr b="1" dirty="0"/>
+          </a:p>
+          <a:p>
+            <a:pPr marL="457200" lvl="0" indent="-311150" algn="l" rtl="0">
               <a:spcBef>
                 <a:spcPts val="1200"/>
               </a:spcBef>
@@ -10463,17 +10568,17 @@
               <a:buChar char="●"/>
             </a:pPr>
             <a:r>
-              <a:rPr b="1" lang="en-GB"/>
+              <a:rPr lang="en-GB" b="1" dirty="0"/>
               <a:t>Model Training</a:t>
             </a:r>
             <a:r>
-              <a:rPr lang="en-GB"/>
+              <a:rPr lang="en-GB" dirty="0"/>
               <a:t>: We use a machine learning algorithm called a Random Forest Regressor. </a:t>
             </a:r>
-            <a:endParaRPr/>
-          </a:p>
-          <a:p>
-            <a:pPr indent="-298450" lvl="1" marL="914400" rtl="0" algn="l">
+            <a:endParaRPr dirty="0"/>
+          </a:p>
+          <a:p>
+            <a:pPr marL="914400" lvl="1" indent="-298450" algn="l" rtl="0">
               <a:spcBef>
                 <a:spcPts val="0"/>
               </a:spcBef>
@@ -10484,13 +10589,13 @@
               <a:buChar char="○"/>
             </a:pPr>
             <a:r>
-              <a:rPr lang="en-GB"/>
+              <a:rPr lang="en-GB" dirty="0"/>
               <a:t>This algorithm learns the relationships between the features we engineered (time-based features, rolling statistics, etc.) and the actual time until the next alert. </a:t>
             </a:r>
-            <a:endParaRPr/>
-          </a:p>
-          <a:p>
-            <a:pPr indent="-298450" lvl="1" marL="914400" rtl="0" algn="l">
+            <a:endParaRPr dirty="0"/>
+          </a:p>
+          <a:p>
+            <a:pPr marL="914400" lvl="1" indent="-298450" algn="l" rtl="0">
               <a:spcBef>
                 <a:spcPts val="0"/>
               </a:spcBef>
@@ -10501,13 +10606,13 @@
               <a:buChar char="○"/>
             </a:pPr>
             <a:r>
-              <a:rPr lang="en-GB"/>
+              <a:rPr lang="en-GB" dirty="0"/>
               <a:t>It's like showing the model many examples of past alerts and their preceding conditions so it can learn to recognize patterns.</a:t>
             </a:r>
-            <a:endParaRPr/>
-          </a:p>
-          <a:p>
-            <a:pPr indent="-311150" lvl="0" marL="457200" rtl="0" algn="l">
+            <a:endParaRPr dirty="0"/>
+          </a:p>
+          <a:p>
+            <a:pPr marL="457200" lvl="0" indent="-311150" algn="l" rtl="0">
               <a:spcBef>
                 <a:spcPts val="0"/>
               </a:spcBef>
@@ -10518,14 +10623,14 @@
               <a:buChar char="●"/>
             </a:pPr>
             <a:r>
-              <a:rPr b="1" lang="en-GB"/>
+              <a:rPr lang="en-GB" b="1" dirty="0"/>
               <a:t>Prediction</a:t>
             </a:r>
             <a:r>
-              <a:rPr lang="en-GB"/>
-              <a:t>:  Once the model is trained, we can feed it the current data from your machines. The model then predicts how many days are left until the next alert of each type (LOW, MEDIUM, HIGH, SIGMA).</a:t>
-            </a:r>
-            <a:endParaRPr/>
+              <a:rPr lang="en-GB" dirty="0"/>
+              <a:t>:  Once the model is trained, we can feed it the current data from the machines. The model then predicts how many days are left until the next alert of each type (LOW, MEDIUM, HIGH, SIGMA).</a:t>
+            </a:r>
+            <a:endParaRPr dirty="0"/>
           </a:p>
         </p:txBody>
       </p:sp>
@@ -10538,11 +10643,11 @@
 </file>
 
 <file path=ppt/slides/slide4.xml><?xml version="1.0" encoding="utf-8"?>
-<p:sld xmlns:a="http://schemas.openxmlformats.org/drawingml/2006/main" xmlns:r="http://schemas.openxmlformats.org/officeDocument/2006/relationships" xmlns:mc="http://schemas.openxmlformats.org/markup-compatibility/2006" xmlns:mv="urn:schemas-microsoft-com:mac:vml" xmlns:p="http://schemas.openxmlformats.org/presentationml/2006/main" xmlns:c="http://schemas.openxmlformats.org/drawingml/2006/chart" xmlns:dgm="http://schemas.openxmlformats.org/drawingml/2006/diagram" xmlns:o="urn:schemas-microsoft-com:office:office" xmlns:v="urn:schemas-microsoft-com:vml" xmlns:pvml="urn:schemas-microsoft-com:office:powerpoint" xmlns:com="http://schemas.openxmlformats.org/drawingml/2006/compatibility" xmlns:p14="http://schemas.microsoft.com/office/powerpoint/2010/main" xmlns:p15="http://schemas.microsoft.com/office/powerpoint/2012/main" xmlns:ahyp="http://schemas.microsoft.com/office/drawing/2018/hyperlinkcolor">
+<p:sld xmlns:a="http://schemas.openxmlformats.org/drawingml/2006/main" xmlns:r="http://schemas.openxmlformats.org/officeDocument/2006/relationships" xmlns:p="http://schemas.openxmlformats.org/presentationml/2006/main">
   <p:cSld>
     <p:spTree>
       <p:nvGrpSpPr>
-        <p:cNvPr id="103" name="Shape 103"/>
+        <p:cNvPr id="1" name="Shape 103"/>
         <p:cNvGrpSpPr/>
         <p:nvPr/>
       </p:nvGrpSpPr>
@@ -10557,7 +10662,9 @@
       <p:sp>
         <p:nvSpPr>
           <p:cNvPr id="104" name="Google Shape;104;p16"/>
-          <p:cNvSpPr txBox="1"/>
+          <p:cNvSpPr txBox="1">
+            <a:spLocks noGrp="1"/>
+          </p:cNvSpPr>
           <p:nvPr>
             <p:ph type="title"/>
           </p:nvPr>
@@ -10572,12 +10679,12 @@
           </a:prstGeom>
         </p:spPr>
         <p:txBody>
-          <a:bodyPr anchorCtr="0" anchor="t" bIns="91425" lIns="91425" spcFirstLastPara="1" rIns="91425" wrap="square" tIns="91425">
+          <a:bodyPr spcFirstLastPara="1" wrap="square" lIns="91425" tIns="91425" rIns="91425" bIns="91425" anchor="t" anchorCtr="0">
             <a:normAutofit fontScale="90000"/>
           </a:bodyPr>
           <a:lstStyle/>
           <a:p>
-            <a:pPr indent="0" lvl="0" marL="0" rtl="0" algn="l">
+            <a:pPr marL="0" lvl="0" indent="0" algn="l" rtl="0">
               <a:spcBef>
                 <a:spcPts val="0"/>
               </a:spcBef>
@@ -10597,9 +10704,11 @@
       <p:sp>
         <p:nvSpPr>
           <p:cNvPr id="105" name="Google Shape;105;p16"/>
-          <p:cNvSpPr txBox="1"/>
+          <p:cNvSpPr txBox="1">
+            <a:spLocks noGrp="1"/>
+          </p:cNvSpPr>
           <p:nvPr>
-            <p:ph idx="1" type="body"/>
+            <p:ph type="body" idx="1"/>
           </p:nvPr>
         </p:nvSpPr>
         <p:spPr>
@@ -10612,32 +10721,28 @@
           </a:prstGeom>
         </p:spPr>
         <p:txBody>
-          <a:bodyPr anchorCtr="0" anchor="t" bIns="91425" lIns="91425" spcFirstLastPara="1" rIns="91425" wrap="square" tIns="91425">
+          <a:bodyPr spcFirstLastPara="1" wrap="square" lIns="91425" tIns="91425" rIns="91425" bIns="91425" anchor="t" anchorCtr="0">
             <a:normAutofit/>
           </a:bodyPr>
           <a:lstStyle/>
           <a:p>
-            <a:pPr indent="0" lvl="0" marL="0" rtl="0" algn="l">
-              <a:spcBef>
-                <a:spcPts val="0"/>
-              </a:spcBef>
-              <a:spcAft>
-                <a:spcPts val="0"/>
-              </a:spcAft>
-              <a:buNone/>
-            </a:pPr>
-            <a:r>
-              <a:rPr b="1" lang="en-GB"/>
-              <a:t>Interpreting</a:t>
-            </a:r>
-            <a:r>
-              <a:rPr b="1" lang="en-GB"/>
-              <a:t> the Results</a:t>
+            <a:pPr marL="0" lvl="0" indent="0" algn="l" rtl="0">
+              <a:spcBef>
+                <a:spcPts val="0"/>
+              </a:spcBef>
+              <a:spcAft>
+                <a:spcPts val="0"/>
+              </a:spcAft>
+              <a:buNone/>
+            </a:pPr>
+            <a:r>
+              <a:rPr lang="en-GB" b="1"/>
+              <a:t>Interpreting the Results</a:t>
             </a:r>
             <a:endParaRPr b="1"/>
           </a:p>
           <a:p>
-            <a:pPr indent="-311150" lvl="0" marL="457200" rtl="0" algn="l">
+            <a:pPr marL="457200" lvl="0" indent="-311150" algn="l" rtl="0">
               <a:spcBef>
                 <a:spcPts val="1200"/>
               </a:spcBef>
@@ -10648,7 +10753,7 @@
               <a:buChar char="●"/>
             </a:pPr>
             <a:r>
-              <a:rPr b="1" lang="en-GB"/>
+              <a:rPr lang="en-GB" b="1"/>
               <a:t>MAE</a:t>
             </a:r>
             <a:r>
@@ -10656,7 +10761,7 @@
               <a:t> and </a:t>
             </a:r>
             <a:r>
-              <a:rPr b="1" lang="en-GB"/>
+              <a:rPr lang="en-GB" b="1"/>
               <a:t>RMSE</a:t>
             </a:r>
             <a:r>
@@ -10666,7 +10771,7 @@
             <a:endParaRPr/>
           </a:p>
           <a:p>
-            <a:pPr indent="-298450" lvl="1" marL="914400" rtl="0" algn="l">
+            <a:pPr marL="914400" lvl="1" indent="-298450" algn="l" rtl="0">
               <a:spcBef>
                 <a:spcPts val="0"/>
               </a:spcBef>
@@ -10677,7 +10782,7 @@
               <a:buChar char="○"/>
             </a:pPr>
             <a:r>
-              <a:rPr b="1" lang="en-GB"/>
+              <a:rPr lang="en-GB" b="1"/>
               <a:t>MAE (Mean Absolute Error)</a:t>
             </a:r>
             <a:r>
@@ -10687,7 +10792,7 @@
             <a:endParaRPr/>
           </a:p>
           <a:p>
-            <a:pPr indent="-298450" lvl="1" marL="914400" rtl="0" algn="l">
+            <a:pPr marL="914400" lvl="1" indent="-298450" algn="l" rtl="0">
               <a:spcBef>
                 <a:spcPts val="0"/>
               </a:spcBef>
@@ -10698,7 +10803,7 @@
               <a:buChar char="○"/>
             </a:pPr>
             <a:r>
-              <a:rPr b="1" lang="en-GB"/>
+              <a:rPr lang="en-GB" b="1"/>
               <a:t>RMSE (Root Mean Squared Error)</a:t>
             </a:r>
             <a:r>
@@ -10708,7 +10813,7 @@
             <a:endParaRPr/>
           </a:p>
           <a:p>
-            <a:pPr indent="-311150" lvl="0" marL="457200" rtl="0" algn="l">
+            <a:pPr marL="457200" lvl="0" indent="-311150" algn="l" rtl="0">
               <a:spcBef>
                 <a:spcPts val="0"/>
               </a:spcBef>
@@ -10719,7 +10824,7 @@
               <a:buChar char="●"/>
             </a:pPr>
             <a:r>
-              <a:rPr b="1" lang="en-GB"/>
+              <a:rPr lang="en-GB" b="1"/>
               <a:t>Visualizations</a:t>
             </a:r>
             <a:r>
@@ -10729,7 +10834,7 @@
             <a:endParaRPr/>
           </a:p>
           <a:p>
-            <a:pPr indent="-298450" lvl="1" marL="914400" rtl="0" algn="l">
+            <a:pPr marL="914400" lvl="1" indent="-298450" algn="l" rtl="0">
               <a:spcBef>
                 <a:spcPts val="0"/>
               </a:spcBef>
@@ -10746,7 +10851,7 @@
             <a:endParaRPr/>
           </a:p>
           <a:p>
-            <a:pPr indent="-298450" lvl="1" marL="914400" rtl="0" algn="l">
+            <a:pPr marL="914400" lvl="1" indent="-298450" algn="l" rtl="0">
               <a:spcBef>
                 <a:spcPts val="0"/>
               </a:spcBef>
@@ -10763,7 +10868,7 @@
             <a:endParaRPr/>
           </a:p>
           <a:p>
-            <a:pPr indent="0" lvl="0" marL="0" rtl="0" algn="l">
+            <a:pPr marL="0" lvl="0" indent="0" algn="l" rtl="0">
               <a:spcBef>
                 <a:spcPts val="1200"/>
               </a:spcBef>
@@ -10772,9 +10877,6 @@
               </a:spcAft>
               <a:buNone/>
             </a:pPr>
-            <a:r>
-              <a:t/>
-            </a:r>
             <a:endParaRPr b="1"/>
           </a:p>
         </p:txBody>
@@ -10788,11 +10890,11 @@
 </file>
 
 <file path=ppt/slides/slide5.xml><?xml version="1.0" encoding="utf-8"?>
-<p:sld xmlns:a="http://schemas.openxmlformats.org/drawingml/2006/main" xmlns:r="http://schemas.openxmlformats.org/officeDocument/2006/relationships" xmlns:mc="http://schemas.openxmlformats.org/markup-compatibility/2006" xmlns:mv="urn:schemas-microsoft-com:mac:vml" xmlns:p="http://schemas.openxmlformats.org/presentationml/2006/main" xmlns:c="http://schemas.openxmlformats.org/drawingml/2006/chart" xmlns:dgm="http://schemas.openxmlformats.org/drawingml/2006/diagram" xmlns:o="urn:schemas-microsoft-com:office:office" xmlns:v="urn:schemas-microsoft-com:vml" xmlns:pvml="urn:schemas-microsoft-com:office:powerpoint" xmlns:com="http://schemas.openxmlformats.org/drawingml/2006/compatibility" xmlns:p14="http://schemas.microsoft.com/office/powerpoint/2010/main" xmlns:p15="http://schemas.microsoft.com/office/powerpoint/2012/main" xmlns:ahyp="http://schemas.microsoft.com/office/drawing/2018/hyperlinkcolor">
+<p:sld xmlns:a="http://schemas.openxmlformats.org/drawingml/2006/main" xmlns:r="http://schemas.openxmlformats.org/officeDocument/2006/relationships" xmlns:p="http://schemas.openxmlformats.org/presentationml/2006/main">
   <p:cSld>
     <p:spTree>
       <p:nvGrpSpPr>
-        <p:cNvPr id="109" name="Shape 109"/>
+        <p:cNvPr id="1" name="Shape 109"/>
         <p:cNvGrpSpPr/>
         <p:nvPr/>
       </p:nvGrpSpPr>
@@ -10807,7 +10909,9 @@
       <p:sp>
         <p:nvSpPr>
           <p:cNvPr id="110" name="Google Shape;110;p17"/>
-          <p:cNvSpPr txBox="1"/>
+          <p:cNvSpPr txBox="1">
+            <a:spLocks noGrp="1"/>
+          </p:cNvSpPr>
           <p:nvPr>
             <p:ph type="title"/>
           </p:nvPr>
@@ -10822,12 +10926,12 @@
           </a:prstGeom>
         </p:spPr>
         <p:txBody>
-          <a:bodyPr anchorCtr="0" anchor="t" bIns="91425" lIns="91425" spcFirstLastPara="1" rIns="91425" wrap="square" tIns="91425">
+          <a:bodyPr spcFirstLastPara="1" wrap="square" lIns="91425" tIns="91425" rIns="91425" bIns="91425" anchor="t" anchorCtr="0">
             <a:normAutofit fontScale="90000"/>
           </a:bodyPr>
           <a:lstStyle/>
           <a:p>
-            <a:pPr indent="0" lvl="0" marL="0" rtl="0" algn="l">
+            <a:pPr marL="0" lvl="0" indent="0" algn="l" rtl="0">
               <a:spcBef>
                 <a:spcPts val="0"/>
               </a:spcBef>
@@ -10847,9 +10951,11 @@
       <p:sp>
         <p:nvSpPr>
           <p:cNvPr id="111" name="Google Shape;111;p17"/>
-          <p:cNvSpPr txBox="1"/>
+          <p:cNvSpPr txBox="1">
+            <a:spLocks noGrp="1"/>
+          </p:cNvSpPr>
           <p:nvPr>
-            <p:ph idx="1" type="body"/>
+            <p:ph type="body" idx="1"/>
           </p:nvPr>
         </p:nvSpPr>
         <p:spPr>
@@ -10862,28 +10968,28 @@
           </a:prstGeom>
         </p:spPr>
         <p:txBody>
-          <a:bodyPr anchorCtr="0" anchor="t" bIns="91425" lIns="91425" spcFirstLastPara="1" rIns="91425" wrap="square" tIns="91425">
+          <a:bodyPr spcFirstLastPara="1" wrap="square" lIns="91425" tIns="91425" rIns="91425" bIns="91425" anchor="t" anchorCtr="0">
             <a:normAutofit/>
           </a:bodyPr>
           <a:lstStyle/>
           <a:p>
-            <a:pPr indent="0" lvl="0" marL="0" rtl="0" algn="l">
-              <a:spcBef>
-                <a:spcPts val="0"/>
-              </a:spcBef>
-              <a:spcAft>
-                <a:spcPts val="0"/>
-              </a:spcAft>
-              <a:buNone/>
-            </a:pPr>
-            <a:r>
-              <a:rPr b="1" lang="en-GB"/>
+            <a:pPr marL="0" lvl="0" indent="0" algn="l" rtl="0">
+              <a:spcBef>
+                <a:spcPts val="0"/>
+              </a:spcBef>
+              <a:spcAft>
+                <a:spcPts val="0"/>
+              </a:spcAft>
+              <a:buNone/>
+            </a:pPr>
+            <a:r>
+              <a:rPr lang="en-GB" b="1"/>
               <a:t>Model Results Visualisations </a:t>
             </a:r>
             <a:endParaRPr b="1"/>
           </a:p>
           <a:p>
-            <a:pPr indent="0" lvl="0" marL="0" rtl="0" algn="l">
+            <a:pPr marL="0" lvl="0" indent="0" algn="l" rtl="0">
               <a:spcBef>
                 <a:spcPts val="1200"/>
               </a:spcBef>
@@ -10893,13 +10999,13 @@
               <a:buNone/>
             </a:pPr>
             <a:r>
-              <a:rPr b="1" lang="en-GB"/>
+              <a:rPr lang="en-GB" b="1"/>
               <a:t>(LOW Alerts)</a:t>
             </a:r>
             <a:endParaRPr b="1"/>
           </a:p>
           <a:p>
-            <a:pPr indent="0" lvl="0" marL="0" rtl="0" algn="l">
+            <a:pPr marL="0" lvl="0" indent="0" algn="l" rtl="0">
               <a:spcBef>
                 <a:spcPts val="1200"/>
               </a:spcBef>
@@ -10912,7 +11018,7 @@
               <a:rPr lang="en-GB" sz="800"/>
               <a:t>MAE of 2 days means our predictions are, on average, off by 2 days.</a:t>
             </a:r>
-            <a:endParaRPr b="1" sz="800"/>
+            <a:endParaRPr sz="800" b="1"/>
           </a:p>
         </p:txBody>
       </p:sp>
@@ -10953,11 +11059,11 @@
 </file>
 
 <file path=ppt/slides/slide6.xml><?xml version="1.0" encoding="utf-8"?>
-<p:sld xmlns:a="http://schemas.openxmlformats.org/drawingml/2006/main" xmlns:r="http://schemas.openxmlformats.org/officeDocument/2006/relationships" xmlns:mc="http://schemas.openxmlformats.org/markup-compatibility/2006" xmlns:mv="urn:schemas-microsoft-com:mac:vml" xmlns:p="http://schemas.openxmlformats.org/presentationml/2006/main" xmlns:c="http://schemas.openxmlformats.org/drawingml/2006/chart" xmlns:dgm="http://schemas.openxmlformats.org/drawingml/2006/diagram" xmlns:o="urn:schemas-microsoft-com:office:office" xmlns:v="urn:schemas-microsoft-com:vml" xmlns:pvml="urn:schemas-microsoft-com:office:powerpoint" xmlns:com="http://schemas.openxmlformats.org/drawingml/2006/compatibility" xmlns:p14="http://schemas.microsoft.com/office/powerpoint/2010/main" xmlns:p15="http://schemas.microsoft.com/office/powerpoint/2012/main" xmlns:ahyp="http://schemas.microsoft.com/office/drawing/2018/hyperlinkcolor">
+<p:sld xmlns:a="http://schemas.openxmlformats.org/drawingml/2006/main" xmlns:r="http://schemas.openxmlformats.org/officeDocument/2006/relationships" xmlns:p="http://schemas.openxmlformats.org/presentationml/2006/main">
   <p:cSld>
     <p:spTree>
       <p:nvGrpSpPr>
-        <p:cNvPr id="116" name="Shape 116"/>
+        <p:cNvPr id="1" name="Shape 116"/>
         <p:cNvGrpSpPr/>
         <p:nvPr/>
       </p:nvGrpSpPr>
@@ -10972,7 +11078,9 @@
       <p:sp>
         <p:nvSpPr>
           <p:cNvPr id="117" name="Google Shape;117;p18"/>
-          <p:cNvSpPr txBox="1"/>
+          <p:cNvSpPr txBox="1">
+            <a:spLocks noGrp="1"/>
+          </p:cNvSpPr>
           <p:nvPr>
             <p:ph type="title"/>
           </p:nvPr>
@@ -10987,12 +11095,12 @@
           </a:prstGeom>
         </p:spPr>
         <p:txBody>
-          <a:bodyPr anchorCtr="0" anchor="t" bIns="91425" lIns="91425" spcFirstLastPara="1" rIns="91425" wrap="square" tIns="91425">
+          <a:bodyPr spcFirstLastPara="1" wrap="square" lIns="91425" tIns="91425" rIns="91425" bIns="91425" anchor="t" anchorCtr="0">
             <a:normAutofit fontScale="90000"/>
           </a:bodyPr>
           <a:lstStyle/>
           <a:p>
-            <a:pPr indent="0" lvl="0" marL="0" rtl="0" algn="l">
+            <a:pPr marL="0" lvl="0" indent="0" algn="l" rtl="0">
               <a:spcBef>
                 <a:spcPts val="0"/>
               </a:spcBef>
@@ -11012,9 +11120,11 @@
       <p:sp>
         <p:nvSpPr>
           <p:cNvPr id="118" name="Google Shape;118;p18"/>
-          <p:cNvSpPr txBox="1"/>
+          <p:cNvSpPr txBox="1">
+            <a:spLocks noGrp="1"/>
+          </p:cNvSpPr>
           <p:nvPr>
-            <p:ph idx="1" type="body"/>
+            <p:ph type="body" idx="1"/>
           </p:nvPr>
         </p:nvSpPr>
         <p:spPr>
@@ -11027,28 +11137,28 @@
           </a:prstGeom>
         </p:spPr>
         <p:txBody>
-          <a:bodyPr anchorCtr="0" anchor="t" bIns="91425" lIns="91425" spcFirstLastPara="1" rIns="91425" wrap="square" tIns="91425">
+          <a:bodyPr spcFirstLastPara="1" wrap="square" lIns="91425" tIns="91425" rIns="91425" bIns="91425" anchor="t" anchorCtr="0">
             <a:normAutofit/>
           </a:bodyPr>
           <a:lstStyle/>
           <a:p>
-            <a:pPr indent="0" lvl="0" marL="0" rtl="0" algn="l">
-              <a:spcBef>
-                <a:spcPts val="0"/>
-              </a:spcBef>
-              <a:spcAft>
-                <a:spcPts val="0"/>
-              </a:spcAft>
-              <a:buNone/>
-            </a:pPr>
-            <a:r>
-              <a:rPr b="1" lang="en-GB"/>
+            <a:pPr marL="0" lvl="0" indent="0" algn="l" rtl="0">
+              <a:spcBef>
+                <a:spcPts val="0"/>
+              </a:spcBef>
+              <a:spcAft>
+                <a:spcPts val="0"/>
+              </a:spcAft>
+              <a:buNone/>
+            </a:pPr>
+            <a:r>
+              <a:rPr lang="en-GB" b="1"/>
               <a:t>Model Results Visualisations </a:t>
             </a:r>
             <a:endParaRPr b="1"/>
           </a:p>
           <a:p>
-            <a:pPr indent="0" lvl="0" marL="0" rtl="0" algn="l">
+            <a:pPr marL="0" lvl="0" indent="0" algn="l" rtl="0">
               <a:spcBef>
                 <a:spcPts val="1200"/>
               </a:spcBef>
@@ -11058,13 +11168,13 @@
               <a:buNone/>
             </a:pPr>
             <a:r>
-              <a:rPr b="1" lang="en-GB"/>
+              <a:rPr lang="en-GB" b="1"/>
               <a:t>(MEDIUM Alerts)</a:t>
             </a:r>
             <a:endParaRPr b="1"/>
           </a:p>
           <a:p>
-            <a:pPr indent="0" lvl="0" marL="0" rtl="0" algn="l">
+            <a:pPr marL="0" lvl="0" indent="0" algn="l" rtl="0">
               <a:spcBef>
                 <a:spcPts val="1200"/>
               </a:spcBef>
@@ -11077,10 +11187,10 @@
               <a:rPr lang="en-GB" sz="800"/>
               <a:t>MAE of 2 days means our predictions are, on average, off by 2 days.</a:t>
             </a:r>
-            <a:endParaRPr b="1" sz="800"/>
-          </a:p>
-          <a:p>
-            <a:pPr indent="0" lvl="0" marL="0" rtl="0" algn="l">
+            <a:endParaRPr sz="800" b="1"/>
+          </a:p>
+          <a:p>
+            <a:pPr marL="0" lvl="0" indent="0" algn="l" rtl="0">
               <a:spcBef>
                 <a:spcPts val="1200"/>
               </a:spcBef>
@@ -11089,9 +11199,6 @@
               </a:spcAft>
               <a:buNone/>
             </a:pPr>
-            <a:r>
-              <a:t/>
-            </a:r>
             <a:endParaRPr b="1"/>
           </a:p>
         </p:txBody>
@@ -11133,11 +11240,11 @@
 </file>
 
 <file path=ppt/slides/slide7.xml><?xml version="1.0" encoding="utf-8"?>
-<p:sld xmlns:a="http://schemas.openxmlformats.org/drawingml/2006/main" xmlns:r="http://schemas.openxmlformats.org/officeDocument/2006/relationships" xmlns:mc="http://schemas.openxmlformats.org/markup-compatibility/2006" xmlns:mv="urn:schemas-microsoft-com:mac:vml" xmlns:p="http://schemas.openxmlformats.org/presentationml/2006/main" xmlns:c="http://schemas.openxmlformats.org/drawingml/2006/chart" xmlns:dgm="http://schemas.openxmlformats.org/drawingml/2006/diagram" xmlns:o="urn:schemas-microsoft-com:office:office" xmlns:v="urn:schemas-microsoft-com:vml" xmlns:pvml="urn:schemas-microsoft-com:office:powerpoint" xmlns:com="http://schemas.openxmlformats.org/drawingml/2006/compatibility" xmlns:p14="http://schemas.microsoft.com/office/powerpoint/2010/main" xmlns:p15="http://schemas.microsoft.com/office/powerpoint/2012/main" xmlns:ahyp="http://schemas.microsoft.com/office/drawing/2018/hyperlinkcolor">
+<p:sld xmlns:a="http://schemas.openxmlformats.org/drawingml/2006/main" xmlns:r="http://schemas.openxmlformats.org/officeDocument/2006/relationships" xmlns:p="http://schemas.openxmlformats.org/presentationml/2006/main">
   <p:cSld>
     <p:spTree>
       <p:nvGrpSpPr>
-        <p:cNvPr id="123" name="Shape 123"/>
+        <p:cNvPr id="1" name="Shape 123"/>
         <p:cNvGrpSpPr/>
         <p:nvPr/>
       </p:nvGrpSpPr>
@@ -11152,7 +11259,9 @@
       <p:sp>
         <p:nvSpPr>
           <p:cNvPr id="124" name="Google Shape;124;p19"/>
-          <p:cNvSpPr txBox="1"/>
+          <p:cNvSpPr txBox="1">
+            <a:spLocks noGrp="1"/>
+          </p:cNvSpPr>
           <p:nvPr>
             <p:ph type="title"/>
           </p:nvPr>
@@ -11167,12 +11276,12 @@
           </a:prstGeom>
         </p:spPr>
         <p:txBody>
-          <a:bodyPr anchorCtr="0" anchor="t" bIns="91425" lIns="91425" spcFirstLastPara="1" rIns="91425" wrap="square" tIns="91425">
+          <a:bodyPr spcFirstLastPara="1" wrap="square" lIns="91425" tIns="91425" rIns="91425" bIns="91425" anchor="t" anchorCtr="0">
             <a:normAutofit fontScale="90000"/>
           </a:bodyPr>
           <a:lstStyle/>
           <a:p>
-            <a:pPr indent="0" lvl="0" marL="0" rtl="0" algn="l">
+            <a:pPr marL="0" lvl="0" indent="0" algn="l" rtl="0">
               <a:spcBef>
                 <a:spcPts val="0"/>
               </a:spcBef>
@@ -11192,9 +11301,11 @@
       <p:sp>
         <p:nvSpPr>
           <p:cNvPr id="125" name="Google Shape;125;p19"/>
-          <p:cNvSpPr txBox="1"/>
+          <p:cNvSpPr txBox="1">
+            <a:spLocks noGrp="1"/>
+          </p:cNvSpPr>
           <p:nvPr>
-            <p:ph idx="1" type="body"/>
+            <p:ph type="body" idx="1"/>
           </p:nvPr>
         </p:nvSpPr>
         <p:spPr>
@@ -11207,28 +11318,28 @@
           </a:prstGeom>
         </p:spPr>
         <p:txBody>
-          <a:bodyPr anchorCtr="0" anchor="t" bIns="91425" lIns="91425" spcFirstLastPara="1" rIns="91425" wrap="square" tIns="91425">
+          <a:bodyPr spcFirstLastPara="1" wrap="square" lIns="91425" tIns="91425" rIns="91425" bIns="91425" anchor="t" anchorCtr="0">
             <a:normAutofit/>
           </a:bodyPr>
           <a:lstStyle/>
           <a:p>
-            <a:pPr indent="0" lvl="0" marL="0" rtl="0" algn="l">
-              <a:spcBef>
-                <a:spcPts val="0"/>
-              </a:spcBef>
-              <a:spcAft>
-                <a:spcPts val="0"/>
-              </a:spcAft>
-              <a:buNone/>
-            </a:pPr>
-            <a:r>
-              <a:rPr b="1" lang="en-GB"/>
+            <a:pPr marL="0" lvl="0" indent="0" algn="l" rtl="0">
+              <a:spcBef>
+                <a:spcPts val="0"/>
+              </a:spcBef>
+              <a:spcAft>
+                <a:spcPts val="0"/>
+              </a:spcAft>
+              <a:buNone/>
+            </a:pPr>
+            <a:r>
+              <a:rPr lang="en-GB" b="1"/>
               <a:t>Model Results Visualisations </a:t>
             </a:r>
             <a:endParaRPr b="1"/>
           </a:p>
           <a:p>
-            <a:pPr indent="0" lvl="0" marL="0" rtl="0" algn="l">
+            <a:pPr marL="0" lvl="0" indent="0" algn="l" rtl="0">
               <a:spcBef>
                 <a:spcPts val="1200"/>
               </a:spcBef>
@@ -11238,13 +11349,13 @@
               <a:buNone/>
             </a:pPr>
             <a:r>
-              <a:rPr b="1" lang="en-GB"/>
+              <a:rPr lang="en-GB" b="1"/>
               <a:t>(HIGH Alerts)</a:t>
             </a:r>
             <a:endParaRPr b="1"/>
           </a:p>
           <a:p>
-            <a:pPr indent="0" lvl="0" marL="0" rtl="0" algn="l">
+            <a:pPr marL="0" lvl="0" indent="0" algn="l" rtl="0">
               <a:spcBef>
                 <a:spcPts val="1200"/>
               </a:spcBef>
@@ -11257,10 +11368,10 @@
               <a:rPr lang="en-GB" sz="800"/>
               <a:t>MAE of 2 days means our predictions are, on average, off by 2 days.</a:t>
             </a:r>
-            <a:endParaRPr b="1" sz="800"/>
-          </a:p>
-          <a:p>
-            <a:pPr indent="0" lvl="0" marL="0" rtl="0" algn="l">
+            <a:endParaRPr sz="800" b="1"/>
+          </a:p>
+          <a:p>
+            <a:pPr marL="0" lvl="0" indent="0" algn="l" rtl="0">
               <a:spcBef>
                 <a:spcPts val="1200"/>
               </a:spcBef>
@@ -11269,9 +11380,6 @@
               </a:spcAft>
               <a:buNone/>
             </a:pPr>
-            <a:r>
-              <a:t/>
-            </a:r>
             <a:endParaRPr b="1"/>
           </a:p>
         </p:txBody>
@@ -11313,11 +11421,11 @@
 </file>
 
 <file path=ppt/slides/slide8.xml><?xml version="1.0" encoding="utf-8"?>
-<p:sld xmlns:a="http://schemas.openxmlformats.org/drawingml/2006/main" xmlns:r="http://schemas.openxmlformats.org/officeDocument/2006/relationships" xmlns:mc="http://schemas.openxmlformats.org/markup-compatibility/2006" xmlns:mv="urn:schemas-microsoft-com:mac:vml" xmlns:p="http://schemas.openxmlformats.org/presentationml/2006/main" xmlns:c="http://schemas.openxmlformats.org/drawingml/2006/chart" xmlns:dgm="http://schemas.openxmlformats.org/drawingml/2006/diagram" xmlns:o="urn:schemas-microsoft-com:office:office" xmlns:v="urn:schemas-microsoft-com:vml" xmlns:pvml="urn:schemas-microsoft-com:office:powerpoint" xmlns:com="http://schemas.openxmlformats.org/drawingml/2006/compatibility" xmlns:p14="http://schemas.microsoft.com/office/powerpoint/2010/main" xmlns:p15="http://schemas.microsoft.com/office/powerpoint/2012/main" xmlns:ahyp="http://schemas.microsoft.com/office/drawing/2018/hyperlinkcolor">
+<p:sld xmlns:a="http://schemas.openxmlformats.org/drawingml/2006/main" xmlns:r="http://schemas.openxmlformats.org/officeDocument/2006/relationships" xmlns:p="http://schemas.openxmlformats.org/presentationml/2006/main">
   <p:cSld>
     <p:spTree>
       <p:nvGrpSpPr>
-        <p:cNvPr id="130" name="Shape 130"/>
+        <p:cNvPr id="1" name="Shape 130"/>
         <p:cNvGrpSpPr/>
         <p:nvPr/>
       </p:nvGrpSpPr>
@@ -11332,7 +11440,9 @@
       <p:sp>
         <p:nvSpPr>
           <p:cNvPr id="131" name="Google Shape;131;p20"/>
-          <p:cNvSpPr txBox="1"/>
+          <p:cNvSpPr txBox="1">
+            <a:spLocks noGrp="1"/>
+          </p:cNvSpPr>
           <p:nvPr>
             <p:ph type="title"/>
           </p:nvPr>
@@ -11347,12 +11457,12 @@
           </a:prstGeom>
         </p:spPr>
         <p:txBody>
-          <a:bodyPr anchorCtr="0" anchor="t" bIns="91425" lIns="91425" spcFirstLastPara="1" rIns="91425" wrap="square" tIns="91425">
+          <a:bodyPr spcFirstLastPara="1" wrap="square" lIns="91425" tIns="91425" rIns="91425" bIns="91425" anchor="t" anchorCtr="0">
             <a:normAutofit fontScale="90000"/>
           </a:bodyPr>
           <a:lstStyle/>
           <a:p>
-            <a:pPr indent="0" lvl="0" marL="0" rtl="0" algn="l">
+            <a:pPr marL="0" lvl="0" indent="0" algn="l" rtl="0">
               <a:spcBef>
                 <a:spcPts val="0"/>
               </a:spcBef>
@@ -11372,9 +11482,11 @@
       <p:sp>
         <p:nvSpPr>
           <p:cNvPr id="132" name="Google Shape;132;p20"/>
-          <p:cNvSpPr txBox="1"/>
+          <p:cNvSpPr txBox="1">
+            <a:spLocks noGrp="1"/>
+          </p:cNvSpPr>
           <p:nvPr>
-            <p:ph idx="1" type="body"/>
+            <p:ph type="body" idx="1"/>
           </p:nvPr>
         </p:nvSpPr>
         <p:spPr>
@@ -11387,28 +11499,28 @@
           </a:prstGeom>
         </p:spPr>
         <p:txBody>
-          <a:bodyPr anchorCtr="0" anchor="t" bIns="91425" lIns="91425" spcFirstLastPara="1" rIns="91425" wrap="square" tIns="91425">
+          <a:bodyPr spcFirstLastPara="1" wrap="square" lIns="91425" tIns="91425" rIns="91425" bIns="91425" anchor="t" anchorCtr="0">
             <a:normAutofit/>
           </a:bodyPr>
           <a:lstStyle/>
           <a:p>
-            <a:pPr indent="0" lvl="0" marL="0" rtl="0" algn="l">
-              <a:spcBef>
-                <a:spcPts val="0"/>
-              </a:spcBef>
-              <a:spcAft>
-                <a:spcPts val="0"/>
-              </a:spcAft>
-              <a:buNone/>
-            </a:pPr>
-            <a:r>
-              <a:rPr b="1" lang="en-GB"/>
+            <a:pPr marL="0" lvl="0" indent="0" algn="l" rtl="0">
+              <a:spcBef>
+                <a:spcPts val="0"/>
+              </a:spcBef>
+              <a:spcAft>
+                <a:spcPts val="0"/>
+              </a:spcAft>
+              <a:buNone/>
+            </a:pPr>
+            <a:r>
+              <a:rPr lang="en-GB" b="1"/>
               <a:t>Model Results Visualisations </a:t>
             </a:r>
             <a:endParaRPr b="1"/>
           </a:p>
           <a:p>
-            <a:pPr indent="0" lvl="0" marL="0" rtl="0" algn="l">
+            <a:pPr marL="0" lvl="0" indent="0" algn="l" rtl="0">
               <a:spcBef>
                 <a:spcPts val="1200"/>
               </a:spcBef>
@@ -11418,13 +11530,13 @@
               <a:buNone/>
             </a:pPr>
             <a:r>
-              <a:rPr b="1" lang="en-GB"/>
+              <a:rPr lang="en-GB" b="1"/>
               <a:t>(SIGMA Alerts)</a:t>
             </a:r>
             <a:endParaRPr b="1"/>
           </a:p>
           <a:p>
-            <a:pPr indent="0" lvl="0" marL="0" rtl="0" algn="l">
+            <a:pPr marL="0" lvl="0" indent="0" algn="l" rtl="0">
               <a:spcBef>
                 <a:spcPts val="1200"/>
               </a:spcBef>
@@ -11437,10 +11549,10 @@
               <a:rPr lang="en-GB" sz="800"/>
               <a:t>MAE of 2 days means our predictions are, on average, off by 2 days.</a:t>
             </a:r>
-            <a:endParaRPr b="1" sz="800"/>
-          </a:p>
-          <a:p>
-            <a:pPr indent="0" lvl="0" marL="0" rtl="0" algn="l">
+            <a:endParaRPr sz="800" b="1"/>
+          </a:p>
+          <a:p>
+            <a:pPr marL="0" lvl="0" indent="0" algn="l" rtl="0">
               <a:spcBef>
                 <a:spcPts val="1200"/>
               </a:spcBef>
@@ -11449,9 +11561,6 @@
               </a:spcAft>
               <a:buNone/>
             </a:pPr>
-            <a:r>
-              <a:t/>
-            </a:r>
             <a:endParaRPr b="1"/>
           </a:p>
         </p:txBody>
@@ -11493,11 +11602,11 @@
 </file>
 
 <file path=ppt/slides/slide9.xml><?xml version="1.0" encoding="utf-8"?>
-<p:sld xmlns:a="http://schemas.openxmlformats.org/drawingml/2006/main" xmlns:r="http://schemas.openxmlformats.org/officeDocument/2006/relationships" xmlns:mc="http://schemas.openxmlformats.org/markup-compatibility/2006" xmlns:mv="urn:schemas-microsoft-com:mac:vml" xmlns:p="http://schemas.openxmlformats.org/presentationml/2006/main" xmlns:c="http://schemas.openxmlformats.org/drawingml/2006/chart" xmlns:dgm="http://schemas.openxmlformats.org/drawingml/2006/diagram" xmlns:o="urn:schemas-microsoft-com:office:office" xmlns:v="urn:schemas-microsoft-com:vml" xmlns:pvml="urn:schemas-microsoft-com:office:powerpoint" xmlns:com="http://schemas.openxmlformats.org/drawingml/2006/compatibility" xmlns:p14="http://schemas.microsoft.com/office/powerpoint/2010/main" xmlns:p15="http://schemas.microsoft.com/office/powerpoint/2012/main" xmlns:ahyp="http://schemas.microsoft.com/office/drawing/2018/hyperlinkcolor">
+<p:sld xmlns:a="http://schemas.openxmlformats.org/drawingml/2006/main" xmlns:r="http://schemas.openxmlformats.org/officeDocument/2006/relationships" xmlns:p="http://schemas.openxmlformats.org/presentationml/2006/main">
   <p:cSld>
     <p:spTree>
       <p:nvGrpSpPr>
-        <p:cNvPr id="137" name="Shape 137"/>
+        <p:cNvPr id="1" name="Shape 137"/>
         <p:cNvGrpSpPr/>
         <p:nvPr/>
       </p:nvGrpSpPr>
@@ -11512,7 +11621,9 @@
       <p:sp>
         <p:nvSpPr>
           <p:cNvPr id="138" name="Google Shape;138;p21"/>
-          <p:cNvSpPr txBox="1"/>
+          <p:cNvSpPr txBox="1">
+            <a:spLocks noGrp="1"/>
+          </p:cNvSpPr>
           <p:nvPr>
             <p:ph type="title"/>
           </p:nvPr>
@@ -11527,12 +11638,12 @@
           </a:prstGeom>
         </p:spPr>
         <p:txBody>
-          <a:bodyPr anchorCtr="0" anchor="t" bIns="91425" lIns="91425" spcFirstLastPara="1" rIns="91425" wrap="square" tIns="91425">
+          <a:bodyPr spcFirstLastPara="1" wrap="square" lIns="91425" tIns="91425" rIns="91425" bIns="91425" anchor="t" anchorCtr="0">
             <a:normAutofit fontScale="90000"/>
           </a:bodyPr>
           <a:lstStyle/>
           <a:p>
-            <a:pPr indent="0" lvl="0" marL="0" rtl="0" algn="l">
+            <a:pPr marL="0" lvl="0" indent="0" algn="l" rtl="0">
               <a:spcBef>
                 <a:spcPts val="0"/>
               </a:spcBef>
@@ -11552,67 +11663,63 @@
       <p:sp>
         <p:nvSpPr>
           <p:cNvPr id="139" name="Google Shape;139;p21"/>
-          <p:cNvSpPr txBox="1"/>
+          <p:cNvSpPr txBox="1">
+            <a:spLocks noGrp="1"/>
+          </p:cNvSpPr>
           <p:nvPr>
-            <p:ph idx="1" type="body"/>
+            <p:ph type="body" idx="1"/>
           </p:nvPr>
         </p:nvSpPr>
         <p:spPr>
           <a:xfrm>
-            <a:off x="729450" y="1382675"/>
-            <a:ext cx="7653900" cy="3635100"/>
+            <a:off x="729449" y="1382675"/>
+            <a:ext cx="7850785" cy="3635100"/>
           </a:xfrm>
           <a:prstGeom prst="rect">
             <a:avLst/>
           </a:prstGeom>
         </p:spPr>
         <p:txBody>
-          <a:bodyPr anchorCtr="0" anchor="t" bIns="91425" lIns="91425" spcFirstLastPara="1" rIns="91425" wrap="square" tIns="91425">
+          <a:bodyPr spcFirstLastPara="1" wrap="square" lIns="91425" tIns="91425" rIns="91425" bIns="91425" anchor="t" anchorCtr="0">
             <a:normAutofit/>
           </a:bodyPr>
           <a:lstStyle/>
           <a:p>
-            <a:pPr indent="0" lvl="0" marL="0" rtl="0" algn="l">
-              <a:spcBef>
-                <a:spcPts val="0"/>
-              </a:spcBef>
-              <a:spcAft>
-                <a:spcPts val="0"/>
-              </a:spcAft>
-              <a:buNone/>
-            </a:pPr>
-            <a:r>
-              <a:rPr lang="en-GB"/>
+            <a:pPr marL="0" indent="0">
+              <a:buNone/>
+            </a:pPr>
+            <a:r>
+              <a:rPr lang="en-GB" dirty="0"/>
               <a:t>The </a:t>
             </a:r>
             <a:r>
-              <a:rPr b="1" lang="en-GB"/>
-              <a:t>Classification </a:t>
-            </a:r>
-            <a:r>
-              <a:rPr b="1" lang="en-GB"/>
-              <a:t>Model</a:t>
-            </a:r>
-            <a:r>
-              <a:rPr lang="en-GB"/>
-              <a:t> </a:t>
-            </a:r>
-            <a:r>
-              <a:rPr lang="en-GB"/>
-              <a:t>is formulated in such a way that: it </a:t>
-            </a:r>
-            <a:r>
-              <a:rPr lang="en-GB"/>
-              <a:t>predicts the risk of different alert types (LOW, MEDIUM, HIGH, SIGMA) for the HTOL machines. </a:t>
-            </a:r>
-            <a:r>
-              <a:rPr lang="en-GB"/>
-              <a:t>As the training data, we’re using the alerts we have labelled automatically using the Alerting Dashboard previously.</a:t>
-            </a:r>
-            <a:endParaRPr/>
-          </a:p>
-          <a:p>
-            <a:pPr indent="0" lvl="0" marL="0" rtl="0" algn="l">
+              <a:rPr lang="en-GB" b="1" dirty="0"/>
+              <a:t>Classification Model</a:t>
+            </a:r>
+            <a:r>
+              <a:rPr lang="en-GB" dirty="0"/>
+              <a:t> is formulated in such a way that: </a:t>
+            </a:r>
+            <a:r>
+              <a:rPr lang="en-US" dirty="0"/>
+              <a:t>it predicts the probability of each alert type</a:t>
+            </a:r>
+            <a:r>
+              <a:rPr lang="en-GB" dirty="0"/>
+              <a:t> (LOW, MEDIUM, HIGH, SIGMA)</a:t>
+            </a:r>
+            <a:r>
+              <a:rPr lang="en-US" dirty="0"/>
+              <a:t> occurring within the next 7 days </a:t>
+            </a:r>
+            <a:r>
+              <a:rPr lang="en-GB" dirty="0"/>
+              <a:t>for the HTOL machines. As the training data, we’re using the alerts we have labelled automatically using the Alerting Dashboard previously.</a:t>
+            </a:r>
+            <a:endParaRPr dirty="0"/>
+          </a:p>
+          <a:p>
+            <a:pPr marL="0" lvl="0" indent="0" algn="l" rtl="0">
               <a:spcBef>
                 <a:spcPts val="1200"/>
               </a:spcBef>
@@ -11622,13 +11729,13 @@
               <a:buNone/>
             </a:pPr>
             <a:r>
-              <a:rPr b="1" lang="en-GB"/>
+              <a:rPr lang="en-GB" b="1" dirty="0"/>
               <a:t>How the Model Works:</a:t>
             </a:r>
-            <a:endParaRPr b="1"/>
-          </a:p>
-          <a:p>
-            <a:pPr indent="-311150" lvl="0" marL="457200" rtl="0" algn="l">
+            <a:endParaRPr b="1" dirty="0"/>
+          </a:p>
+          <a:p>
+            <a:pPr marL="457200" lvl="0" indent="-311150" algn="l" rtl="0">
               <a:spcBef>
                 <a:spcPts val="1200"/>
               </a:spcBef>
@@ -11639,13 +11746,13 @@
               <a:buChar char="●"/>
             </a:pPr>
             <a:r>
-              <a:rPr b="1" lang="en-GB"/>
+              <a:rPr lang="en-GB" b="1" dirty="0"/>
               <a:t>Data Preparation:</a:t>
             </a:r>
-            <a:endParaRPr b="1"/>
-          </a:p>
-          <a:p>
-            <a:pPr indent="-298450" lvl="1" marL="914400" rtl="0" algn="l">
+            <a:endParaRPr b="1" dirty="0"/>
+          </a:p>
+          <a:p>
+            <a:pPr marL="914400" lvl="1" indent="-298450" algn="l" rtl="0">
               <a:spcBef>
                 <a:spcPts val="0"/>
               </a:spcBef>
@@ -11656,13 +11763,21 @@
               <a:buChar char="○"/>
             </a:pPr>
             <a:r>
-              <a:rPr lang="en-GB"/>
-              <a:t>We take historical data from your machines (HTOL-09 to HTOL-15), including timestamps and ChlPrs values.</a:t>
-            </a:r>
-            <a:endParaRPr/>
-          </a:p>
-          <a:p>
-            <a:pPr indent="-298450" lvl="1" marL="914400" rtl="0" algn="l">
+              <a:rPr lang="en-GB" dirty="0"/>
+              <a:t>We take historical data from your machines (HTOL-09 to HTOL-15), including timestamps and </a:t>
+            </a:r>
+            <a:r>
+              <a:rPr lang="en-GB" dirty="0" err="1"/>
+              <a:t>ChlPrs</a:t>
+            </a:r>
+            <a:r>
+              <a:rPr lang="en-GB" dirty="0"/>
+              <a:t> values.</a:t>
+            </a:r>
+            <a:endParaRPr dirty="0"/>
+          </a:p>
+          <a:p>
+            <a:pPr marL="914400" lvl="1" indent="-298450" algn="l" rtl="0">
               <a:spcBef>
                 <a:spcPts val="0"/>
               </a:spcBef>
@@ -11673,13 +11788,21 @@
               <a:buChar char="○"/>
             </a:pPr>
             <a:r>
-              <a:rPr lang="en-GB"/>
-              <a:t>We add features like hour of the day, day of the week, and rolling averages of ChlPrs to help the model identify patterns.</a:t>
-            </a:r>
-            <a:endParaRPr/>
-          </a:p>
-          <a:p>
-            <a:pPr indent="-298450" lvl="1" marL="914400" rtl="0" algn="l">
+              <a:rPr lang="en-GB" dirty="0"/>
+              <a:t>We add features like hour of the day, day of the week, and rolling averages of </a:t>
+            </a:r>
+            <a:r>
+              <a:rPr lang="en-GB" dirty="0" err="1"/>
+              <a:t>ChlPrs</a:t>
+            </a:r>
+            <a:r>
+              <a:rPr lang="en-GB" dirty="0"/>
+              <a:t> to help the model identify patterns.</a:t>
+            </a:r>
+            <a:endParaRPr dirty="0"/>
+          </a:p>
+          <a:p>
+            <a:pPr marL="914400" lvl="1" indent="-298450" algn="l" rtl="0">
               <a:spcBef>
                 <a:spcPts val="0"/>
               </a:spcBef>
@@ -11690,13 +11813,13 @@
               <a:buChar char="○"/>
             </a:pPr>
             <a:r>
-              <a:rPr lang="en-GB"/>
-              <a:t>Importantly, we use your existing alert data (generated from thresholds and spike detection) to label periods where alerts occurred. This is what the model learns from.</a:t>
-            </a:r>
-            <a:endParaRPr/>
-          </a:p>
-          <a:p>
-            <a:pPr indent="0" lvl="0" marL="0" rtl="0" algn="l">
+              <a:rPr lang="en-GB" dirty="0"/>
+              <a:t>Importantly, we use the existing alert data (generated from thresholds and spike detection) to label periods where alerts occurred. This is what the model learns from.</a:t>
+            </a:r>
+            <a:endParaRPr dirty="0"/>
+          </a:p>
+          <a:p>
+            <a:pPr marL="0" lvl="0" indent="0" algn="l" rtl="0">
               <a:spcBef>
                 <a:spcPts val="1200"/>
               </a:spcBef>
@@ -11705,10 +11828,7 @@
               </a:spcAft>
               <a:buNone/>
             </a:pPr>
-            <a:r>
-              <a:t/>
-            </a:r>
-            <a:endParaRPr b="1"/>
+            <a:endParaRPr b="1" dirty="0"/>
           </a:p>
         </p:txBody>
       </p:sp>
@@ -11721,7 +11841,288 @@
 </file>
 
 <file path=ppt/theme/theme1.xml><?xml version="1.0" encoding="utf-8"?>
-<a:theme xmlns:a="http://schemas.openxmlformats.org/drawingml/2006/main" xmlns:r="http://schemas.openxmlformats.org/officeDocument/2006/relationships">
+<a:theme xmlns:a="http://schemas.openxmlformats.org/drawingml/2006/main" name="Streamline">
+  <a:themeElements>
+    <a:clrScheme name="Streamline">
+      <a:dk1>
+        <a:srgbClr val="1A9988"/>
+      </a:dk1>
+      <a:lt1>
+        <a:srgbClr val="FFFFFF"/>
+      </a:lt1>
+      <a:dk2>
+        <a:srgbClr val="1A1A1A"/>
+      </a:dk2>
+      <a:lt2>
+        <a:srgbClr val="E9EDEE"/>
+      </a:lt2>
+      <a:accent1>
+        <a:srgbClr val="595959"/>
+      </a:accent1>
+      <a:accent2>
+        <a:srgbClr val="6AA4C8"/>
+      </a:accent2>
+      <a:accent3>
+        <a:srgbClr val="EB5600"/>
+      </a:accent3>
+      <a:accent4>
+        <a:srgbClr val="A2FFE8"/>
+      </a:accent4>
+      <a:accent5>
+        <a:srgbClr val="1C3678"/>
+      </a:accent5>
+      <a:accent6>
+        <a:srgbClr val="FFB8A2"/>
+      </a:accent6>
+      <a:hlink>
+        <a:srgbClr val="1C3678"/>
+      </a:hlink>
+      <a:folHlink>
+        <a:srgbClr val="1C3678"/>
+      </a:folHlink>
+    </a:clrScheme>
+    <a:fontScheme name="Office">
+      <a:majorFont>
+        <a:latin typeface="Arial"/>
+        <a:ea typeface=""/>
+        <a:cs typeface=""/>
+        <a:font script="Jpan" typeface="ＭＳ Ｐゴシック"/>
+        <a:font script="Hang" typeface="맑은 고딕"/>
+        <a:font script="Hans" typeface="宋体"/>
+        <a:font script="Hant" typeface="新細明體"/>
+        <a:font script="Arab" typeface="Times New Roman"/>
+        <a:font script="Hebr" typeface="Times New Roman"/>
+        <a:font script="Thai" typeface="Angsana New"/>
+        <a:font script="Ethi" typeface="Nyala"/>
+        <a:font script="Beng" typeface="Vrinda"/>
+        <a:font script="Gujr" typeface="Shruti"/>
+        <a:font script="Khmr" typeface="MoolBoran"/>
+        <a:font script="Knda" typeface="Tunga"/>
+        <a:font script="Guru" typeface="Raavi"/>
+        <a:font script="Cans" typeface="Euphemia"/>
+        <a:font script="Cher" typeface="Plantagenet Cherokee"/>
+        <a:font script="Yiii" typeface="Microsoft Yi Baiti"/>
+        <a:font script="Tibt" typeface="Microsoft Himalaya"/>
+        <a:font script="Thaa" typeface="MV Boli"/>
+        <a:font script="Deva" typeface="Mangal"/>
+        <a:font script="Telu" typeface="Gautami"/>
+        <a:font script="Taml" typeface="Latha"/>
+        <a:font script="Syrc" typeface="Estrangelo Edessa"/>
+        <a:font script="Orya" typeface="Kalinga"/>
+        <a:font script="Mlym" typeface="Kartika"/>
+        <a:font script="Laoo" typeface="DokChampa"/>
+        <a:font script="Sinh" typeface="Iskoola Pota"/>
+        <a:font script="Mong" typeface="Mongolian Baiti"/>
+        <a:font script="Viet" typeface="Times New Roman"/>
+        <a:font script="Uigh" typeface="Microsoft Uighur"/>
+        <a:font script="Geor" typeface="Sylfaen"/>
+      </a:majorFont>
+      <a:minorFont>
+        <a:latin typeface="Arial"/>
+        <a:ea typeface=""/>
+        <a:cs typeface=""/>
+        <a:font script="Jpan" typeface="ＭＳ Ｐゴシック"/>
+        <a:font script="Hang" typeface="맑은 고딕"/>
+        <a:font script="Hans" typeface="宋体"/>
+        <a:font script="Hant" typeface="新細明體"/>
+        <a:font script="Arab" typeface="Arial"/>
+        <a:font script="Hebr" typeface="Arial"/>
+        <a:font script="Thai" typeface="Cordia New"/>
+        <a:font script="Ethi" typeface="Nyala"/>
+        <a:font script="Beng" typeface="Vrinda"/>
+        <a:font script="Gujr" typeface="Shruti"/>
+        <a:font script="Khmr" typeface="DaunPenh"/>
+        <a:font script="Knda" typeface="Tunga"/>
+        <a:font script="Guru" typeface="Raavi"/>
+        <a:font script="Cans" typeface="Euphemia"/>
+        <a:font script="Cher" typeface="Plantagenet Cherokee"/>
+        <a:font script="Yiii" typeface="Microsoft Yi Baiti"/>
+        <a:font script="Tibt" typeface="Microsoft Himalaya"/>
+        <a:font script="Thaa" typeface="MV Boli"/>
+        <a:font script="Deva" typeface="Mangal"/>
+        <a:font script="Telu" typeface="Gautami"/>
+        <a:font script="Taml" typeface="Latha"/>
+        <a:font script="Syrc" typeface="Estrangelo Edessa"/>
+        <a:font script="Orya" typeface="Kalinga"/>
+        <a:font script="Mlym" typeface="Kartika"/>
+        <a:font script="Laoo" typeface="DokChampa"/>
+        <a:font script="Sinh" typeface="Iskoola Pota"/>
+        <a:font script="Mong" typeface="Mongolian Baiti"/>
+        <a:font script="Viet" typeface="Arial"/>
+        <a:font script="Uigh" typeface="Microsoft Uighur"/>
+        <a:font script="Geor" typeface="Sylfaen"/>
+      </a:minorFont>
+    </a:fontScheme>
+    <a:fmtScheme name="Office">
+      <a:fillStyleLst>
+        <a:solidFill>
+          <a:schemeClr val="phClr"/>
+        </a:solidFill>
+        <a:gradFill rotWithShape="1">
+          <a:gsLst>
+            <a:gs pos="0">
+              <a:schemeClr val="phClr">
+                <a:tint val="50000"/>
+                <a:satMod val="300000"/>
+              </a:schemeClr>
+            </a:gs>
+            <a:gs pos="35000">
+              <a:schemeClr val="phClr">
+                <a:tint val="37000"/>
+                <a:satMod val="300000"/>
+              </a:schemeClr>
+            </a:gs>
+            <a:gs pos="100000">
+              <a:schemeClr val="phClr">
+                <a:tint val="15000"/>
+                <a:satMod val="350000"/>
+              </a:schemeClr>
+            </a:gs>
+          </a:gsLst>
+          <a:lin ang="16200000" scaled="1"/>
+        </a:gradFill>
+        <a:gradFill rotWithShape="1">
+          <a:gsLst>
+            <a:gs pos="0">
+              <a:schemeClr val="phClr">
+                <a:tint val="100000"/>
+                <a:shade val="100000"/>
+                <a:satMod val="130000"/>
+              </a:schemeClr>
+            </a:gs>
+            <a:gs pos="100000">
+              <a:schemeClr val="phClr">
+                <a:tint val="50000"/>
+                <a:shade val="100000"/>
+                <a:satMod val="350000"/>
+              </a:schemeClr>
+            </a:gs>
+          </a:gsLst>
+          <a:lin ang="16200000" scaled="0"/>
+        </a:gradFill>
+      </a:fillStyleLst>
+      <a:lnStyleLst>
+        <a:ln w="9525" cap="flat" cmpd="sng" algn="ctr">
+          <a:solidFill>
+            <a:schemeClr val="phClr">
+              <a:shade val="95000"/>
+              <a:satMod val="105000"/>
+            </a:schemeClr>
+          </a:solidFill>
+          <a:prstDash val="solid"/>
+        </a:ln>
+        <a:ln w="25400" cap="flat" cmpd="sng" algn="ctr">
+          <a:solidFill>
+            <a:schemeClr val="phClr"/>
+          </a:solidFill>
+          <a:prstDash val="solid"/>
+        </a:ln>
+        <a:ln w="38100" cap="flat" cmpd="sng" algn="ctr">
+          <a:solidFill>
+            <a:schemeClr val="phClr"/>
+          </a:solidFill>
+          <a:prstDash val="solid"/>
+        </a:ln>
+      </a:lnStyleLst>
+      <a:effectStyleLst>
+        <a:effectStyle>
+          <a:effectLst>
+            <a:outerShdw blurRad="40000" dist="20000" dir="5400000" rotWithShape="0">
+              <a:srgbClr val="000000">
+                <a:alpha val="38000"/>
+              </a:srgbClr>
+            </a:outerShdw>
+          </a:effectLst>
+        </a:effectStyle>
+        <a:effectStyle>
+          <a:effectLst>
+            <a:outerShdw blurRad="40000" dist="23000" dir="5400000" rotWithShape="0">
+              <a:srgbClr val="000000">
+                <a:alpha val="35000"/>
+              </a:srgbClr>
+            </a:outerShdw>
+          </a:effectLst>
+        </a:effectStyle>
+        <a:effectStyle>
+          <a:effectLst>
+            <a:outerShdw blurRad="40000" dist="23000" dir="5400000" rotWithShape="0">
+              <a:srgbClr val="000000">
+                <a:alpha val="35000"/>
+              </a:srgbClr>
+            </a:outerShdw>
+          </a:effectLst>
+          <a:scene3d>
+            <a:camera prst="orthographicFront">
+              <a:rot lat="0" lon="0" rev="0"/>
+            </a:camera>
+            <a:lightRig rig="threePt" dir="t">
+              <a:rot lat="0" lon="0" rev="1200000"/>
+            </a:lightRig>
+          </a:scene3d>
+          <a:sp3d>
+            <a:bevelT w="63500" h="25400"/>
+          </a:sp3d>
+        </a:effectStyle>
+      </a:effectStyleLst>
+      <a:bgFillStyleLst>
+        <a:solidFill>
+          <a:schemeClr val="phClr"/>
+        </a:solidFill>
+        <a:gradFill rotWithShape="1">
+          <a:gsLst>
+            <a:gs pos="0">
+              <a:schemeClr val="phClr">
+                <a:tint val="40000"/>
+                <a:satMod val="350000"/>
+              </a:schemeClr>
+            </a:gs>
+            <a:gs pos="40000">
+              <a:schemeClr val="phClr">
+                <a:tint val="45000"/>
+                <a:shade val="99000"/>
+                <a:satMod val="350000"/>
+              </a:schemeClr>
+            </a:gs>
+            <a:gs pos="100000">
+              <a:schemeClr val="phClr">
+                <a:shade val="20000"/>
+                <a:satMod val="255000"/>
+              </a:schemeClr>
+            </a:gs>
+          </a:gsLst>
+          <a:path path="circle">
+            <a:fillToRect l="50000" t="-80000" r="50000" b="180000"/>
+          </a:path>
+        </a:gradFill>
+        <a:gradFill rotWithShape="1">
+          <a:gsLst>
+            <a:gs pos="0">
+              <a:schemeClr val="phClr">
+                <a:tint val="80000"/>
+                <a:satMod val="300000"/>
+              </a:schemeClr>
+            </a:gs>
+            <a:gs pos="100000">
+              <a:schemeClr val="phClr">
+                <a:shade val="30000"/>
+                <a:satMod val="200000"/>
+              </a:schemeClr>
+            </a:gs>
+          </a:gsLst>
+          <a:path path="circle">
+            <a:fillToRect l="50000" t="50000" r="50000" b="50000"/>
+          </a:path>
+        </a:gradFill>
+      </a:bgFillStyleLst>
+    </a:fmtScheme>
+  </a:themeElements>
+  <a:objectDefaults/>
+  <a:extraClrSchemeLst/>
+</a:theme>
+</file>
+
+<file path=ppt/theme/theme2.xml><?xml version="1.0" encoding="utf-8"?>
+<a:theme xmlns:a="http://schemas.openxmlformats.org/drawingml/2006/main">
   <a:themeElements>
     <a:clrScheme name="Default">
       <a:dk1>
@@ -11996,284 +12397,7 @@
       </a:bgFillStyleLst>
     </a:fmtScheme>
   </a:themeElements>
-</a:theme>
-</file>
-
-<file path=ppt/theme/theme2.xml><?xml version="1.0" encoding="utf-8"?>
-<a:theme xmlns:a="http://schemas.openxmlformats.org/drawingml/2006/main" xmlns:r="http://schemas.openxmlformats.org/officeDocument/2006/relationships" name="Streamline">
-  <a:themeElements>
-    <a:clrScheme name="Streamline">
-      <a:dk1>
-        <a:srgbClr val="1A9988"/>
-      </a:dk1>
-      <a:lt1>
-        <a:srgbClr val="FFFFFF"/>
-      </a:lt1>
-      <a:dk2>
-        <a:srgbClr val="1A1A1A"/>
-      </a:dk2>
-      <a:lt2>
-        <a:srgbClr val="E9EDEE"/>
-      </a:lt2>
-      <a:accent1>
-        <a:srgbClr val="595959"/>
-      </a:accent1>
-      <a:accent2>
-        <a:srgbClr val="6AA4C8"/>
-      </a:accent2>
-      <a:accent3>
-        <a:srgbClr val="EB5600"/>
-      </a:accent3>
-      <a:accent4>
-        <a:srgbClr val="A2FFE8"/>
-      </a:accent4>
-      <a:accent5>
-        <a:srgbClr val="1C3678"/>
-      </a:accent5>
-      <a:accent6>
-        <a:srgbClr val="FFB8A2"/>
-      </a:accent6>
-      <a:hlink>
-        <a:srgbClr val="1C3678"/>
-      </a:hlink>
-      <a:folHlink>
-        <a:srgbClr val="1C3678"/>
-      </a:folHlink>
-    </a:clrScheme>
-    <a:fontScheme name="Office">
-      <a:majorFont>
-        <a:latin typeface="Arial"/>
-        <a:ea typeface=""/>
-        <a:cs typeface=""/>
-        <a:font script="Jpan" typeface="ＭＳ Ｐゴシック"/>
-        <a:font script="Hang" typeface="맑은 고딕"/>
-        <a:font script="Hans" typeface="宋体"/>
-        <a:font script="Hant" typeface="新細明體"/>
-        <a:font script="Arab" typeface="Times New Roman"/>
-        <a:font script="Hebr" typeface="Times New Roman"/>
-        <a:font script="Thai" typeface="Angsana New"/>
-        <a:font script="Ethi" typeface="Nyala"/>
-        <a:font script="Beng" typeface="Vrinda"/>
-        <a:font script="Gujr" typeface="Shruti"/>
-        <a:font script="Khmr" typeface="MoolBoran"/>
-        <a:font script="Knda" typeface="Tunga"/>
-        <a:font script="Guru" typeface="Raavi"/>
-        <a:font script="Cans" typeface="Euphemia"/>
-        <a:font script="Cher" typeface="Plantagenet Cherokee"/>
-        <a:font script="Yiii" typeface="Microsoft Yi Baiti"/>
-        <a:font script="Tibt" typeface="Microsoft Himalaya"/>
-        <a:font script="Thaa" typeface="MV Boli"/>
-        <a:font script="Deva" typeface="Mangal"/>
-        <a:font script="Telu" typeface="Gautami"/>
-        <a:font script="Taml" typeface="Latha"/>
-        <a:font script="Syrc" typeface="Estrangelo Edessa"/>
-        <a:font script="Orya" typeface="Kalinga"/>
-        <a:font script="Mlym" typeface="Kartika"/>
-        <a:font script="Laoo" typeface="DokChampa"/>
-        <a:font script="Sinh" typeface="Iskoola Pota"/>
-        <a:font script="Mong" typeface="Mongolian Baiti"/>
-        <a:font script="Viet" typeface="Times New Roman"/>
-        <a:font script="Uigh" typeface="Microsoft Uighur"/>
-        <a:font script="Geor" typeface="Sylfaen"/>
-      </a:majorFont>
-      <a:minorFont>
-        <a:latin typeface="Arial"/>
-        <a:ea typeface=""/>
-        <a:cs typeface=""/>
-        <a:font script="Jpan" typeface="ＭＳ Ｐゴシック"/>
-        <a:font script="Hang" typeface="맑은 고딕"/>
-        <a:font script="Hans" typeface="宋体"/>
-        <a:font script="Hant" typeface="新細明體"/>
-        <a:font script="Arab" typeface="Arial"/>
-        <a:font script="Hebr" typeface="Arial"/>
-        <a:font script="Thai" typeface="Cordia New"/>
-        <a:font script="Ethi" typeface="Nyala"/>
-        <a:font script="Beng" typeface="Vrinda"/>
-        <a:font script="Gujr" typeface="Shruti"/>
-        <a:font script="Khmr" typeface="DaunPenh"/>
-        <a:font script="Knda" typeface="Tunga"/>
-        <a:font script="Guru" typeface="Raavi"/>
-        <a:font script="Cans" typeface="Euphemia"/>
-        <a:font script="Cher" typeface="Plantagenet Cherokee"/>
-        <a:font script="Yiii" typeface="Microsoft Yi Baiti"/>
-        <a:font script="Tibt" typeface="Microsoft Himalaya"/>
-        <a:font script="Thaa" typeface="MV Boli"/>
-        <a:font script="Deva" typeface="Mangal"/>
-        <a:font script="Telu" typeface="Gautami"/>
-        <a:font script="Taml" typeface="Latha"/>
-        <a:font script="Syrc" typeface="Estrangelo Edessa"/>
-        <a:font script="Orya" typeface="Kalinga"/>
-        <a:font script="Mlym" typeface="Kartika"/>
-        <a:font script="Laoo" typeface="DokChampa"/>
-        <a:font script="Sinh" typeface="Iskoola Pota"/>
-        <a:font script="Mong" typeface="Mongolian Baiti"/>
-        <a:font script="Viet" typeface="Arial"/>
-        <a:font script="Uigh" typeface="Microsoft Uighur"/>
-        <a:font script="Geor" typeface="Sylfaen"/>
-      </a:minorFont>
-    </a:fontScheme>
-    <a:fmtScheme name="Office">
-      <a:fillStyleLst>
-        <a:solidFill>
-          <a:schemeClr val="phClr"/>
-        </a:solidFill>
-        <a:gradFill rotWithShape="1">
-          <a:gsLst>
-            <a:gs pos="0">
-              <a:schemeClr val="phClr">
-                <a:tint val="50000"/>
-                <a:satMod val="300000"/>
-              </a:schemeClr>
-            </a:gs>
-            <a:gs pos="35000">
-              <a:schemeClr val="phClr">
-                <a:tint val="37000"/>
-                <a:satMod val="300000"/>
-              </a:schemeClr>
-            </a:gs>
-            <a:gs pos="100000">
-              <a:schemeClr val="phClr">
-                <a:tint val="15000"/>
-                <a:satMod val="350000"/>
-              </a:schemeClr>
-            </a:gs>
-          </a:gsLst>
-          <a:lin ang="16200000" scaled="1"/>
-        </a:gradFill>
-        <a:gradFill rotWithShape="1">
-          <a:gsLst>
-            <a:gs pos="0">
-              <a:schemeClr val="phClr">
-                <a:tint val="100000"/>
-                <a:shade val="100000"/>
-                <a:satMod val="130000"/>
-              </a:schemeClr>
-            </a:gs>
-            <a:gs pos="100000">
-              <a:schemeClr val="phClr">
-                <a:tint val="50000"/>
-                <a:shade val="100000"/>
-                <a:satMod val="350000"/>
-              </a:schemeClr>
-            </a:gs>
-          </a:gsLst>
-          <a:lin ang="16200000" scaled="0"/>
-        </a:gradFill>
-      </a:fillStyleLst>
-      <a:lnStyleLst>
-        <a:ln w="9525" cap="flat" cmpd="sng" algn="ctr">
-          <a:solidFill>
-            <a:schemeClr val="phClr">
-              <a:shade val="95000"/>
-              <a:satMod val="105000"/>
-            </a:schemeClr>
-          </a:solidFill>
-          <a:prstDash val="solid"/>
-        </a:ln>
-        <a:ln w="25400" cap="flat" cmpd="sng" algn="ctr">
-          <a:solidFill>
-            <a:schemeClr val="phClr"/>
-          </a:solidFill>
-          <a:prstDash val="solid"/>
-        </a:ln>
-        <a:ln w="38100" cap="flat" cmpd="sng" algn="ctr">
-          <a:solidFill>
-            <a:schemeClr val="phClr"/>
-          </a:solidFill>
-          <a:prstDash val="solid"/>
-        </a:ln>
-      </a:lnStyleLst>
-      <a:effectStyleLst>
-        <a:effectStyle>
-          <a:effectLst>
-            <a:outerShdw blurRad="40000" dist="20000" dir="5400000" rotWithShape="0">
-              <a:srgbClr val="000000">
-                <a:alpha val="38000"/>
-              </a:srgbClr>
-            </a:outerShdw>
-          </a:effectLst>
-        </a:effectStyle>
-        <a:effectStyle>
-          <a:effectLst>
-            <a:outerShdw blurRad="40000" dist="23000" dir="5400000" rotWithShape="0">
-              <a:srgbClr val="000000">
-                <a:alpha val="35000"/>
-              </a:srgbClr>
-            </a:outerShdw>
-          </a:effectLst>
-        </a:effectStyle>
-        <a:effectStyle>
-          <a:effectLst>
-            <a:outerShdw blurRad="40000" dist="23000" dir="5400000" rotWithShape="0">
-              <a:srgbClr val="000000">
-                <a:alpha val="35000"/>
-              </a:srgbClr>
-            </a:outerShdw>
-          </a:effectLst>
-          <a:scene3d>
-            <a:camera prst="orthographicFront">
-              <a:rot lat="0" lon="0" rev="0"/>
-            </a:camera>
-            <a:lightRig rig="threePt" dir="t">
-              <a:rot lat="0" lon="0" rev="1200000"/>
-            </a:lightRig>
-          </a:scene3d>
-          <a:sp3d>
-            <a:bevelT w="63500" h="25400"/>
-          </a:sp3d>
-        </a:effectStyle>
-      </a:effectStyleLst>
-      <a:bgFillStyleLst>
-        <a:solidFill>
-          <a:schemeClr val="phClr"/>
-        </a:solidFill>
-        <a:gradFill rotWithShape="1">
-          <a:gsLst>
-            <a:gs pos="0">
-              <a:schemeClr val="phClr">
-                <a:tint val="40000"/>
-                <a:satMod val="350000"/>
-              </a:schemeClr>
-            </a:gs>
-            <a:gs pos="40000">
-              <a:schemeClr val="phClr">
-                <a:tint val="45000"/>
-                <a:shade val="99000"/>
-                <a:satMod val="350000"/>
-              </a:schemeClr>
-            </a:gs>
-            <a:gs pos="100000">
-              <a:schemeClr val="phClr">
-                <a:shade val="20000"/>
-                <a:satMod val="255000"/>
-              </a:schemeClr>
-            </a:gs>
-          </a:gsLst>
-          <a:path path="circle">
-            <a:fillToRect l="50000" t="-80000" r="50000" b="180000"/>
-          </a:path>
-        </a:gradFill>
-        <a:gradFill rotWithShape="1">
-          <a:gsLst>
-            <a:gs pos="0">
-              <a:schemeClr val="phClr">
-                <a:tint val="80000"/>
-                <a:satMod val="300000"/>
-              </a:schemeClr>
-            </a:gs>
-            <a:gs pos="100000">
-              <a:schemeClr val="phClr">
-                <a:shade val="30000"/>
-                <a:satMod val="200000"/>
-              </a:schemeClr>
-            </a:gs>
-          </a:gsLst>
-          <a:path path="circle">
-            <a:fillToRect l="50000" t="50000" r="50000" b="50000"/>
-          </a:path>
-        </a:gradFill>
-      </a:bgFillStyleLst>
-    </a:fmtScheme>
-  </a:themeElements>
+  <a:objectDefaults/>
+  <a:extraClrSchemeLst/>
 </a:theme>
 </file>